--- a/DE Term Project/DE_TeamManila_Presentation.pptx
+++ b/DE Term Project/DE_TeamManila_Presentation.pptx
@@ -5,18 +5,17 @@
     <p:sldMasterId id="2147483903" r:id="rId1"/>
   </p:sldMasterIdLst>
   <p:notesMasterIdLst>
-    <p:notesMasterId r:id="rId11"/>
+    <p:notesMasterId r:id="rId10"/>
   </p:notesMasterIdLst>
   <p:sldIdLst>
     <p:sldId id="256" r:id="rId2"/>
     <p:sldId id="257" r:id="rId3"/>
     <p:sldId id="261" r:id="rId4"/>
     <p:sldId id="260" r:id="rId5"/>
-    <p:sldId id="259" r:id="rId6"/>
-    <p:sldId id="258" r:id="rId7"/>
-    <p:sldId id="262" r:id="rId8"/>
-    <p:sldId id="263" r:id="rId9"/>
-    <p:sldId id="264" r:id="rId10"/>
+    <p:sldId id="258" r:id="rId6"/>
+    <p:sldId id="262" r:id="rId7"/>
+    <p:sldId id="263" r:id="rId8"/>
+    <p:sldId id="264" r:id="rId9"/>
   </p:sldIdLst>
   <p:sldSz cx="12192000" cy="6858000"/>
   <p:notesSz cx="6858000" cy="9144000"/>
@@ -1617,6 +1616,1500 @@
 </dgm:colorsDef>
 </file>
 
+<file path=ppt/diagrams/colors3.xml><?xml version="1.0" encoding="utf-8"?>
+<dgm:colorsDef xmlns:dgm="http://schemas.openxmlformats.org/drawingml/2006/diagram" xmlns:a="http://schemas.openxmlformats.org/drawingml/2006/main" uniqueId="urn:microsoft.com/office/officeart/2005/8/colors/accent1_2">
+  <dgm:title val=""/>
+  <dgm:desc val=""/>
+  <dgm:catLst>
+    <dgm:cat type="accent1" pri="11200"/>
+  </dgm:catLst>
+  <dgm:styleLbl name="node0">
+    <dgm:fillClrLst meth="repeat">
+      <a:schemeClr val="accent1"/>
+    </dgm:fillClrLst>
+    <dgm:linClrLst meth="repeat">
+      <a:schemeClr val="lt1"/>
+    </dgm:linClrLst>
+    <dgm:effectClrLst/>
+    <dgm:txLinClrLst/>
+    <dgm:txFillClrLst/>
+    <dgm:txEffectClrLst/>
+  </dgm:styleLbl>
+  <dgm:styleLbl name="alignNode1">
+    <dgm:fillClrLst meth="repeat">
+      <a:schemeClr val="accent1"/>
+    </dgm:fillClrLst>
+    <dgm:linClrLst meth="repeat">
+      <a:schemeClr val="accent1"/>
+    </dgm:linClrLst>
+    <dgm:effectClrLst/>
+    <dgm:txLinClrLst/>
+    <dgm:txFillClrLst/>
+    <dgm:txEffectClrLst/>
+  </dgm:styleLbl>
+  <dgm:styleLbl name="node1">
+    <dgm:fillClrLst meth="repeat">
+      <a:schemeClr val="accent1"/>
+    </dgm:fillClrLst>
+    <dgm:linClrLst meth="repeat">
+      <a:schemeClr val="lt1"/>
+    </dgm:linClrLst>
+    <dgm:effectClrLst/>
+    <dgm:txLinClrLst/>
+    <dgm:txFillClrLst/>
+    <dgm:txEffectClrLst/>
+  </dgm:styleLbl>
+  <dgm:styleLbl name="lnNode1">
+    <dgm:fillClrLst meth="repeat">
+      <a:schemeClr val="accent1"/>
+    </dgm:fillClrLst>
+    <dgm:linClrLst meth="repeat">
+      <a:schemeClr val="lt1"/>
+    </dgm:linClrLst>
+    <dgm:effectClrLst/>
+    <dgm:txLinClrLst/>
+    <dgm:txFillClrLst/>
+    <dgm:txEffectClrLst/>
+  </dgm:styleLbl>
+  <dgm:styleLbl name="vennNode1">
+    <dgm:fillClrLst meth="repeat">
+      <a:schemeClr val="accent1">
+        <a:alpha val="50000"/>
+      </a:schemeClr>
+    </dgm:fillClrLst>
+    <dgm:linClrLst meth="repeat">
+      <a:schemeClr val="lt1"/>
+    </dgm:linClrLst>
+    <dgm:effectClrLst/>
+    <dgm:txLinClrLst/>
+    <dgm:txFillClrLst/>
+    <dgm:txEffectClrLst/>
+  </dgm:styleLbl>
+  <dgm:styleLbl name="node2">
+    <dgm:fillClrLst meth="repeat">
+      <a:schemeClr val="accent1"/>
+    </dgm:fillClrLst>
+    <dgm:linClrLst meth="repeat">
+      <a:schemeClr val="lt1"/>
+    </dgm:linClrLst>
+    <dgm:effectClrLst/>
+    <dgm:txLinClrLst/>
+    <dgm:txFillClrLst/>
+    <dgm:txEffectClrLst/>
+  </dgm:styleLbl>
+  <dgm:styleLbl name="node3">
+    <dgm:fillClrLst meth="repeat">
+      <a:schemeClr val="accent1"/>
+    </dgm:fillClrLst>
+    <dgm:linClrLst meth="repeat">
+      <a:schemeClr val="lt1"/>
+    </dgm:linClrLst>
+    <dgm:effectClrLst/>
+    <dgm:txLinClrLst/>
+    <dgm:txFillClrLst/>
+    <dgm:txEffectClrLst/>
+  </dgm:styleLbl>
+  <dgm:styleLbl name="node4">
+    <dgm:fillClrLst meth="repeat">
+      <a:schemeClr val="accent1"/>
+    </dgm:fillClrLst>
+    <dgm:linClrLst meth="repeat">
+      <a:schemeClr val="lt1"/>
+    </dgm:linClrLst>
+    <dgm:effectClrLst/>
+    <dgm:txLinClrLst/>
+    <dgm:txFillClrLst/>
+    <dgm:txEffectClrLst/>
+  </dgm:styleLbl>
+  <dgm:styleLbl name="fgImgPlace1">
+    <dgm:fillClrLst meth="repeat">
+      <a:schemeClr val="accent1">
+        <a:tint val="50000"/>
+      </a:schemeClr>
+    </dgm:fillClrLst>
+    <dgm:linClrLst meth="repeat">
+      <a:schemeClr val="lt1"/>
+    </dgm:linClrLst>
+    <dgm:effectClrLst/>
+    <dgm:txLinClrLst/>
+    <dgm:txFillClrLst meth="repeat">
+      <a:schemeClr val="lt1"/>
+    </dgm:txFillClrLst>
+    <dgm:txEffectClrLst/>
+  </dgm:styleLbl>
+  <dgm:styleLbl name="alignImgPlace1">
+    <dgm:fillClrLst meth="repeat">
+      <a:schemeClr val="accent1">
+        <a:tint val="50000"/>
+      </a:schemeClr>
+    </dgm:fillClrLst>
+    <dgm:linClrLst meth="repeat">
+      <a:schemeClr val="lt1"/>
+    </dgm:linClrLst>
+    <dgm:effectClrLst/>
+    <dgm:txLinClrLst/>
+    <dgm:txFillClrLst meth="repeat">
+      <a:schemeClr val="lt1"/>
+    </dgm:txFillClrLst>
+    <dgm:txEffectClrLst/>
+  </dgm:styleLbl>
+  <dgm:styleLbl name="bgImgPlace1">
+    <dgm:fillClrLst meth="repeat">
+      <a:schemeClr val="accent1">
+        <a:tint val="50000"/>
+      </a:schemeClr>
+    </dgm:fillClrLst>
+    <dgm:linClrLst meth="repeat">
+      <a:schemeClr val="lt1"/>
+    </dgm:linClrLst>
+    <dgm:effectClrLst/>
+    <dgm:txLinClrLst/>
+    <dgm:txFillClrLst meth="repeat">
+      <a:schemeClr val="lt1"/>
+    </dgm:txFillClrLst>
+    <dgm:txEffectClrLst/>
+  </dgm:styleLbl>
+  <dgm:styleLbl name="sibTrans2D1">
+    <dgm:fillClrLst meth="repeat">
+      <a:schemeClr val="accent1">
+        <a:tint val="60000"/>
+      </a:schemeClr>
+    </dgm:fillClrLst>
+    <dgm:linClrLst meth="repeat">
+      <a:schemeClr val="accent1">
+        <a:tint val="60000"/>
+      </a:schemeClr>
+    </dgm:linClrLst>
+    <dgm:effectClrLst/>
+    <dgm:txLinClrLst/>
+    <dgm:txFillClrLst/>
+    <dgm:txEffectClrLst/>
+  </dgm:styleLbl>
+  <dgm:styleLbl name="fgSibTrans2D1">
+    <dgm:fillClrLst meth="repeat">
+      <a:schemeClr val="accent1">
+        <a:tint val="60000"/>
+      </a:schemeClr>
+    </dgm:fillClrLst>
+    <dgm:linClrLst meth="repeat">
+      <a:schemeClr val="accent1">
+        <a:tint val="60000"/>
+      </a:schemeClr>
+    </dgm:linClrLst>
+    <dgm:effectClrLst/>
+    <dgm:txLinClrLst/>
+    <dgm:txFillClrLst/>
+    <dgm:txEffectClrLst/>
+  </dgm:styleLbl>
+  <dgm:styleLbl name="bgSibTrans2D1">
+    <dgm:fillClrLst meth="repeat">
+      <a:schemeClr val="accent1">
+        <a:tint val="60000"/>
+      </a:schemeClr>
+    </dgm:fillClrLst>
+    <dgm:linClrLst meth="repeat">
+      <a:schemeClr val="accent1">
+        <a:tint val="60000"/>
+      </a:schemeClr>
+    </dgm:linClrLst>
+    <dgm:effectClrLst/>
+    <dgm:txLinClrLst/>
+    <dgm:txFillClrLst/>
+    <dgm:txEffectClrLst/>
+  </dgm:styleLbl>
+  <dgm:styleLbl name="sibTrans1D1">
+    <dgm:fillClrLst meth="repeat">
+      <a:schemeClr val="accent1"/>
+    </dgm:fillClrLst>
+    <dgm:linClrLst meth="repeat">
+      <a:schemeClr val="accent1"/>
+    </dgm:linClrLst>
+    <dgm:effectClrLst/>
+    <dgm:txLinClrLst/>
+    <dgm:txFillClrLst meth="repeat">
+      <a:schemeClr val="tx1"/>
+    </dgm:txFillClrLst>
+    <dgm:txEffectClrLst/>
+  </dgm:styleLbl>
+  <dgm:styleLbl name="callout">
+    <dgm:fillClrLst meth="repeat">
+      <a:schemeClr val="accent1"/>
+    </dgm:fillClrLst>
+    <dgm:linClrLst meth="repeat">
+      <a:schemeClr val="accent1">
+        <a:tint val="50000"/>
+      </a:schemeClr>
+    </dgm:linClrLst>
+    <dgm:effectClrLst/>
+    <dgm:txLinClrLst/>
+    <dgm:txFillClrLst meth="repeat">
+      <a:schemeClr val="tx1"/>
+    </dgm:txFillClrLst>
+    <dgm:txEffectClrLst/>
+  </dgm:styleLbl>
+  <dgm:styleLbl name="asst0">
+    <dgm:fillClrLst meth="repeat">
+      <a:schemeClr val="accent1"/>
+    </dgm:fillClrLst>
+    <dgm:linClrLst meth="repeat">
+      <a:schemeClr val="lt1"/>
+    </dgm:linClrLst>
+    <dgm:effectClrLst/>
+    <dgm:txLinClrLst/>
+    <dgm:txFillClrLst/>
+    <dgm:txEffectClrLst/>
+  </dgm:styleLbl>
+  <dgm:styleLbl name="asst1">
+    <dgm:fillClrLst meth="repeat">
+      <a:schemeClr val="accent1"/>
+    </dgm:fillClrLst>
+    <dgm:linClrLst meth="repeat">
+      <a:schemeClr val="lt1"/>
+    </dgm:linClrLst>
+    <dgm:effectClrLst/>
+    <dgm:txLinClrLst/>
+    <dgm:txFillClrLst/>
+    <dgm:txEffectClrLst/>
+  </dgm:styleLbl>
+  <dgm:styleLbl name="asst2">
+    <dgm:fillClrLst meth="repeat">
+      <a:schemeClr val="accent1"/>
+    </dgm:fillClrLst>
+    <dgm:linClrLst meth="repeat">
+      <a:schemeClr val="lt1"/>
+    </dgm:linClrLst>
+    <dgm:effectClrLst/>
+    <dgm:txLinClrLst/>
+    <dgm:txFillClrLst/>
+    <dgm:txEffectClrLst/>
+  </dgm:styleLbl>
+  <dgm:styleLbl name="asst3">
+    <dgm:fillClrLst meth="repeat">
+      <a:schemeClr val="accent1"/>
+    </dgm:fillClrLst>
+    <dgm:linClrLst meth="repeat">
+      <a:schemeClr val="lt1"/>
+    </dgm:linClrLst>
+    <dgm:effectClrLst/>
+    <dgm:txLinClrLst/>
+    <dgm:txFillClrLst/>
+    <dgm:txEffectClrLst/>
+  </dgm:styleLbl>
+  <dgm:styleLbl name="asst4">
+    <dgm:fillClrLst meth="repeat">
+      <a:schemeClr val="accent1"/>
+    </dgm:fillClrLst>
+    <dgm:linClrLst meth="repeat">
+      <a:schemeClr val="lt1"/>
+    </dgm:linClrLst>
+    <dgm:effectClrLst/>
+    <dgm:txLinClrLst/>
+    <dgm:txFillClrLst/>
+    <dgm:txEffectClrLst/>
+  </dgm:styleLbl>
+  <dgm:styleLbl name="parChTrans2D1">
+    <dgm:fillClrLst meth="repeat">
+      <a:schemeClr val="accent1">
+        <a:tint val="60000"/>
+      </a:schemeClr>
+    </dgm:fillClrLst>
+    <dgm:linClrLst meth="repeat">
+      <a:schemeClr val="accent1">
+        <a:tint val="60000"/>
+      </a:schemeClr>
+    </dgm:linClrLst>
+    <dgm:effectClrLst/>
+    <dgm:txLinClrLst/>
+    <dgm:txFillClrLst meth="repeat">
+      <a:schemeClr val="lt1"/>
+    </dgm:txFillClrLst>
+    <dgm:txEffectClrLst/>
+  </dgm:styleLbl>
+  <dgm:styleLbl name="parChTrans2D2">
+    <dgm:fillClrLst meth="repeat">
+      <a:schemeClr val="accent1"/>
+    </dgm:fillClrLst>
+    <dgm:linClrLst meth="repeat">
+      <a:schemeClr val="accent1"/>
+    </dgm:linClrLst>
+    <dgm:effectClrLst/>
+    <dgm:txLinClrLst/>
+    <dgm:txFillClrLst meth="repeat">
+      <a:schemeClr val="lt1"/>
+    </dgm:txFillClrLst>
+    <dgm:txEffectClrLst/>
+  </dgm:styleLbl>
+  <dgm:styleLbl name="parChTrans2D3">
+    <dgm:fillClrLst meth="repeat">
+      <a:schemeClr val="accent1"/>
+    </dgm:fillClrLst>
+    <dgm:linClrLst meth="repeat">
+      <a:schemeClr val="accent1"/>
+    </dgm:linClrLst>
+    <dgm:effectClrLst/>
+    <dgm:txLinClrLst/>
+    <dgm:txFillClrLst meth="repeat">
+      <a:schemeClr val="lt1"/>
+    </dgm:txFillClrLst>
+    <dgm:txEffectClrLst/>
+  </dgm:styleLbl>
+  <dgm:styleLbl name="parChTrans2D4">
+    <dgm:fillClrLst meth="repeat">
+      <a:schemeClr val="accent1"/>
+    </dgm:fillClrLst>
+    <dgm:linClrLst meth="repeat">
+      <a:schemeClr val="accent1"/>
+    </dgm:linClrLst>
+    <dgm:effectClrLst/>
+    <dgm:txLinClrLst/>
+    <dgm:txFillClrLst meth="repeat">
+      <a:schemeClr val="lt1"/>
+    </dgm:txFillClrLst>
+    <dgm:txEffectClrLst/>
+  </dgm:styleLbl>
+  <dgm:styleLbl name="parChTrans1D1">
+    <dgm:fillClrLst meth="repeat">
+      <a:schemeClr val="accent1"/>
+    </dgm:fillClrLst>
+    <dgm:linClrLst meth="repeat">
+      <a:schemeClr val="accent1">
+        <a:shade val="60000"/>
+      </a:schemeClr>
+    </dgm:linClrLst>
+    <dgm:effectClrLst/>
+    <dgm:txLinClrLst/>
+    <dgm:txFillClrLst meth="repeat">
+      <a:schemeClr val="tx1"/>
+    </dgm:txFillClrLst>
+    <dgm:txEffectClrLst/>
+  </dgm:styleLbl>
+  <dgm:styleLbl name="parChTrans1D2">
+    <dgm:fillClrLst meth="repeat">
+      <a:schemeClr val="accent1"/>
+    </dgm:fillClrLst>
+    <dgm:linClrLst meth="repeat">
+      <a:schemeClr val="accent1">
+        <a:shade val="60000"/>
+      </a:schemeClr>
+    </dgm:linClrLst>
+    <dgm:effectClrLst/>
+    <dgm:txLinClrLst/>
+    <dgm:txFillClrLst meth="repeat">
+      <a:schemeClr val="tx1"/>
+    </dgm:txFillClrLst>
+    <dgm:txEffectClrLst/>
+  </dgm:styleLbl>
+  <dgm:styleLbl name="parChTrans1D3">
+    <dgm:fillClrLst meth="repeat">
+      <a:schemeClr val="accent1"/>
+    </dgm:fillClrLst>
+    <dgm:linClrLst meth="repeat">
+      <a:schemeClr val="accent1">
+        <a:shade val="80000"/>
+      </a:schemeClr>
+    </dgm:linClrLst>
+    <dgm:effectClrLst/>
+    <dgm:txLinClrLst/>
+    <dgm:txFillClrLst meth="repeat">
+      <a:schemeClr val="tx1"/>
+    </dgm:txFillClrLst>
+    <dgm:txEffectClrLst/>
+  </dgm:styleLbl>
+  <dgm:styleLbl name="parChTrans1D4">
+    <dgm:fillClrLst meth="repeat">
+      <a:schemeClr val="accent1"/>
+    </dgm:fillClrLst>
+    <dgm:linClrLst meth="repeat">
+      <a:schemeClr val="accent1">
+        <a:shade val="80000"/>
+      </a:schemeClr>
+    </dgm:linClrLst>
+    <dgm:effectClrLst/>
+    <dgm:txLinClrLst/>
+    <dgm:txFillClrLst meth="repeat">
+      <a:schemeClr val="tx1"/>
+    </dgm:txFillClrLst>
+    <dgm:txEffectClrLst/>
+  </dgm:styleLbl>
+  <dgm:styleLbl name="fgAcc1">
+    <dgm:fillClrLst meth="repeat">
+      <a:schemeClr val="lt1">
+        <a:alpha val="90000"/>
+      </a:schemeClr>
+    </dgm:fillClrLst>
+    <dgm:linClrLst meth="repeat">
+      <a:schemeClr val="accent1"/>
+    </dgm:linClrLst>
+    <dgm:effectClrLst/>
+    <dgm:txLinClrLst/>
+    <dgm:txFillClrLst meth="repeat">
+      <a:schemeClr val="dk1"/>
+    </dgm:txFillClrLst>
+    <dgm:txEffectClrLst/>
+  </dgm:styleLbl>
+  <dgm:styleLbl name="conFgAcc1">
+    <dgm:fillClrLst meth="repeat">
+      <a:schemeClr val="lt1">
+        <a:alpha val="90000"/>
+      </a:schemeClr>
+    </dgm:fillClrLst>
+    <dgm:linClrLst meth="repeat">
+      <a:schemeClr val="accent1"/>
+    </dgm:linClrLst>
+    <dgm:effectClrLst/>
+    <dgm:txLinClrLst/>
+    <dgm:txFillClrLst meth="repeat">
+      <a:schemeClr val="dk1"/>
+    </dgm:txFillClrLst>
+    <dgm:txEffectClrLst/>
+  </dgm:styleLbl>
+  <dgm:styleLbl name="alignAcc1">
+    <dgm:fillClrLst meth="repeat">
+      <a:schemeClr val="lt1">
+        <a:alpha val="90000"/>
+      </a:schemeClr>
+    </dgm:fillClrLst>
+    <dgm:linClrLst meth="repeat">
+      <a:schemeClr val="accent1"/>
+    </dgm:linClrLst>
+    <dgm:effectClrLst/>
+    <dgm:txLinClrLst/>
+    <dgm:txFillClrLst meth="repeat">
+      <a:schemeClr val="dk1"/>
+    </dgm:txFillClrLst>
+    <dgm:txEffectClrLst/>
+  </dgm:styleLbl>
+  <dgm:styleLbl name="trAlignAcc1">
+    <dgm:fillClrLst meth="repeat">
+      <a:schemeClr val="lt1">
+        <a:alpha val="40000"/>
+      </a:schemeClr>
+    </dgm:fillClrLst>
+    <dgm:linClrLst meth="repeat">
+      <a:schemeClr val="accent1"/>
+    </dgm:linClrLst>
+    <dgm:effectClrLst/>
+    <dgm:txLinClrLst/>
+    <dgm:txFillClrLst meth="repeat">
+      <a:schemeClr val="dk1"/>
+    </dgm:txFillClrLst>
+    <dgm:txEffectClrLst/>
+  </dgm:styleLbl>
+  <dgm:styleLbl name="bgAcc1">
+    <dgm:fillClrLst meth="repeat">
+      <a:schemeClr val="lt1">
+        <a:alpha val="90000"/>
+      </a:schemeClr>
+    </dgm:fillClrLst>
+    <dgm:linClrLst meth="repeat">
+      <a:schemeClr val="accent1"/>
+    </dgm:linClrLst>
+    <dgm:effectClrLst/>
+    <dgm:txLinClrLst/>
+    <dgm:txFillClrLst meth="repeat">
+      <a:schemeClr val="dk1"/>
+    </dgm:txFillClrLst>
+    <dgm:txEffectClrLst/>
+  </dgm:styleLbl>
+  <dgm:styleLbl name="solidFgAcc1">
+    <dgm:fillClrLst meth="repeat">
+      <a:schemeClr val="lt1"/>
+    </dgm:fillClrLst>
+    <dgm:linClrLst meth="repeat">
+      <a:schemeClr val="accent1"/>
+    </dgm:linClrLst>
+    <dgm:effectClrLst/>
+    <dgm:txLinClrLst/>
+    <dgm:txFillClrLst meth="repeat">
+      <a:schemeClr val="dk1"/>
+    </dgm:txFillClrLst>
+    <dgm:txEffectClrLst/>
+  </dgm:styleLbl>
+  <dgm:styleLbl name="solidAlignAcc1">
+    <dgm:fillClrLst meth="repeat">
+      <a:schemeClr val="lt1"/>
+    </dgm:fillClrLst>
+    <dgm:linClrLst meth="repeat">
+      <a:schemeClr val="accent1"/>
+    </dgm:linClrLst>
+    <dgm:effectClrLst/>
+    <dgm:txLinClrLst/>
+    <dgm:txFillClrLst meth="repeat">
+      <a:schemeClr val="dk1"/>
+    </dgm:txFillClrLst>
+    <dgm:txEffectClrLst/>
+  </dgm:styleLbl>
+  <dgm:styleLbl name="solidBgAcc1">
+    <dgm:fillClrLst meth="repeat">
+      <a:schemeClr val="lt1"/>
+    </dgm:fillClrLst>
+    <dgm:linClrLst meth="repeat">
+      <a:schemeClr val="accent1"/>
+    </dgm:linClrLst>
+    <dgm:effectClrLst/>
+    <dgm:txLinClrLst/>
+    <dgm:txFillClrLst meth="repeat">
+      <a:schemeClr val="dk1"/>
+    </dgm:txFillClrLst>
+    <dgm:txEffectClrLst/>
+  </dgm:styleLbl>
+  <dgm:styleLbl name="fgAccFollowNode1">
+    <dgm:fillClrLst meth="repeat">
+      <a:schemeClr val="accent1">
+        <a:alpha val="90000"/>
+        <a:tint val="40000"/>
+      </a:schemeClr>
+    </dgm:fillClrLst>
+    <dgm:linClrLst meth="repeat">
+      <a:schemeClr val="accent1">
+        <a:alpha val="90000"/>
+        <a:tint val="40000"/>
+      </a:schemeClr>
+    </dgm:linClrLst>
+    <dgm:effectClrLst/>
+    <dgm:txLinClrLst/>
+    <dgm:txFillClrLst meth="repeat">
+      <a:schemeClr val="dk1"/>
+    </dgm:txFillClrLst>
+    <dgm:txEffectClrLst/>
+  </dgm:styleLbl>
+  <dgm:styleLbl name="alignAccFollowNode1">
+    <dgm:fillClrLst meth="repeat">
+      <a:schemeClr val="accent1">
+        <a:alpha val="90000"/>
+        <a:tint val="40000"/>
+      </a:schemeClr>
+    </dgm:fillClrLst>
+    <dgm:linClrLst meth="repeat">
+      <a:schemeClr val="accent1">
+        <a:alpha val="90000"/>
+        <a:tint val="40000"/>
+      </a:schemeClr>
+    </dgm:linClrLst>
+    <dgm:effectClrLst/>
+    <dgm:txLinClrLst/>
+    <dgm:txFillClrLst meth="repeat">
+      <a:schemeClr val="dk1"/>
+    </dgm:txFillClrLst>
+    <dgm:txEffectClrLst/>
+  </dgm:styleLbl>
+  <dgm:styleLbl name="bgAccFollowNode1">
+    <dgm:fillClrLst meth="repeat">
+      <a:schemeClr val="accent1">
+        <a:alpha val="90000"/>
+        <a:tint val="40000"/>
+      </a:schemeClr>
+    </dgm:fillClrLst>
+    <dgm:linClrLst meth="repeat">
+      <a:schemeClr val="accent1">
+        <a:alpha val="90000"/>
+        <a:tint val="40000"/>
+      </a:schemeClr>
+    </dgm:linClrLst>
+    <dgm:effectClrLst/>
+    <dgm:txLinClrLst/>
+    <dgm:txFillClrLst meth="repeat">
+      <a:schemeClr val="dk1"/>
+    </dgm:txFillClrLst>
+    <dgm:txEffectClrLst/>
+  </dgm:styleLbl>
+  <dgm:styleLbl name="fgAcc0">
+    <dgm:fillClrLst meth="repeat">
+      <a:schemeClr val="lt1">
+        <a:alpha val="90000"/>
+      </a:schemeClr>
+    </dgm:fillClrLst>
+    <dgm:linClrLst meth="repeat">
+      <a:schemeClr val="accent1"/>
+    </dgm:linClrLst>
+    <dgm:effectClrLst/>
+    <dgm:txLinClrLst/>
+    <dgm:txFillClrLst meth="repeat">
+      <a:schemeClr val="dk1"/>
+    </dgm:txFillClrLst>
+    <dgm:txEffectClrLst/>
+  </dgm:styleLbl>
+  <dgm:styleLbl name="fgAcc2">
+    <dgm:fillClrLst meth="repeat">
+      <a:schemeClr val="lt1">
+        <a:alpha val="90000"/>
+      </a:schemeClr>
+    </dgm:fillClrLst>
+    <dgm:linClrLst meth="repeat">
+      <a:schemeClr val="accent1"/>
+    </dgm:linClrLst>
+    <dgm:effectClrLst/>
+    <dgm:txLinClrLst/>
+    <dgm:txFillClrLst meth="repeat">
+      <a:schemeClr val="dk1"/>
+    </dgm:txFillClrLst>
+    <dgm:txEffectClrLst/>
+  </dgm:styleLbl>
+  <dgm:styleLbl name="fgAcc3">
+    <dgm:fillClrLst meth="repeat">
+      <a:schemeClr val="lt1">
+        <a:alpha val="90000"/>
+      </a:schemeClr>
+    </dgm:fillClrLst>
+    <dgm:linClrLst meth="repeat">
+      <a:schemeClr val="accent1"/>
+    </dgm:linClrLst>
+    <dgm:effectClrLst/>
+    <dgm:txLinClrLst/>
+    <dgm:txFillClrLst meth="repeat">
+      <a:schemeClr val="dk1"/>
+    </dgm:txFillClrLst>
+    <dgm:txEffectClrLst/>
+  </dgm:styleLbl>
+  <dgm:styleLbl name="fgAcc4">
+    <dgm:fillClrLst meth="repeat">
+      <a:schemeClr val="lt1">
+        <a:alpha val="90000"/>
+      </a:schemeClr>
+    </dgm:fillClrLst>
+    <dgm:linClrLst meth="repeat">
+      <a:schemeClr val="accent1"/>
+    </dgm:linClrLst>
+    <dgm:effectClrLst/>
+    <dgm:txLinClrLst/>
+    <dgm:txFillClrLst meth="repeat">
+      <a:schemeClr val="dk1"/>
+    </dgm:txFillClrLst>
+    <dgm:txEffectClrLst/>
+  </dgm:styleLbl>
+  <dgm:styleLbl name="bgShp">
+    <dgm:fillClrLst meth="repeat">
+      <a:schemeClr val="accent1">
+        <a:tint val="40000"/>
+      </a:schemeClr>
+    </dgm:fillClrLst>
+    <dgm:linClrLst meth="repeat">
+      <a:schemeClr val="accent1"/>
+    </dgm:linClrLst>
+    <dgm:effectClrLst/>
+    <dgm:txLinClrLst/>
+    <dgm:txFillClrLst meth="repeat">
+      <a:schemeClr val="dk1"/>
+    </dgm:txFillClrLst>
+    <dgm:txEffectClrLst/>
+  </dgm:styleLbl>
+  <dgm:styleLbl name="dkBgShp">
+    <dgm:fillClrLst meth="repeat">
+      <a:schemeClr val="accent1">
+        <a:shade val="80000"/>
+      </a:schemeClr>
+    </dgm:fillClrLst>
+    <dgm:linClrLst meth="repeat">
+      <a:schemeClr val="accent1"/>
+    </dgm:linClrLst>
+    <dgm:effectClrLst/>
+    <dgm:txLinClrLst/>
+    <dgm:txFillClrLst meth="repeat">
+      <a:schemeClr val="lt1"/>
+    </dgm:txFillClrLst>
+    <dgm:txEffectClrLst/>
+  </dgm:styleLbl>
+  <dgm:styleLbl name="trBgShp">
+    <dgm:fillClrLst meth="repeat">
+      <a:schemeClr val="accent1">
+        <a:tint val="50000"/>
+        <a:alpha val="40000"/>
+      </a:schemeClr>
+    </dgm:fillClrLst>
+    <dgm:linClrLst meth="repeat">
+      <a:schemeClr val="accent1"/>
+    </dgm:linClrLst>
+    <dgm:effectClrLst/>
+    <dgm:txLinClrLst/>
+    <dgm:txFillClrLst meth="repeat">
+      <a:schemeClr val="lt1"/>
+    </dgm:txFillClrLst>
+    <dgm:txEffectClrLst/>
+  </dgm:styleLbl>
+  <dgm:styleLbl name="fgShp">
+    <dgm:fillClrLst meth="repeat">
+      <a:schemeClr val="accent1">
+        <a:tint val="60000"/>
+      </a:schemeClr>
+    </dgm:fillClrLst>
+    <dgm:linClrLst meth="repeat">
+      <a:schemeClr val="lt1"/>
+    </dgm:linClrLst>
+    <dgm:effectClrLst/>
+    <dgm:txLinClrLst/>
+    <dgm:txFillClrLst meth="repeat">
+      <a:schemeClr val="dk1"/>
+    </dgm:txFillClrLst>
+    <dgm:txEffectClrLst/>
+  </dgm:styleLbl>
+  <dgm:styleLbl name="revTx">
+    <dgm:fillClrLst meth="repeat">
+      <a:schemeClr val="lt1">
+        <a:alpha val="0"/>
+      </a:schemeClr>
+    </dgm:fillClrLst>
+    <dgm:linClrLst meth="repeat">
+      <a:schemeClr val="dk1">
+        <a:alpha val="0"/>
+      </a:schemeClr>
+    </dgm:linClrLst>
+    <dgm:effectClrLst/>
+    <dgm:txLinClrLst/>
+    <dgm:txFillClrLst meth="repeat">
+      <a:schemeClr val="tx1"/>
+    </dgm:txFillClrLst>
+    <dgm:txEffectClrLst/>
+  </dgm:styleLbl>
+</dgm:colorsDef>
+</file>
+
+<file path=ppt/diagrams/colors4.xml><?xml version="1.0" encoding="utf-8"?>
+<dgm:colorsDef xmlns:dgm="http://schemas.openxmlformats.org/drawingml/2006/diagram" xmlns:a="http://schemas.openxmlformats.org/drawingml/2006/main" uniqueId="urn:microsoft.com/office/officeart/2005/8/colors/accent1_2">
+  <dgm:title val=""/>
+  <dgm:desc val=""/>
+  <dgm:catLst>
+    <dgm:cat type="accent1" pri="11200"/>
+  </dgm:catLst>
+  <dgm:styleLbl name="node0">
+    <dgm:fillClrLst meth="repeat">
+      <a:schemeClr val="accent1"/>
+    </dgm:fillClrLst>
+    <dgm:linClrLst meth="repeat">
+      <a:schemeClr val="lt1"/>
+    </dgm:linClrLst>
+    <dgm:effectClrLst/>
+    <dgm:txLinClrLst/>
+    <dgm:txFillClrLst/>
+    <dgm:txEffectClrLst/>
+  </dgm:styleLbl>
+  <dgm:styleLbl name="alignNode1">
+    <dgm:fillClrLst meth="repeat">
+      <a:schemeClr val="accent1"/>
+    </dgm:fillClrLst>
+    <dgm:linClrLst meth="repeat">
+      <a:schemeClr val="accent1"/>
+    </dgm:linClrLst>
+    <dgm:effectClrLst/>
+    <dgm:txLinClrLst/>
+    <dgm:txFillClrLst/>
+    <dgm:txEffectClrLst/>
+  </dgm:styleLbl>
+  <dgm:styleLbl name="node1">
+    <dgm:fillClrLst meth="repeat">
+      <a:schemeClr val="accent1"/>
+    </dgm:fillClrLst>
+    <dgm:linClrLst meth="repeat">
+      <a:schemeClr val="lt1"/>
+    </dgm:linClrLst>
+    <dgm:effectClrLst/>
+    <dgm:txLinClrLst/>
+    <dgm:txFillClrLst/>
+    <dgm:txEffectClrLst/>
+  </dgm:styleLbl>
+  <dgm:styleLbl name="lnNode1">
+    <dgm:fillClrLst meth="repeat">
+      <a:schemeClr val="accent1"/>
+    </dgm:fillClrLst>
+    <dgm:linClrLst meth="repeat">
+      <a:schemeClr val="lt1"/>
+    </dgm:linClrLst>
+    <dgm:effectClrLst/>
+    <dgm:txLinClrLst/>
+    <dgm:txFillClrLst/>
+    <dgm:txEffectClrLst/>
+  </dgm:styleLbl>
+  <dgm:styleLbl name="vennNode1">
+    <dgm:fillClrLst meth="repeat">
+      <a:schemeClr val="accent1">
+        <a:alpha val="50000"/>
+      </a:schemeClr>
+    </dgm:fillClrLst>
+    <dgm:linClrLst meth="repeat">
+      <a:schemeClr val="lt1"/>
+    </dgm:linClrLst>
+    <dgm:effectClrLst/>
+    <dgm:txLinClrLst/>
+    <dgm:txFillClrLst/>
+    <dgm:txEffectClrLst/>
+  </dgm:styleLbl>
+  <dgm:styleLbl name="node2">
+    <dgm:fillClrLst meth="repeat">
+      <a:schemeClr val="accent1"/>
+    </dgm:fillClrLst>
+    <dgm:linClrLst meth="repeat">
+      <a:schemeClr val="lt1"/>
+    </dgm:linClrLst>
+    <dgm:effectClrLst/>
+    <dgm:txLinClrLst/>
+    <dgm:txFillClrLst/>
+    <dgm:txEffectClrLst/>
+  </dgm:styleLbl>
+  <dgm:styleLbl name="node3">
+    <dgm:fillClrLst meth="repeat">
+      <a:schemeClr val="accent1"/>
+    </dgm:fillClrLst>
+    <dgm:linClrLst meth="repeat">
+      <a:schemeClr val="lt1"/>
+    </dgm:linClrLst>
+    <dgm:effectClrLst/>
+    <dgm:txLinClrLst/>
+    <dgm:txFillClrLst/>
+    <dgm:txEffectClrLst/>
+  </dgm:styleLbl>
+  <dgm:styleLbl name="node4">
+    <dgm:fillClrLst meth="repeat">
+      <a:schemeClr val="accent1"/>
+    </dgm:fillClrLst>
+    <dgm:linClrLst meth="repeat">
+      <a:schemeClr val="lt1"/>
+    </dgm:linClrLst>
+    <dgm:effectClrLst/>
+    <dgm:txLinClrLst/>
+    <dgm:txFillClrLst/>
+    <dgm:txEffectClrLst/>
+  </dgm:styleLbl>
+  <dgm:styleLbl name="fgImgPlace1">
+    <dgm:fillClrLst meth="repeat">
+      <a:schemeClr val="accent1">
+        <a:tint val="50000"/>
+      </a:schemeClr>
+    </dgm:fillClrLst>
+    <dgm:linClrLst meth="repeat">
+      <a:schemeClr val="lt1"/>
+    </dgm:linClrLst>
+    <dgm:effectClrLst/>
+    <dgm:txLinClrLst/>
+    <dgm:txFillClrLst meth="repeat">
+      <a:schemeClr val="lt1"/>
+    </dgm:txFillClrLst>
+    <dgm:txEffectClrLst/>
+  </dgm:styleLbl>
+  <dgm:styleLbl name="alignImgPlace1">
+    <dgm:fillClrLst meth="repeat">
+      <a:schemeClr val="accent1">
+        <a:tint val="50000"/>
+      </a:schemeClr>
+    </dgm:fillClrLst>
+    <dgm:linClrLst meth="repeat">
+      <a:schemeClr val="lt1"/>
+    </dgm:linClrLst>
+    <dgm:effectClrLst/>
+    <dgm:txLinClrLst/>
+    <dgm:txFillClrLst meth="repeat">
+      <a:schemeClr val="lt1"/>
+    </dgm:txFillClrLst>
+    <dgm:txEffectClrLst/>
+  </dgm:styleLbl>
+  <dgm:styleLbl name="bgImgPlace1">
+    <dgm:fillClrLst meth="repeat">
+      <a:schemeClr val="accent1">
+        <a:tint val="50000"/>
+      </a:schemeClr>
+    </dgm:fillClrLst>
+    <dgm:linClrLst meth="repeat">
+      <a:schemeClr val="lt1"/>
+    </dgm:linClrLst>
+    <dgm:effectClrLst/>
+    <dgm:txLinClrLst/>
+    <dgm:txFillClrLst meth="repeat">
+      <a:schemeClr val="lt1"/>
+    </dgm:txFillClrLst>
+    <dgm:txEffectClrLst/>
+  </dgm:styleLbl>
+  <dgm:styleLbl name="sibTrans2D1">
+    <dgm:fillClrLst meth="repeat">
+      <a:schemeClr val="accent1">
+        <a:tint val="60000"/>
+      </a:schemeClr>
+    </dgm:fillClrLst>
+    <dgm:linClrLst meth="repeat">
+      <a:schemeClr val="accent1">
+        <a:tint val="60000"/>
+      </a:schemeClr>
+    </dgm:linClrLst>
+    <dgm:effectClrLst/>
+    <dgm:txLinClrLst/>
+    <dgm:txFillClrLst/>
+    <dgm:txEffectClrLst/>
+  </dgm:styleLbl>
+  <dgm:styleLbl name="fgSibTrans2D1">
+    <dgm:fillClrLst meth="repeat">
+      <a:schemeClr val="accent1">
+        <a:tint val="60000"/>
+      </a:schemeClr>
+    </dgm:fillClrLst>
+    <dgm:linClrLst meth="repeat">
+      <a:schemeClr val="accent1">
+        <a:tint val="60000"/>
+      </a:schemeClr>
+    </dgm:linClrLst>
+    <dgm:effectClrLst/>
+    <dgm:txLinClrLst/>
+    <dgm:txFillClrLst/>
+    <dgm:txEffectClrLst/>
+  </dgm:styleLbl>
+  <dgm:styleLbl name="bgSibTrans2D1">
+    <dgm:fillClrLst meth="repeat">
+      <a:schemeClr val="accent1">
+        <a:tint val="60000"/>
+      </a:schemeClr>
+    </dgm:fillClrLst>
+    <dgm:linClrLst meth="repeat">
+      <a:schemeClr val="accent1">
+        <a:tint val="60000"/>
+      </a:schemeClr>
+    </dgm:linClrLst>
+    <dgm:effectClrLst/>
+    <dgm:txLinClrLst/>
+    <dgm:txFillClrLst/>
+    <dgm:txEffectClrLst/>
+  </dgm:styleLbl>
+  <dgm:styleLbl name="sibTrans1D1">
+    <dgm:fillClrLst meth="repeat">
+      <a:schemeClr val="accent1"/>
+    </dgm:fillClrLst>
+    <dgm:linClrLst meth="repeat">
+      <a:schemeClr val="accent1"/>
+    </dgm:linClrLst>
+    <dgm:effectClrLst/>
+    <dgm:txLinClrLst/>
+    <dgm:txFillClrLst meth="repeat">
+      <a:schemeClr val="tx1"/>
+    </dgm:txFillClrLst>
+    <dgm:txEffectClrLst/>
+  </dgm:styleLbl>
+  <dgm:styleLbl name="callout">
+    <dgm:fillClrLst meth="repeat">
+      <a:schemeClr val="accent1"/>
+    </dgm:fillClrLst>
+    <dgm:linClrLst meth="repeat">
+      <a:schemeClr val="accent1">
+        <a:tint val="50000"/>
+      </a:schemeClr>
+    </dgm:linClrLst>
+    <dgm:effectClrLst/>
+    <dgm:txLinClrLst/>
+    <dgm:txFillClrLst meth="repeat">
+      <a:schemeClr val="tx1"/>
+    </dgm:txFillClrLst>
+    <dgm:txEffectClrLst/>
+  </dgm:styleLbl>
+  <dgm:styleLbl name="asst0">
+    <dgm:fillClrLst meth="repeat">
+      <a:schemeClr val="accent1"/>
+    </dgm:fillClrLst>
+    <dgm:linClrLst meth="repeat">
+      <a:schemeClr val="lt1"/>
+    </dgm:linClrLst>
+    <dgm:effectClrLst/>
+    <dgm:txLinClrLst/>
+    <dgm:txFillClrLst/>
+    <dgm:txEffectClrLst/>
+  </dgm:styleLbl>
+  <dgm:styleLbl name="asst1">
+    <dgm:fillClrLst meth="repeat">
+      <a:schemeClr val="accent1"/>
+    </dgm:fillClrLst>
+    <dgm:linClrLst meth="repeat">
+      <a:schemeClr val="lt1"/>
+    </dgm:linClrLst>
+    <dgm:effectClrLst/>
+    <dgm:txLinClrLst/>
+    <dgm:txFillClrLst/>
+    <dgm:txEffectClrLst/>
+  </dgm:styleLbl>
+  <dgm:styleLbl name="asst2">
+    <dgm:fillClrLst meth="repeat">
+      <a:schemeClr val="accent1"/>
+    </dgm:fillClrLst>
+    <dgm:linClrLst meth="repeat">
+      <a:schemeClr val="lt1"/>
+    </dgm:linClrLst>
+    <dgm:effectClrLst/>
+    <dgm:txLinClrLst/>
+    <dgm:txFillClrLst/>
+    <dgm:txEffectClrLst/>
+  </dgm:styleLbl>
+  <dgm:styleLbl name="asst3">
+    <dgm:fillClrLst meth="repeat">
+      <a:schemeClr val="accent1"/>
+    </dgm:fillClrLst>
+    <dgm:linClrLst meth="repeat">
+      <a:schemeClr val="lt1"/>
+    </dgm:linClrLst>
+    <dgm:effectClrLst/>
+    <dgm:txLinClrLst/>
+    <dgm:txFillClrLst/>
+    <dgm:txEffectClrLst/>
+  </dgm:styleLbl>
+  <dgm:styleLbl name="asst4">
+    <dgm:fillClrLst meth="repeat">
+      <a:schemeClr val="accent1"/>
+    </dgm:fillClrLst>
+    <dgm:linClrLst meth="repeat">
+      <a:schemeClr val="lt1"/>
+    </dgm:linClrLst>
+    <dgm:effectClrLst/>
+    <dgm:txLinClrLst/>
+    <dgm:txFillClrLst/>
+    <dgm:txEffectClrLst/>
+  </dgm:styleLbl>
+  <dgm:styleLbl name="parChTrans2D1">
+    <dgm:fillClrLst meth="repeat">
+      <a:schemeClr val="accent1">
+        <a:tint val="60000"/>
+      </a:schemeClr>
+    </dgm:fillClrLst>
+    <dgm:linClrLst meth="repeat">
+      <a:schemeClr val="accent1">
+        <a:tint val="60000"/>
+      </a:schemeClr>
+    </dgm:linClrLst>
+    <dgm:effectClrLst/>
+    <dgm:txLinClrLst/>
+    <dgm:txFillClrLst meth="repeat">
+      <a:schemeClr val="lt1"/>
+    </dgm:txFillClrLst>
+    <dgm:txEffectClrLst/>
+  </dgm:styleLbl>
+  <dgm:styleLbl name="parChTrans2D2">
+    <dgm:fillClrLst meth="repeat">
+      <a:schemeClr val="accent1"/>
+    </dgm:fillClrLst>
+    <dgm:linClrLst meth="repeat">
+      <a:schemeClr val="accent1"/>
+    </dgm:linClrLst>
+    <dgm:effectClrLst/>
+    <dgm:txLinClrLst/>
+    <dgm:txFillClrLst meth="repeat">
+      <a:schemeClr val="lt1"/>
+    </dgm:txFillClrLst>
+    <dgm:txEffectClrLst/>
+  </dgm:styleLbl>
+  <dgm:styleLbl name="parChTrans2D3">
+    <dgm:fillClrLst meth="repeat">
+      <a:schemeClr val="accent1"/>
+    </dgm:fillClrLst>
+    <dgm:linClrLst meth="repeat">
+      <a:schemeClr val="accent1"/>
+    </dgm:linClrLst>
+    <dgm:effectClrLst/>
+    <dgm:txLinClrLst/>
+    <dgm:txFillClrLst meth="repeat">
+      <a:schemeClr val="lt1"/>
+    </dgm:txFillClrLst>
+    <dgm:txEffectClrLst/>
+  </dgm:styleLbl>
+  <dgm:styleLbl name="parChTrans2D4">
+    <dgm:fillClrLst meth="repeat">
+      <a:schemeClr val="accent1"/>
+    </dgm:fillClrLst>
+    <dgm:linClrLst meth="repeat">
+      <a:schemeClr val="accent1"/>
+    </dgm:linClrLst>
+    <dgm:effectClrLst/>
+    <dgm:txLinClrLst/>
+    <dgm:txFillClrLst meth="repeat">
+      <a:schemeClr val="lt1"/>
+    </dgm:txFillClrLst>
+    <dgm:txEffectClrLst/>
+  </dgm:styleLbl>
+  <dgm:styleLbl name="parChTrans1D1">
+    <dgm:fillClrLst meth="repeat">
+      <a:schemeClr val="accent1"/>
+    </dgm:fillClrLst>
+    <dgm:linClrLst meth="repeat">
+      <a:schemeClr val="accent1">
+        <a:shade val="60000"/>
+      </a:schemeClr>
+    </dgm:linClrLst>
+    <dgm:effectClrLst/>
+    <dgm:txLinClrLst/>
+    <dgm:txFillClrLst meth="repeat">
+      <a:schemeClr val="tx1"/>
+    </dgm:txFillClrLst>
+    <dgm:txEffectClrLst/>
+  </dgm:styleLbl>
+  <dgm:styleLbl name="parChTrans1D2">
+    <dgm:fillClrLst meth="repeat">
+      <a:schemeClr val="accent1"/>
+    </dgm:fillClrLst>
+    <dgm:linClrLst meth="repeat">
+      <a:schemeClr val="accent1">
+        <a:shade val="60000"/>
+      </a:schemeClr>
+    </dgm:linClrLst>
+    <dgm:effectClrLst/>
+    <dgm:txLinClrLst/>
+    <dgm:txFillClrLst meth="repeat">
+      <a:schemeClr val="tx1"/>
+    </dgm:txFillClrLst>
+    <dgm:txEffectClrLst/>
+  </dgm:styleLbl>
+  <dgm:styleLbl name="parChTrans1D3">
+    <dgm:fillClrLst meth="repeat">
+      <a:schemeClr val="accent1"/>
+    </dgm:fillClrLst>
+    <dgm:linClrLst meth="repeat">
+      <a:schemeClr val="accent1">
+        <a:shade val="80000"/>
+      </a:schemeClr>
+    </dgm:linClrLst>
+    <dgm:effectClrLst/>
+    <dgm:txLinClrLst/>
+    <dgm:txFillClrLst meth="repeat">
+      <a:schemeClr val="tx1"/>
+    </dgm:txFillClrLst>
+    <dgm:txEffectClrLst/>
+  </dgm:styleLbl>
+  <dgm:styleLbl name="parChTrans1D4">
+    <dgm:fillClrLst meth="repeat">
+      <a:schemeClr val="accent1"/>
+    </dgm:fillClrLst>
+    <dgm:linClrLst meth="repeat">
+      <a:schemeClr val="accent1">
+        <a:shade val="80000"/>
+      </a:schemeClr>
+    </dgm:linClrLst>
+    <dgm:effectClrLst/>
+    <dgm:txLinClrLst/>
+    <dgm:txFillClrLst meth="repeat">
+      <a:schemeClr val="tx1"/>
+    </dgm:txFillClrLst>
+    <dgm:txEffectClrLst/>
+  </dgm:styleLbl>
+  <dgm:styleLbl name="fgAcc1">
+    <dgm:fillClrLst meth="repeat">
+      <a:schemeClr val="lt1">
+        <a:alpha val="90000"/>
+      </a:schemeClr>
+    </dgm:fillClrLst>
+    <dgm:linClrLst meth="repeat">
+      <a:schemeClr val="accent1"/>
+    </dgm:linClrLst>
+    <dgm:effectClrLst/>
+    <dgm:txLinClrLst/>
+    <dgm:txFillClrLst meth="repeat">
+      <a:schemeClr val="dk1"/>
+    </dgm:txFillClrLst>
+    <dgm:txEffectClrLst/>
+  </dgm:styleLbl>
+  <dgm:styleLbl name="conFgAcc1">
+    <dgm:fillClrLst meth="repeat">
+      <a:schemeClr val="lt1">
+        <a:alpha val="90000"/>
+      </a:schemeClr>
+    </dgm:fillClrLst>
+    <dgm:linClrLst meth="repeat">
+      <a:schemeClr val="accent1"/>
+    </dgm:linClrLst>
+    <dgm:effectClrLst/>
+    <dgm:txLinClrLst/>
+    <dgm:txFillClrLst meth="repeat">
+      <a:schemeClr val="dk1"/>
+    </dgm:txFillClrLst>
+    <dgm:txEffectClrLst/>
+  </dgm:styleLbl>
+  <dgm:styleLbl name="alignAcc1">
+    <dgm:fillClrLst meth="repeat">
+      <a:schemeClr val="lt1">
+        <a:alpha val="90000"/>
+      </a:schemeClr>
+    </dgm:fillClrLst>
+    <dgm:linClrLst meth="repeat">
+      <a:schemeClr val="accent1"/>
+    </dgm:linClrLst>
+    <dgm:effectClrLst/>
+    <dgm:txLinClrLst/>
+    <dgm:txFillClrLst meth="repeat">
+      <a:schemeClr val="dk1"/>
+    </dgm:txFillClrLst>
+    <dgm:txEffectClrLst/>
+  </dgm:styleLbl>
+  <dgm:styleLbl name="trAlignAcc1">
+    <dgm:fillClrLst meth="repeat">
+      <a:schemeClr val="lt1">
+        <a:alpha val="40000"/>
+      </a:schemeClr>
+    </dgm:fillClrLst>
+    <dgm:linClrLst meth="repeat">
+      <a:schemeClr val="accent1"/>
+    </dgm:linClrLst>
+    <dgm:effectClrLst/>
+    <dgm:txLinClrLst/>
+    <dgm:txFillClrLst meth="repeat">
+      <a:schemeClr val="dk1"/>
+    </dgm:txFillClrLst>
+    <dgm:txEffectClrLst/>
+  </dgm:styleLbl>
+  <dgm:styleLbl name="bgAcc1">
+    <dgm:fillClrLst meth="repeat">
+      <a:schemeClr val="lt1">
+        <a:alpha val="90000"/>
+      </a:schemeClr>
+    </dgm:fillClrLst>
+    <dgm:linClrLst meth="repeat">
+      <a:schemeClr val="accent1"/>
+    </dgm:linClrLst>
+    <dgm:effectClrLst/>
+    <dgm:txLinClrLst/>
+    <dgm:txFillClrLst meth="repeat">
+      <a:schemeClr val="dk1"/>
+    </dgm:txFillClrLst>
+    <dgm:txEffectClrLst/>
+  </dgm:styleLbl>
+  <dgm:styleLbl name="solidFgAcc1">
+    <dgm:fillClrLst meth="repeat">
+      <a:schemeClr val="lt1"/>
+    </dgm:fillClrLst>
+    <dgm:linClrLst meth="repeat">
+      <a:schemeClr val="accent1"/>
+    </dgm:linClrLst>
+    <dgm:effectClrLst/>
+    <dgm:txLinClrLst/>
+    <dgm:txFillClrLst meth="repeat">
+      <a:schemeClr val="dk1"/>
+    </dgm:txFillClrLst>
+    <dgm:txEffectClrLst/>
+  </dgm:styleLbl>
+  <dgm:styleLbl name="solidAlignAcc1">
+    <dgm:fillClrLst meth="repeat">
+      <a:schemeClr val="lt1"/>
+    </dgm:fillClrLst>
+    <dgm:linClrLst meth="repeat">
+      <a:schemeClr val="accent1"/>
+    </dgm:linClrLst>
+    <dgm:effectClrLst/>
+    <dgm:txLinClrLst/>
+    <dgm:txFillClrLst meth="repeat">
+      <a:schemeClr val="dk1"/>
+    </dgm:txFillClrLst>
+    <dgm:txEffectClrLst/>
+  </dgm:styleLbl>
+  <dgm:styleLbl name="solidBgAcc1">
+    <dgm:fillClrLst meth="repeat">
+      <a:schemeClr val="lt1"/>
+    </dgm:fillClrLst>
+    <dgm:linClrLst meth="repeat">
+      <a:schemeClr val="accent1"/>
+    </dgm:linClrLst>
+    <dgm:effectClrLst/>
+    <dgm:txLinClrLst/>
+    <dgm:txFillClrLst meth="repeat">
+      <a:schemeClr val="dk1"/>
+    </dgm:txFillClrLst>
+    <dgm:txEffectClrLst/>
+  </dgm:styleLbl>
+  <dgm:styleLbl name="fgAccFollowNode1">
+    <dgm:fillClrLst meth="repeat">
+      <a:schemeClr val="accent1">
+        <a:alpha val="90000"/>
+        <a:tint val="40000"/>
+      </a:schemeClr>
+    </dgm:fillClrLst>
+    <dgm:linClrLst meth="repeat">
+      <a:schemeClr val="accent1">
+        <a:alpha val="90000"/>
+        <a:tint val="40000"/>
+      </a:schemeClr>
+    </dgm:linClrLst>
+    <dgm:effectClrLst/>
+    <dgm:txLinClrLst/>
+    <dgm:txFillClrLst meth="repeat">
+      <a:schemeClr val="dk1"/>
+    </dgm:txFillClrLst>
+    <dgm:txEffectClrLst/>
+  </dgm:styleLbl>
+  <dgm:styleLbl name="alignAccFollowNode1">
+    <dgm:fillClrLst meth="repeat">
+      <a:schemeClr val="accent1">
+        <a:alpha val="90000"/>
+        <a:tint val="40000"/>
+      </a:schemeClr>
+    </dgm:fillClrLst>
+    <dgm:linClrLst meth="repeat">
+      <a:schemeClr val="accent1">
+        <a:alpha val="90000"/>
+        <a:tint val="40000"/>
+      </a:schemeClr>
+    </dgm:linClrLst>
+    <dgm:effectClrLst/>
+    <dgm:txLinClrLst/>
+    <dgm:txFillClrLst meth="repeat">
+      <a:schemeClr val="dk1"/>
+    </dgm:txFillClrLst>
+    <dgm:txEffectClrLst/>
+  </dgm:styleLbl>
+  <dgm:styleLbl name="bgAccFollowNode1">
+    <dgm:fillClrLst meth="repeat">
+      <a:schemeClr val="accent1">
+        <a:alpha val="90000"/>
+        <a:tint val="40000"/>
+      </a:schemeClr>
+    </dgm:fillClrLst>
+    <dgm:linClrLst meth="repeat">
+      <a:schemeClr val="accent1">
+        <a:alpha val="90000"/>
+        <a:tint val="40000"/>
+      </a:schemeClr>
+    </dgm:linClrLst>
+    <dgm:effectClrLst/>
+    <dgm:txLinClrLst/>
+    <dgm:txFillClrLst meth="repeat">
+      <a:schemeClr val="dk1"/>
+    </dgm:txFillClrLst>
+    <dgm:txEffectClrLst/>
+  </dgm:styleLbl>
+  <dgm:styleLbl name="fgAcc0">
+    <dgm:fillClrLst meth="repeat">
+      <a:schemeClr val="lt1">
+        <a:alpha val="90000"/>
+      </a:schemeClr>
+    </dgm:fillClrLst>
+    <dgm:linClrLst meth="repeat">
+      <a:schemeClr val="accent1"/>
+    </dgm:linClrLst>
+    <dgm:effectClrLst/>
+    <dgm:txLinClrLst/>
+    <dgm:txFillClrLst meth="repeat">
+      <a:schemeClr val="dk1"/>
+    </dgm:txFillClrLst>
+    <dgm:txEffectClrLst/>
+  </dgm:styleLbl>
+  <dgm:styleLbl name="fgAcc2">
+    <dgm:fillClrLst meth="repeat">
+      <a:schemeClr val="lt1">
+        <a:alpha val="90000"/>
+      </a:schemeClr>
+    </dgm:fillClrLst>
+    <dgm:linClrLst meth="repeat">
+      <a:schemeClr val="accent1"/>
+    </dgm:linClrLst>
+    <dgm:effectClrLst/>
+    <dgm:txLinClrLst/>
+    <dgm:txFillClrLst meth="repeat">
+      <a:schemeClr val="dk1"/>
+    </dgm:txFillClrLst>
+    <dgm:txEffectClrLst/>
+  </dgm:styleLbl>
+  <dgm:styleLbl name="fgAcc3">
+    <dgm:fillClrLst meth="repeat">
+      <a:schemeClr val="lt1">
+        <a:alpha val="90000"/>
+      </a:schemeClr>
+    </dgm:fillClrLst>
+    <dgm:linClrLst meth="repeat">
+      <a:schemeClr val="accent1"/>
+    </dgm:linClrLst>
+    <dgm:effectClrLst/>
+    <dgm:txLinClrLst/>
+    <dgm:txFillClrLst meth="repeat">
+      <a:schemeClr val="dk1"/>
+    </dgm:txFillClrLst>
+    <dgm:txEffectClrLst/>
+  </dgm:styleLbl>
+  <dgm:styleLbl name="fgAcc4">
+    <dgm:fillClrLst meth="repeat">
+      <a:schemeClr val="lt1">
+        <a:alpha val="90000"/>
+      </a:schemeClr>
+    </dgm:fillClrLst>
+    <dgm:linClrLst meth="repeat">
+      <a:schemeClr val="accent1"/>
+    </dgm:linClrLst>
+    <dgm:effectClrLst/>
+    <dgm:txLinClrLst/>
+    <dgm:txFillClrLst meth="repeat">
+      <a:schemeClr val="dk1"/>
+    </dgm:txFillClrLst>
+    <dgm:txEffectClrLst/>
+  </dgm:styleLbl>
+  <dgm:styleLbl name="bgShp">
+    <dgm:fillClrLst meth="repeat">
+      <a:schemeClr val="accent1">
+        <a:tint val="40000"/>
+      </a:schemeClr>
+    </dgm:fillClrLst>
+    <dgm:linClrLst meth="repeat">
+      <a:schemeClr val="accent1"/>
+    </dgm:linClrLst>
+    <dgm:effectClrLst/>
+    <dgm:txLinClrLst/>
+    <dgm:txFillClrLst meth="repeat">
+      <a:schemeClr val="dk1"/>
+    </dgm:txFillClrLst>
+    <dgm:txEffectClrLst/>
+  </dgm:styleLbl>
+  <dgm:styleLbl name="dkBgShp">
+    <dgm:fillClrLst meth="repeat">
+      <a:schemeClr val="accent1">
+        <a:shade val="80000"/>
+      </a:schemeClr>
+    </dgm:fillClrLst>
+    <dgm:linClrLst meth="repeat">
+      <a:schemeClr val="accent1"/>
+    </dgm:linClrLst>
+    <dgm:effectClrLst/>
+    <dgm:txLinClrLst/>
+    <dgm:txFillClrLst meth="repeat">
+      <a:schemeClr val="lt1"/>
+    </dgm:txFillClrLst>
+    <dgm:txEffectClrLst/>
+  </dgm:styleLbl>
+  <dgm:styleLbl name="trBgShp">
+    <dgm:fillClrLst meth="repeat">
+      <a:schemeClr val="accent1">
+        <a:tint val="50000"/>
+        <a:alpha val="40000"/>
+      </a:schemeClr>
+    </dgm:fillClrLst>
+    <dgm:linClrLst meth="repeat">
+      <a:schemeClr val="accent1"/>
+    </dgm:linClrLst>
+    <dgm:effectClrLst/>
+    <dgm:txLinClrLst/>
+    <dgm:txFillClrLst meth="repeat">
+      <a:schemeClr val="lt1"/>
+    </dgm:txFillClrLst>
+    <dgm:txEffectClrLst/>
+  </dgm:styleLbl>
+  <dgm:styleLbl name="fgShp">
+    <dgm:fillClrLst meth="repeat">
+      <a:schemeClr val="accent1">
+        <a:tint val="60000"/>
+      </a:schemeClr>
+    </dgm:fillClrLst>
+    <dgm:linClrLst meth="repeat">
+      <a:schemeClr val="lt1"/>
+    </dgm:linClrLst>
+    <dgm:effectClrLst/>
+    <dgm:txLinClrLst/>
+    <dgm:txFillClrLst meth="repeat">
+      <a:schemeClr val="dk1"/>
+    </dgm:txFillClrLst>
+    <dgm:txEffectClrLst/>
+  </dgm:styleLbl>
+  <dgm:styleLbl name="revTx">
+    <dgm:fillClrLst meth="repeat">
+      <a:schemeClr val="lt1">
+        <a:alpha val="0"/>
+      </a:schemeClr>
+    </dgm:fillClrLst>
+    <dgm:linClrLst meth="repeat">
+      <a:schemeClr val="dk1">
+        <a:alpha val="0"/>
+      </a:schemeClr>
+    </dgm:linClrLst>
+    <dgm:effectClrLst/>
+    <dgm:txLinClrLst/>
+    <dgm:txFillClrLst meth="repeat">
+      <a:schemeClr val="tx1"/>
+    </dgm:txFillClrLst>
+    <dgm:txEffectClrLst/>
+  </dgm:styleLbl>
+</dgm:colorsDef>
+</file>
+
 <file path=ppt/diagrams/data1.xml><?xml version="1.0" encoding="utf-8"?>
 <dgm:dataModel xmlns:dgm="http://schemas.openxmlformats.org/drawingml/2006/diagram" xmlns:a="http://schemas.openxmlformats.org/drawingml/2006/main">
   <dgm:ptLst>
@@ -1726,24 +3219,9 @@
         </a:p>
         <a:p>
           <a:pPr algn="ctr"/>
-          <a:endParaRPr lang="en-US" sz="2000" b="1" dirty="0"/>
-        </a:p>
-        <a:p>
-          <a:pPr algn="l"/>
           <a:r>
-            <a:rPr lang="en-US" sz="1800" dirty="0">
-              <a:solidFill>
-                <a:schemeClr val="bg1"/>
-              </a:solidFill>
-              <a:hlinkClick xmlns:r="http://schemas.openxmlformats.org/officeDocument/2006/relationships" r:id="rId1">
-                <a:extLst>
-                  <a:ext uri="{A12FA001-AC4F-418D-AE19-62706E023703}">
-                    <ahyp:hlinkClr xmlns:ahyp="http://schemas.microsoft.com/office/drawing/2018/hyperlinkcolor" val="tx"/>
-                  </a:ext>
-                </a:extLst>
-              </a:hlinkClick>
-            </a:rPr>
-            <a:t>1) </a:t>
+            <a:rPr lang="en-US" sz="2000" b="1" dirty="0"/>
+            <a:t>1. </a:t>
           </a:r>
           <a:r>
             <a:rPr lang="en-US" sz="1800" u="none" dirty="0">
@@ -1767,15 +3245,15 @@
           </a:endParaRPr>
         </a:p>
         <a:p>
-          <a:pPr algn="l"/>
-          <a:endParaRPr lang="en-US" sz="1800" dirty="0">
-            <a:solidFill>
-              <a:schemeClr val="bg1"/>
-            </a:solidFill>
-          </a:endParaRPr>
-        </a:p>
-        <a:p>
-          <a:pPr algn="l"/>
+          <a:pPr algn="ctr"/>
+          <a:r>
+            <a:rPr lang="en-US" sz="1800" dirty="0">
+              <a:solidFill>
+                <a:schemeClr val="bg1"/>
+              </a:solidFill>
+            </a:rPr>
+            <a:t>2. </a:t>
+          </a:r>
           <a:r>
             <a:rPr lang="en-US" sz="1800" dirty="0">
               <a:solidFill>
@@ -1789,7 +3267,7 @@
                 </a:extLst>
               </a:hlinkClick>
             </a:rPr>
-            <a:t>2) World Development Indicators</a:t>
+            <a:t>World Development Indicators</a:t>
           </a:r>
           <a:endParaRPr lang="en-US" sz="1800" dirty="0">
             <a:solidFill>
@@ -1842,6 +3320,24 @@
             <a:rPr lang="en-US" sz="2000" b="1" dirty="0"/>
             <a:t>Utilization of 3 methods:</a:t>
           </a:r>
+        </a:p>
+        <a:p>
+          <a:pPr>
+            <a:buClrTx/>
+            <a:buSzTx/>
+            <a:buFontTx/>
+            <a:buNone/>
+          </a:pPr>
+          <a:endParaRPr lang="en-US" sz="2000" b="1" dirty="0"/>
+        </a:p>
+        <a:p>
+          <a:pPr>
+            <a:buClrTx/>
+            <a:buSzTx/>
+            <a:buFontTx/>
+            <a:buNone/>
+          </a:pPr>
+          <a:endParaRPr lang="en-US" sz="1800" dirty="0"/>
         </a:p>
         <a:p>
           <a:pPr>
@@ -1917,6 +3413,12 @@
             <a:rPr lang="en-US" sz="2000" b="1" dirty="0"/>
             <a:t>Results:</a:t>
           </a:r>
+        </a:p>
+        <a:p>
+          <a:endParaRPr lang="en-US" sz="2000" b="1" dirty="0"/>
+        </a:p>
+        <a:p>
+          <a:endParaRPr lang="en-US" sz="2000" b="1" dirty="0"/>
         </a:p>
         <a:p>
           <a:r>
@@ -2029,9 +3531,9 @@
   <dgm:cxnLst>
     <dgm:cxn modelId="{B9647512-1A5C-3D4F-B45C-AEDFF187A34D}" type="presOf" srcId="{26030C1E-CA21-FA4F-A497-097465F0E258}" destId="{F707047C-D177-604E-8160-29534F6FEB11}" srcOrd="0" destOrd="0" presId="urn:microsoft.com/office/officeart/2005/8/layout/process1"/>
     <dgm:cxn modelId="{E503D925-E73B-DF44-B2A1-28D5ADEC1152}" type="presOf" srcId="{9C8AAEEF-A87F-AB4F-B68D-30E6EA0D4068}" destId="{D900D960-EDFE-1D49-BE80-4F7A25FC7A1D}" srcOrd="0" destOrd="0" presId="urn:microsoft.com/office/officeart/2005/8/layout/process1"/>
-    <dgm:cxn modelId="{4CF8575E-AB8D-F948-B397-41331C970191}" type="presOf" srcId="{FDBBA0EB-069B-8F45-BBD9-0D1541EF0EA9}" destId="{0BC49BEA-6F32-2740-AE6C-06F44861BE8F}" srcOrd="0" destOrd="0" presId="urn:microsoft.com/office/officeart/2005/8/layout/process1"/>
     <dgm:cxn modelId="{D1D24F44-2DA5-6343-9399-4025F253B6AD}" srcId="{269657E6-F65B-6F4C-9579-A20714A159FF}" destId="{26030C1E-CA21-FA4F-A497-097465F0E258}" srcOrd="0" destOrd="0" parTransId="{491A5F64-26F1-E04A-B5DD-1D66042E91A1}" sibTransId="{FDBBA0EB-069B-8F45-BBD9-0D1541EF0EA9}"/>
     <dgm:cxn modelId="{58B2D656-FA82-384C-8B9C-DE9E3010E034}" type="presOf" srcId="{D3143B03-674A-1945-9399-8218CD78D856}" destId="{1F047A59-D4D1-4248-A3D9-6AA8ADCC00E0}" srcOrd="0" destOrd="0" presId="urn:microsoft.com/office/officeart/2005/8/layout/process1"/>
+    <dgm:cxn modelId="{4CF8575E-AB8D-F948-B397-41331C970191}" type="presOf" srcId="{FDBBA0EB-069B-8F45-BBD9-0D1541EF0EA9}" destId="{0BC49BEA-6F32-2740-AE6C-06F44861BE8F}" srcOrd="0" destOrd="0" presId="urn:microsoft.com/office/officeart/2005/8/layout/process1"/>
     <dgm:cxn modelId="{2E3C3C79-89D7-E349-BAFC-E63564D480D6}" type="presOf" srcId="{3589A70F-CBE4-7E46-8F7C-833CCBCD9BAB}" destId="{46FE47B3-184E-E942-9A48-B01961ECEB72}" srcOrd="0" destOrd="0" presId="urn:microsoft.com/office/officeart/2005/8/layout/process1"/>
     <dgm:cxn modelId="{6DEF8679-3AEE-1246-9B23-2B81D41EA7D3}" type="presOf" srcId="{BA2C96C7-8163-474D-AF30-4E3CE4C55C0D}" destId="{69B0C93B-D3A8-ED46-9CF2-ADAC6312E1B8}" srcOrd="0" destOrd="0" presId="urn:microsoft.com/office/officeart/2005/8/layout/process1"/>
     <dgm:cxn modelId="{CF29F0AA-97F9-614B-B7DE-3F8628B044D1}" type="presOf" srcId="{FDBBA0EB-069B-8F45-BBD9-0D1541EF0EA9}" destId="{36929B73-A09A-904D-9800-5251D207E6C1}" srcOrd="1" destOrd="0" presId="urn:microsoft.com/office/officeart/2005/8/layout/process1"/>
@@ -2069,6 +3571,13 @@
     <dgm:pt modelId="{10C0F1C7-804D-CA41-A280-4701FABF8FBF}" type="doc">
       <dgm:prSet loTypeId="urn:microsoft.com/office/officeart/2005/8/layout/process1" loCatId="" qsTypeId="urn:microsoft.com/office/officeart/2005/8/quickstyle/simple1" qsCatId="simple" csTypeId="urn:microsoft.com/office/officeart/2005/8/colors/accent1_2" csCatId="accent1" phldr="1"/>
       <dgm:spPr/>
+      <dgm:t>
+        <a:bodyPr/>
+        <a:lstStyle/>
+        <a:p>
+          <a:endParaRPr lang="en-US"/>
+        </a:p>
+      </dgm:t>
     </dgm:pt>
     <dgm:pt modelId="{D8FE06A5-4BBF-AB4D-BF30-CBCC0A8EED71}">
       <dgm:prSet phldrT="[Text]" custT="1"/>
@@ -2086,19 +3595,25 @@
             <a:buAutoNum type="arabicParenR"/>
           </a:pPr>
           <a:r>
-            <a:rPr lang="en-US" sz="2000" dirty="0"/>
+            <a:rPr lang="en-US" sz="1500" dirty="0"/>
             <a:t>Downloaded suicides </a:t>
           </a:r>
           <a:r>
-            <a:rPr lang="en-US" sz="2000" dirty="0">
+            <a:rPr lang="en-US" sz="1500" dirty="0">
               <a:solidFill>
                 <a:schemeClr val="bg1"/>
               </a:solidFill>
             </a:rPr>
             <a:t>data from </a:t>
           </a:r>
+        </a:p>
+        <a:p>
+          <a:pPr>
+            <a:buFont typeface="Arial" panose="020B0604020202020204" pitchFamily="34" charset="0"/>
+            <a:buAutoNum type="arabicParenR"/>
+          </a:pPr>
           <a:r>
-            <a:rPr lang="en-US" sz="2000" dirty="0">
+            <a:rPr lang="en-US" sz="1500" dirty="0">
               <a:solidFill>
                 <a:schemeClr val="bg1"/>
               </a:solidFill>
@@ -2112,7 +3627,7 @@
             </a:rPr>
             <a:t>World Health Organisation</a:t>
           </a:r>
-          <a:endParaRPr lang="en-US" sz="2000" dirty="0">
+          <a:endParaRPr lang="en-US" sz="1500" dirty="0">
             <a:solidFill>
               <a:schemeClr val="bg1"/>
             </a:solidFill>
@@ -2143,7 +3658,7 @@
       </dgm:t>
     </dgm:pt>
     <dgm:pt modelId="{45412DD0-779D-8C4D-822F-3E8B179A576B}">
-      <dgm:prSet phldrT="[Text]"/>
+      <dgm:prSet phldrT="[Text]" custT="1"/>
       <dgm:spPr>
         <a:solidFill>
           <a:srgbClr val="002060"/>
@@ -2157,7 +3672,7 @@
             <a:buAutoNum type="arabicParenR"/>
           </a:pPr>
           <a:r>
-            <a:rPr lang="en-US" dirty="0"/>
+            <a:rPr lang="en-US" sz="1500" dirty="0"/>
             <a:t>Transformed data into .SQL format with Freeware software</a:t>
           </a:r>
         </a:p>
@@ -2186,7 +3701,7 @@
       </dgm:t>
     </dgm:pt>
     <dgm:pt modelId="{9A128E1B-F717-B64B-8C57-4EDAB8DCF502}">
-      <dgm:prSet phldrT="[Text]"/>
+      <dgm:prSet phldrT="[Text]" custT="1"/>
       <dgm:spPr>
         <a:solidFill>
           <a:srgbClr val="002060"/>
@@ -2200,7 +3715,7 @@
             <a:buAutoNum type="arabicParenR"/>
           </a:pPr>
           <a:r>
-            <a:rPr lang="en-US" dirty="0"/>
+            <a:rPr lang="en-US" sz="1500" dirty="0"/>
             <a:t>Created table Suicides</a:t>
           </a:r>
         </a:p>
@@ -2229,7 +3744,7 @@
       </dgm:t>
     </dgm:pt>
     <dgm:pt modelId="{708C99EF-801A-8747-8DC0-3ED1D32D75EC}">
-      <dgm:prSet/>
+      <dgm:prSet custT="1"/>
       <dgm:spPr>
         <a:solidFill>
           <a:srgbClr val="002060"/>
@@ -2240,7 +3755,7 @@
         <a:lstStyle/>
         <a:p>
           <a:r>
-            <a:rPr lang="en-US" dirty="0"/>
+            <a:rPr lang="en-US" sz="1500" dirty="0"/>
             <a:t>Dropped unnecessary columns</a:t>
           </a:r>
         </a:p>
@@ -2269,7 +3784,7 @@
       </dgm:t>
     </dgm:pt>
     <dgm:pt modelId="{98D27D7A-7FAB-434F-8393-CB870AE97E11}">
-      <dgm:prSet/>
+      <dgm:prSet custT="1"/>
       <dgm:spPr>
         <a:solidFill>
           <a:srgbClr val="002060"/>
@@ -2280,21 +3795,677 @@
         <a:lstStyle/>
         <a:p>
           <a:r>
-            <a:rPr lang="en-US" dirty="0"/>
+            <a:rPr lang="en-US" sz="1500" dirty="0"/>
             <a:t>Exported data into </a:t>
           </a:r>
           <a:r>
-            <a:rPr lang="en-US" i="1" dirty="0" err="1"/>
+            <a:rPr lang="en-US" sz="1500" i="1" dirty="0" err="1"/>
             <a:t>Knime</a:t>
           </a:r>
           <a:r>
-            <a:rPr lang="en-US" dirty="0"/>
+            <a:rPr lang="en-US" sz="1500" dirty="0"/>
             <a:t> using </a:t>
           </a:r>
           <a:r>
-            <a:rPr lang="en-US" i="1" dirty="0"/>
+            <a:rPr lang="en-US" sz="1500" i="1" dirty="0"/>
             <a:t>MySQL connector node </a:t>
           </a:r>
+        </a:p>
+      </dgm:t>
+    </dgm:pt>
+    <dgm:pt modelId="{8E430F27-8F28-D54C-98FD-7C299060C705}" type="parTrans" cxnId="{BCCB67A6-7277-4748-882E-F383A2D32E95}">
+      <dgm:prSet/>
+      <dgm:spPr/>
+      <dgm:t>
+        <a:bodyPr/>
+        <a:lstStyle/>
+        <a:p>
+          <a:endParaRPr lang="en-US"/>
+        </a:p>
+      </dgm:t>
+    </dgm:pt>
+    <dgm:pt modelId="{B0C1A238-61BB-D141-BA67-E3022A48E17C}" type="sibTrans" cxnId="{BCCB67A6-7277-4748-882E-F383A2D32E95}">
+      <dgm:prSet/>
+      <dgm:spPr/>
+      <dgm:t>
+        <a:bodyPr/>
+        <a:lstStyle/>
+        <a:p>
+          <a:endParaRPr lang="en-US"/>
+        </a:p>
+      </dgm:t>
+    </dgm:pt>
+    <dgm:pt modelId="{9A6206CA-4800-C84F-92D8-BB8C9EEB49FD}" type="pres">
+      <dgm:prSet presAssocID="{10C0F1C7-804D-CA41-A280-4701FABF8FBF}" presName="Name0" presStyleCnt="0">
+        <dgm:presLayoutVars>
+          <dgm:dir/>
+          <dgm:resizeHandles val="exact"/>
+        </dgm:presLayoutVars>
+      </dgm:prSet>
+      <dgm:spPr/>
+    </dgm:pt>
+    <dgm:pt modelId="{0FDAD9F0-DED5-C34A-A4B3-53938288B751}" type="pres">
+      <dgm:prSet presAssocID="{D8FE06A5-4BBF-AB4D-BF30-CBCC0A8EED71}" presName="node" presStyleLbl="node1" presStyleIdx="0" presStyleCnt="5">
+        <dgm:presLayoutVars>
+          <dgm:bulletEnabled val="1"/>
+        </dgm:presLayoutVars>
+      </dgm:prSet>
+      <dgm:spPr/>
+    </dgm:pt>
+    <dgm:pt modelId="{87FD1DFB-9C48-EE4B-BEF6-F39F9551065D}" type="pres">
+      <dgm:prSet presAssocID="{1E5297E2-35FE-4846-AA98-81B566B6C658}" presName="sibTrans" presStyleLbl="sibTrans2D1" presStyleIdx="0" presStyleCnt="4"/>
+      <dgm:spPr/>
+    </dgm:pt>
+    <dgm:pt modelId="{D8EC03DA-E633-0F48-A014-B04857C5BB30}" type="pres">
+      <dgm:prSet presAssocID="{1E5297E2-35FE-4846-AA98-81B566B6C658}" presName="connectorText" presStyleLbl="sibTrans2D1" presStyleIdx="0" presStyleCnt="4"/>
+      <dgm:spPr/>
+    </dgm:pt>
+    <dgm:pt modelId="{98910208-6443-7948-A4A8-B69733C3645D}" type="pres">
+      <dgm:prSet presAssocID="{45412DD0-779D-8C4D-822F-3E8B179A576B}" presName="node" presStyleLbl="node1" presStyleIdx="1" presStyleCnt="5">
+        <dgm:presLayoutVars>
+          <dgm:bulletEnabled val="1"/>
+        </dgm:presLayoutVars>
+      </dgm:prSet>
+      <dgm:spPr/>
+    </dgm:pt>
+    <dgm:pt modelId="{B26BD1D9-E813-A34F-8DBF-54C7DEF73494}" type="pres">
+      <dgm:prSet presAssocID="{8DE6E911-C4EB-E240-8962-514A8B4A143B}" presName="sibTrans" presStyleLbl="sibTrans2D1" presStyleIdx="1" presStyleCnt="4"/>
+      <dgm:spPr/>
+    </dgm:pt>
+    <dgm:pt modelId="{189B88E7-5C4B-714B-80DD-8F4E10B6515E}" type="pres">
+      <dgm:prSet presAssocID="{8DE6E911-C4EB-E240-8962-514A8B4A143B}" presName="connectorText" presStyleLbl="sibTrans2D1" presStyleIdx="1" presStyleCnt="4"/>
+      <dgm:spPr/>
+    </dgm:pt>
+    <dgm:pt modelId="{854C3D96-8343-D743-87EF-9F30EAD4FEDB}" type="pres">
+      <dgm:prSet presAssocID="{9A128E1B-F717-B64B-8C57-4EDAB8DCF502}" presName="node" presStyleLbl="node1" presStyleIdx="2" presStyleCnt="5">
+        <dgm:presLayoutVars>
+          <dgm:bulletEnabled val="1"/>
+        </dgm:presLayoutVars>
+      </dgm:prSet>
+      <dgm:spPr/>
+    </dgm:pt>
+    <dgm:pt modelId="{D08A38F5-2AD6-2F42-BE45-B663ECCA5669}" type="pres">
+      <dgm:prSet presAssocID="{598962ED-C5BF-1840-A026-774A12B687E0}" presName="sibTrans" presStyleLbl="sibTrans2D1" presStyleIdx="2" presStyleCnt="4" custAng="12403736" custScaleX="34037" custScaleY="108178" custLinFactX="100000" custLinFactY="-94625" custLinFactNeighborX="198629" custLinFactNeighborY="-100000"/>
+      <dgm:spPr/>
+    </dgm:pt>
+    <dgm:pt modelId="{E305A327-6328-8A4F-913E-581ABEF37CB9}" type="pres">
+      <dgm:prSet presAssocID="{598962ED-C5BF-1840-A026-774A12B687E0}" presName="connectorText" presStyleLbl="sibTrans2D1" presStyleIdx="2" presStyleCnt="4"/>
+      <dgm:spPr/>
+    </dgm:pt>
+    <dgm:pt modelId="{1B79B408-5C90-0C43-9EEA-D9A95C8D23D4}" type="pres">
+      <dgm:prSet presAssocID="{708C99EF-801A-8747-8DC0-3ED1D32D75EC}" presName="node" presStyleLbl="node1" presStyleIdx="3" presStyleCnt="5" custLinFactX="-217234" custLinFactY="43619" custLinFactNeighborX="-300000" custLinFactNeighborY="100000">
+        <dgm:presLayoutVars>
+          <dgm:bulletEnabled val="1"/>
+        </dgm:presLayoutVars>
+      </dgm:prSet>
+      <dgm:spPr/>
+    </dgm:pt>
+    <dgm:pt modelId="{C40649EB-6978-7045-BB33-8F56A123A98D}" type="pres">
+      <dgm:prSet presAssocID="{3F0F735F-1A77-D942-A361-64871C9F7761}" presName="sibTrans" presStyleLbl="sibTrans2D1" presStyleIdx="3" presStyleCnt="4"/>
+      <dgm:spPr/>
+    </dgm:pt>
+    <dgm:pt modelId="{83B917C3-B32D-A148-8D3E-8E17901E078F}" type="pres">
+      <dgm:prSet presAssocID="{3F0F735F-1A77-D942-A361-64871C9F7761}" presName="connectorText" presStyleLbl="sibTrans2D1" presStyleIdx="3" presStyleCnt="4"/>
+      <dgm:spPr/>
+    </dgm:pt>
+    <dgm:pt modelId="{5F955161-318D-A445-BE58-D564AD840864}" type="pres">
+      <dgm:prSet presAssocID="{98D27D7A-7FAB-434F-8393-CB870AE97E11}" presName="node" presStyleLbl="node1" presStyleIdx="4" presStyleCnt="5" custLinFactX="-200000" custLinFactY="43619" custLinFactNeighborX="-290012" custLinFactNeighborY="100000">
+        <dgm:presLayoutVars>
+          <dgm:bulletEnabled val="1"/>
+        </dgm:presLayoutVars>
+      </dgm:prSet>
+      <dgm:spPr/>
+    </dgm:pt>
+  </dgm:ptLst>
+  <dgm:cxnLst>
+    <dgm:cxn modelId="{2E6E2A10-52DC-D440-9E24-AA024CBFBFB5}" type="presOf" srcId="{3F0F735F-1A77-D942-A361-64871C9F7761}" destId="{C40649EB-6978-7045-BB33-8F56A123A98D}" srcOrd="0" destOrd="0" presId="urn:microsoft.com/office/officeart/2005/8/layout/process1"/>
+    <dgm:cxn modelId="{58F42B28-4ED0-0D4E-B9CB-658F08FFB399}" type="presOf" srcId="{598962ED-C5BF-1840-A026-774A12B687E0}" destId="{D08A38F5-2AD6-2F42-BE45-B663ECCA5669}" srcOrd="0" destOrd="0" presId="urn:microsoft.com/office/officeart/2005/8/layout/process1"/>
+    <dgm:cxn modelId="{EF177B2D-5DCF-5947-BAC9-350585E368F4}" type="presOf" srcId="{98D27D7A-7FAB-434F-8393-CB870AE97E11}" destId="{5F955161-318D-A445-BE58-D564AD840864}" srcOrd="0" destOrd="0" presId="urn:microsoft.com/office/officeart/2005/8/layout/process1"/>
+    <dgm:cxn modelId="{2384784F-1CAB-0B4E-9814-F8E024894892}" type="presOf" srcId="{1E5297E2-35FE-4846-AA98-81B566B6C658}" destId="{D8EC03DA-E633-0F48-A014-B04857C5BB30}" srcOrd="1" destOrd="0" presId="urn:microsoft.com/office/officeart/2005/8/layout/process1"/>
+    <dgm:cxn modelId="{BE85956E-10D9-2A44-998D-7EAB298FF544}" type="presOf" srcId="{708C99EF-801A-8747-8DC0-3ED1D32D75EC}" destId="{1B79B408-5C90-0C43-9EEA-D9A95C8D23D4}" srcOrd="0" destOrd="0" presId="urn:microsoft.com/office/officeart/2005/8/layout/process1"/>
+    <dgm:cxn modelId="{8788D56E-95F1-B54E-A3D8-F058AF4E932B}" type="presOf" srcId="{10C0F1C7-804D-CA41-A280-4701FABF8FBF}" destId="{9A6206CA-4800-C84F-92D8-BB8C9EEB49FD}" srcOrd="0" destOrd="0" presId="urn:microsoft.com/office/officeart/2005/8/layout/process1"/>
+    <dgm:cxn modelId="{D96C2C79-2BC3-4841-B006-95F1717E42FF}" srcId="{10C0F1C7-804D-CA41-A280-4701FABF8FBF}" destId="{708C99EF-801A-8747-8DC0-3ED1D32D75EC}" srcOrd="3" destOrd="0" parTransId="{38C5AAFE-9108-954B-AF6C-5DE5F71DC5A7}" sibTransId="{3F0F735F-1A77-D942-A361-64871C9F7761}"/>
+    <dgm:cxn modelId="{3271398D-D895-E840-94D7-A7776801FDA6}" type="presOf" srcId="{598962ED-C5BF-1840-A026-774A12B687E0}" destId="{E305A327-6328-8A4F-913E-581ABEF37CB9}" srcOrd="1" destOrd="0" presId="urn:microsoft.com/office/officeart/2005/8/layout/process1"/>
+    <dgm:cxn modelId="{8E27DFA3-3FD5-D249-914B-FF4E2634AC79}" type="presOf" srcId="{45412DD0-779D-8C4D-822F-3E8B179A576B}" destId="{98910208-6443-7948-A4A8-B69733C3645D}" srcOrd="0" destOrd="0" presId="urn:microsoft.com/office/officeart/2005/8/layout/process1"/>
+    <dgm:cxn modelId="{BCCB67A6-7277-4748-882E-F383A2D32E95}" srcId="{10C0F1C7-804D-CA41-A280-4701FABF8FBF}" destId="{98D27D7A-7FAB-434F-8393-CB870AE97E11}" srcOrd="4" destOrd="0" parTransId="{8E430F27-8F28-D54C-98FD-7C299060C705}" sibTransId="{B0C1A238-61BB-D141-BA67-E3022A48E17C}"/>
+    <dgm:cxn modelId="{E766A8A7-1261-094F-83CB-CDB4F5C45950}" srcId="{10C0F1C7-804D-CA41-A280-4701FABF8FBF}" destId="{45412DD0-779D-8C4D-822F-3E8B179A576B}" srcOrd="1" destOrd="0" parTransId="{7021BB1F-0E58-1142-95A7-C68AD9005F17}" sibTransId="{8DE6E911-C4EB-E240-8962-514A8B4A143B}"/>
+    <dgm:cxn modelId="{4E6836AC-C63D-264A-AA7A-7C305EE6BCCF}" srcId="{10C0F1C7-804D-CA41-A280-4701FABF8FBF}" destId="{9A128E1B-F717-B64B-8C57-4EDAB8DCF502}" srcOrd="2" destOrd="0" parTransId="{FE90F590-01B9-004A-ACA0-91A4363A869E}" sibTransId="{598962ED-C5BF-1840-A026-774A12B687E0}"/>
+    <dgm:cxn modelId="{FCA029B1-5AF6-DC42-B01F-DF07FB1ABED8}" type="presOf" srcId="{D8FE06A5-4BBF-AB4D-BF30-CBCC0A8EED71}" destId="{0FDAD9F0-DED5-C34A-A4B3-53938288B751}" srcOrd="0" destOrd="0" presId="urn:microsoft.com/office/officeart/2005/8/layout/process1"/>
+    <dgm:cxn modelId="{C626ECB2-2D7B-6442-A9EC-25514ABC797A}" type="presOf" srcId="{3F0F735F-1A77-D942-A361-64871C9F7761}" destId="{83B917C3-B32D-A148-8D3E-8E17901E078F}" srcOrd="1" destOrd="0" presId="urn:microsoft.com/office/officeart/2005/8/layout/process1"/>
+    <dgm:cxn modelId="{FDB357B7-B8CE-7F44-9CF4-96A4239969DF}" type="presOf" srcId="{9A128E1B-F717-B64B-8C57-4EDAB8DCF502}" destId="{854C3D96-8343-D743-87EF-9F30EAD4FEDB}" srcOrd="0" destOrd="0" presId="urn:microsoft.com/office/officeart/2005/8/layout/process1"/>
+    <dgm:cxn modelId="{6719CEC4-1981-C44B-8CA1-D445027AD32B}" type="presOf" srcId="{8DE6E911-C4EB-E240-8962-514A8B4A143B}" destId="{B26BD1D9-E813-A34F-8DBF-54C7DEF73494}" srcOrd="0" destOrd="0" presId="urn:microsoft.com/office/officeart/2005/8/layout/process1"/>
+    <dgm:cxn modelId="{1F85D7D7-5E0C-AC49-82E7-70034363BD81}" type="presOf" srcId="{1E5297E2-35FE-4846-AA98-81B566B6C658}" destId="{87FD1DFB-9C48-EE4B-BEF6-F39F9551065D}" srcOrd="0" destOrd="0" presId="urn:microsoft.com/office/officeart/2005/8/layout/process1"/>
+    <dgm:cxn modelId="{9A63C7E5-3FD1-9747-B74B-B05D69937308}" type="presOf" srcId="{8DE6E911-C4EB-E240-8962-514A8B4A143B}" destId="{189B88E7-5C4B-714B-80DD-8F4E10B6515E}" srcOrd="1" destOrd="0" presId="urn:microsoft.com/office/officeart/2005/8/layout/process1"/>
+    <dgm:cxn modelId="{EDB69BFD-391A-8843-A87F-DA50C95617F3}" srcId="{10C0F1C7-804D-CA41-A280-4701FABF8FBF}" destId="{D8FE06A5-4BBF-AB4D-BF30-CBCC0A8EED71}" srcOrd="0" destOrd="0" parTransId="{D6AB9366-8422-2D4A-BCB0-3FA28514E46C}" sibTransId="{1E5297E2-35FE-4846-AA98-81B566B6C658}"/>
+    <dgm:cxn modelId="{DB42BDB9-DEF3-FF48-B68B-488C94463942}" type="presParOf" srcId="{9A6206CA-4800-C84F-92D8-BB8C9EEB49FD}" destId="{0FDAD9F0-DED5-C34A-A4B3-53938288B751}" srcOrd="0" destOrd="0" presId="urn:microsoft.com/office/officeart/2005/8/layout/process1"/>
+    <dgm:cxn modelId="{B62F3B62-008C-594A-A885-208ED4CD7859}" type="presParOf" srcId="{9A6206CA-4800-C84F-92D8-BB8C9EEB49FD}" destId="{87FD1DFB-9C48-EE4B-BEF6-F39F9551065D}" srcOrd="1" destOrd="0" presId="urn:microsoft.com/office/officeart/2005/8/layout/process1"/>
+    <dgm:cxn modelId="{3370C6E5-6199-DA46-8825-4209DA12BBD5}" type="presParOf" srcId="{87FD1DFB-9C48-EE4B-BEF6-F39F9551065D}" destId="{D8EC03DA-E633-0F48-A014-B04857C5BB30}" srcOrd="0" destOrd="0" presId="urn:microsoft.com/office/officeart/2005/8/layout/process1"/>
+    <dgm:cxn modelId="{14EAA4B9-1BBB-8644-9A19-315112353A3F}" type="presParOf" srcId="{9A6206CA-4800-C84F-92D8-BB8C9EEB49FD}" destId="{98910208-6443-7948-A4A8-B69733C3645D}" srcOrd="2" destOrd="0" presId="urn:microsoft.com/office/officeart/2005/8/layout/process1"/>
+    <dgm:cxn modelId="{097A2C33-C7CC-0644-8D09-D48BE9DBC4E9}" type="presParOf" srcId="{9A6206CA-4800-C84F-92D8-BB8C9EEB49FD}" destId="{B26BD1D9-E813-A34F-8DBF-54C7DEF73494}" srcOrd="3" destOrd="0" presId="urn:microsoft.com/office/officeart/2005/8/layout/process1"/>
+    <dgm:cxn modelId="{F626641B-C859-F34B-B02D-2116EC72B618}" type="presParOf" srcId="{B26BD1D9-E813-A34F-8DBF-54C7DEF73494}" destId="{189B88E7-5C4B-714B-80DD-8F4E10B6515E}" srcOrd="0" destOrd="0" presId="urn:microsoft.com/office/officeart/2005/8/layout/process1"/>
+    <dgm:cxn modelId="{F6CDD53B-3F6B-194E-B2CC-60C43E1DD08B}" type="presParOf" srcId="{9A6206CA-4800-C84F-92D8-BB8C9EEB49FD}" destId="{854C3D96-8343-D743-87EF-9F30EAD4FEDB}" srcOrd="4" destOrd="0" presId="urn:microsoft.com/office/officeart/2005/8/layout/process1"/>
+    <dgm:cxn modelId="{93A0B01A-6BC6-4245-A1D9-237D389EEFC2}" type="presParOf" srcId="{9A6206CA-4800-C84F-92D8-BB8C9EEB49FD}" destId="{D08A38F5-2AD6-2F42-BE45-B663ECCA5669}" srcOrd="5" destOrd="0" presId="urn:microsoft.com/office/officeart/2005/8/layout/process1"/>
+    <dgm:cxn modelId="{1D7E0DE0-A808-994F-A957-539408C4FE06}" type="presParOf" srcId="{D08A38F5-2AD6-2F42-BE45-B663ECCA5669}" destId="{E305A327-6328-8A4F-913E-581ABEF37CB9}" srcOrd="0" destOrd="0" presId="urn:microsoft.com/office/officeart/2005/8/layout/process1"/>
+    <dgm:cxn modelId="{E1E4607F-BA88-3F45-892B-422EA5115A43}" type="presParOf" srcId="{9A6206CA-4800-C84F-92D8-BB8C9EEB49FD}" destId="{1B79B408-5C90-0C43-9EEA-D9A95C8D23D4}" srcOrd="6" destOrd="0" presId="urn:microsoft.com/office/officeart/2005/8/layout/process1"/>
+    <dgm:cxn modelId="{BEFC803A-A222-3946-8E3A-CCECDDD0B7DB}" type="presParOf" srcId="{9A6206CA-4800-C84F-92D8-BB8C9EEB49FD}" destId="{C40649EB-6978-7045-BB33-8F56A123A98D}" srcOrd="7" destOrd="0" presId="urn:microsoft.com/office/officeart/2005/8/layout/process1"/>
+    <dgm:cxn modelId="{54C66163-F63B-DF4D-9252-A154A488DE67}" type="presParOf" srcId="{C40649EB-6978-7045-BB33-8F56A123A98D}" destId="{83B917C3-B32D-A148-8D3E-8E17901E078F}" srcOrd="0" destOrd="0" presId="urn:microsoft.com/office/officeart/2005/8/layout/process1"/>
+    <dgm:cxn modelId="{2926078C-6E66-894A-AEEB-35D0195F6A63}" type="presParOf" srcId="{9A6206CA-4800-C84F-92D8-BB8C9EEB49FD}" destId="{5F955161-318D-A445-BE58-D564AD840864}" srcOrd="8" destOrd="0" presId="urn:microsoft.com/office/officeart/2005/8/layout/process1"/>
+  </dgm:cxnLst>
+  <dgm:bg/>
+  <dgm:whole/>
+  <dgm:extLst>
+    <a:ext uri="http://schemas.microsoft.com/office/drawing/2008/diagram">
+      <dsp:dataModelExt xmlns:dsp="http://schemas.microsoft.com/office/drawing/2008/diagram" relId="rId6" minVer="http://schemas.openxmlformats.org/drawingml/2006/diagram"/>
+    </a:ext>
+  </dgm:extLst>
+</dgm:dataModel>
+</file>
+
+<file path=ppt/diagrams/data3.xml><?xml version="1.0" encoding="utf-8"?>
+<dgm:dataModel xmlns:dgm="http://schemas.openxmlformats.org/drawingml/2006/diagram" xmlns:a="http://schemas.openxmlformats.org/drawingml/2006/main">
+  <dgm:ptLst>
+    <dgm:pt modelId="{10C0F1C7-804D-CA41-A280-4701FABF8FBF}" type="doc">
+      <dgm:prSet loTypeId="urn:microsoft.com/office/officeart/2005/8/layout/process1" loCatId="" qsTypeId="urn:microsoft.com/office/officeart/2005/8/quickstyle/simple1" qsCatId="simple" csTypeId="urn:microsoft.com/office/officeart/2005/8/colors/accent1_2" csCatId="accent1" phldr="1"/>
+      <dgm:spPr/>
+      <dgm:t>
+        <a:bodyPr/>
+        <a:lstStyle/>
+        <a:p>
+          <a:endParaRPr lang="en-US"/>
+        </a:p>
+      </dgm:t>
+    </dgm:pt>
+    <dgm:pt modelId="{D8FE06A5-4BBF-AB4D-BF30-CBCC0A8EED71}">
+      <dgm:prSet phldrT="[Text]" custT="1"/>
+      <dgm:spPr>
+        <a:solidFill>
+          <a:srgbClr val="002060"/>
+        </a:solidFill>
+      </dgm:spPr>
+      <dgm:t>
+        <a:bodyPr/>
+        <a:lstStyle/>
+        <a:p>
+          <a:pPr>
+            <a:buFont typeface="Arial" panose="020B0604020202020204" pitchFamily="34" charset="0"/>
+            <a:buAutoNum type="arabicParenR"/>
+          </a:pPr>
+          <a:r>
+            <a:rPr lang="en-US" sz="1500" dirty="0"/>
+            <a:t>Requested GDP, population, unemployment using WBD API</a:t>
+          </a:r>
+          <a:endParaRPr lang="en-US" sz="1500" dirty="0">
+            <a:solidFill>
+              <a:schemeClr val="bg1"/>
+            </a:solidFill>
+          </a:endParaRPr>
+        </a:p>
+      </dgm:t>
+    </dgm:pt>
+    <dgm:pt modelId="{D6AB9366-8422-2D4A-BCB0-3FA28514E46C}" type="parTrans" cxnId="{EDB69BFD-391A-8843-A87F-DA50C95617F3}">
+      <dgm:prSet/>
+      <dgm:spPr/>
+      <dgm:t>
+        <a:bodyPr/>
+        <a:lstStyle/>
+        <a:p>
+          <a:endParaRPr lang="en-US"/>
+        </a:p>
+      </dgm:t>
+    </dgm:pt>
+    <dgm:pt modelId="{1E5297E2-35FE-4846-AA98-81B566B6C658}" type="sibTrans" cxnId="{EDB69BFD-391A-8843-A87F-DA50C95617F3}">
+      <dgm:prSet/>
+      <dgm:spPr/>
+      <dgm:t>
+        <a:bodyPr/>
+        <a:lstStyle/>
+        <a:p>
+          <a:endParaRPr lang="en-US"/>
+        </a:p>
+      </dgm:t>
+    </dgm:pt>
+    <dgm:pt modelId="{45412DD0-779D-8C4D-822F-3E8B179A576B}">
+      <dgm:prSet phldrT="[Text]" custT="1"/>
+      <dgm:spPr>
+        <a:solidFill>
+          <a:srgbClr val="002060"/>
+        </a:solidFill>
+      </dgm:spPr>
+      <dgm:t>
+        <a:bodyPr/>
+        <a:lstStyle/>
+        <a:p>
+          <a:pPr>
+            <a:buAutoNum type="arabicParenR"/>
+          </a:pPr>
+          <a:r>
+            <a:rPr lang="en-US" sz="1500" dirty="0"/>
+            <a:t>Checked the validity of the request using Postman</a:t>
+          </a:r>
+        </a:p>
+      </dgm:t>
+    </dgm:pt>
+    <dgm:pt modelId="{7021BB1F-0E58-1142-95A7-C68AD9005F17}" type="parTrans" cxnId="{E766A8A7-1261-094F-83CB-CDB4F5C45950}">
+      <dgm:prSet/>
+      <dgm:spPr/>
+      <dgm:t>
+        <a:bodyPr/>
+        <a:lstStyle/>
+        <a:p>
+          <a:endParaRPr lang="en-US"/>
+        </a:p>
+      </dgm:t>
+    </dgm:pt>
+    <dgm:pt modelId="{8DE6E911-C4EB-E240-8962-514A8B4A143B}" type="sibTrans" cxnId="{E766A8A7-1261-094F-83CB-CDB4F5C45950}">
+      <dgm:prSet/>
+      <dgm:spPr/>
+      <dgm:t>
+        <a:bodyPr/>
+        <a:lstStyle/>
+        <a:p>
+          <a:endParaRPr lang="en-US"/>
+        </a:p>
+      </dgm:t>
+    </dgm:pt>
+    <dgm:pt modelId="{9A128E1B-F717-B64B-8C57-4EDAB8DCF502}">
+      <dgm:prSet phldrT="[Text]" custT="1"/>
+      <dgm:spPr>
+        <a:solidFill>
+          <a:srgbClr val="002060"/>
+        </a:solidFill>
+      </dgm:spPr>
+      <dgm:t>
+        <a:bodyPr/>
+        <a:lstStyle/>
+        <a:p>
+          <a:pPr>
+            <a:buAutoNum type="arabicParenR"/>
+          </a:pPr>
+          <a:r>
+            <a:rPr lang="en-US" sz="1500" dirty="0"/>
+            <a:t>Got results in JSON format</a:t>
+          </a:r>
+        </a:p>
+      </dgm:t>
+    </dgm:pt>
+    <dgm:pt modelId="{FE90F590-01B9-004A-ACA0-91A4363A869E}" type="parTrans" cxnId="{4E6836AC-C63D-264A-AA7A-7C305EE6BCCF}">
+      <dgm:prSet/>
+      <dgm:spPr/>
+      <dgm:t>
+        <a:bodyPr/>
+        <a:lstStyle/>
+        <a:p>
+          <a:endParaRPr lang="en-US"/>
+        </a:p>
+      </dgm:t>
+    </dgm:pt>
+    <dgm:pt modelId="{598962ED-C5BF-1840-A026-774A12B687E0}" type="sibTrans" cxnId="{4E6836AC-C63D-264A-AA7A-7C305EE6BCCF}">
+      <dgm:prSet/>
+      <dgm:spPr/>
+      <dgm:t>
+        <a:bodyPr/>
+        <a:lstStyle/>
+        <a:p>
+          <a:endParaRPr lang="en-US"/>
+        </a:p>
+      </dgm:t>
+    </dgm:pt>
+    <dgm:pt modelId="{708C99EF-801A-8747-8DC0-3ED1D32D75EC}">
+      <dgm:prSet custT="1"/>
+      <dgm:spPr>
+        <a:solidFill>
+          <a:srgbClr val="002060"/>
+        </a:solidFill>
+      </dgm:spPr>
+      <dgm:t>
+        <a:bodyPr/>
+        <a:lstStyle/>
+        <a:p>
+          <a:r>
+            <a:rPr lang="en-US" sz="1500" dirty="0"/>
+            <a:t>Transformed JSON files into tables in </a:t>
+          </a:r>
+          <a:r>
+            <a:rPr lang="en-US" sz="1500" dirty="0" err="1"/>
+            <a:t>Knime</a:t>
+          </a:r>
+          <a:endParaRPr lang="en-US" sz="1500" dirty="0"/>
+        </a:p>
+      </dgm:t>
+    </dgm:pt>
+    <dgm:pt modelId="{38C5AAFE-9108-954B-AF6C-5DE5F71DC5A7}" type="parTrans" cxnId="{D96C2C79-2BC3-4841-B006-95F1717E42FF}">
+      <dgm:prSet/>
+      <dgm:spPr/>
+      <dgm:t>
+        <a:bodyPr/>
+        <a:lstStyle/>
+        <a:p>
+          <a:endParaRPr lang="en-US"/>
+        </a:p>
+      </dgm:t>
+    </dgm:pt>
+    <dgm:pt modelId="{3F0F735F-1A77-D942-A361-64871C9F7761}" type="sibTrans" cxnId="{D96C2C79-2BC3-4841-B006-95F1717E42FF}">
+      <dgm:prSet/>
+      <dgm:spPr/>
+      <dgm:t>
+        <a:bodyPr/>
+        <a:lstStyle/>
+        <a:p>
+          <a:endParaRPr lang="en-US"/>
+        </a:p>
+      </dgm:t>
+    </dgm:pt>
+    <dgm:pt modelId="{9A6206CA-4800-C84F-92D8-BB8C9EEB49FD}" type="pres">
+      <dgm:prSet presAssocID="{10C0F1C7-804D-CA41-A280-4701FABF8FBF}" presName="Name0" presStyleCnt="0">
+        <dgm:presLayoutVars>
+          <dgm:dir/>
+          <dgm:resizeHandles val="exact"/>
+        </dgm:presLayoutVars>
+      </dgm:prSet>
+      <dgm:spPr/>
+    </dgm:pt>
+    <dgm:pt modelId="{0FDAD9F0-DED5-C34A-A4B3-53938288B751}" type="pres">
+      <dgm:prSet presAssocID="{D8FE06A5-4BBF-AB4D-BF30-CBCC0A8EED71}" presName="node" presStyleLbl="node1" presStyleIdx="0" presStyleCnt="4">
+        <dgm:presLayoutVars>
+          <dgm:bulletEnabled val="1"/>
+        </dgm:presLayoutVars>
+      </dgm:prSet>
+      <dgm:spPr/>
+    </dgm:pt>
+    <dgm:pt modelId="{87FD1DFB-9C48-EE4B-BEF6-F39F9551065D}" type="pres">
+      <dgm:prSet presAssocID="{1E5297E2-35FE-4846-AA98-81B566B6C658}" presName="sibTrans" presStyleLbl="sibTrans2D1" presStyleIdx="0" presStyleCnt="3"/>
+      <dgm:spPr/>
+    </dgm:pt>
+    <dgm:pt modelId="{D8EC03DA-E633-0F48-A014-B04857C5BB30}" type="pres">
+      <dgm:prSet presAssocID="{1E5297E2-35FE-4846-AA98-81B566B6C658}" presName="connectorText" presStyleLbl="sibTrans2D1" presStyleIdx="0" presStyleCnt="3"/>
+      <dgm:spPr/>
+    </dgm:pt>
+    <dgm:pt modelId="{98910208-6443-7948-A4A8-B69733C3645D}" type="pres">
+      <dgm:prSet presAssocID="{45412DD0-779D-8C4D-822F-3E8B179A576B}" presName="node" presStyleLbl="node1" presStyleIdx="1" presStyleCnt="4">
+        <dgm:presLayoutVars>
+          <dgm:bulletEnabled val="1"/>
+        </dgm:presLayoutVars>
+      </dgm:prSet>
+      <dgm:spPr/>
+    </dgm:pt>
+    <dgm:pt modelId="{B26BD1D9-E813-A34F-8DBF-54C7DEF73494}" type="pres">
+      <dgm:prSet presAssocID="{8DE6E911-C4EB-E240-8962-514A8B4A143B}" presName="sibTrans" presStyleLbl="sibTrans2D1" presStyleIdx="1" presStyleCnt="3"/>
+      <dgm:spPr/>
+    </dgm:pt>
+    <dgm:pt modelId="{189B88E7-5C4B-714B-80DD-8F4E10B6515E}" type="pres">
+      <dgm:prSet presAssocID="{8DE6E911-C4EB-E240-8962-514A8B4A143B}" presName="connectorText" presStyleLbl="sibTrans2D1" presStyleIdx="1" presStyleCnt="3"/>
+      <dgm:spPr/>
+    </dgm:pt>
+    <dgm:pt modelId="{854C3D96-8343-D743-87EF-9F30EAD4FEDB}" type="pres">
+      <dgm:prSet presAssocID="{9A128E1B-F717-B64B-8C57-4EDAB8DCF502}" presName="node" presStyleLbl="node1" presStyleIdx="2" presStyleCnt="4">
+        <dgm:presLayoutVars>
+          <dgm:bulletEnabled val="1"/>
+        </dgm:presLayoutVars>
+      </dgm:prSet>
+      <dgm:spPr/>
+    </dgm:pt>
+    <dgm:pt modelId="{D08A38F5-2AD6-2F42-BE45-B663ECCA5669}" type="pres">
+      <dgm:prSet presAssocID="{598962ED-C5BF-1840-A026-774A12B687E0}" presName="sibTrans" presStyleLbl="sibTrans2D1" presStyleIdx="2" presStyleCnt="3" custAng="21515221" custScaleX="109023" custScaleY="108178" custLinFactNeighborX="13550" custLinFactNeighborY="-15090"/>
+      <dgm:spPr/>
+    </dgm:pt>
+    <dgm:pt modelId="{E305A327-6328-8A4F-913E-581ABEF37CB9}" type="pres">
+      <dgm:prSet presAssocID="{598962ED-C5BF-1840-A026-774A12B687E0}" presName="connectorText" presStyleLbl="sibTrans2D1" presStyleIdx="2" presStyleCnt="3"/>
+      <dgm:spPr/>
+    </dgm:pt>
+    <dgm:pt modelId="{1B79B408-5C90-0C43-9EEA-D9A95C8D23D4}" type="pres">
+      <dgm:prSet presAssocID="{708C99EF-801A-8747-8DC0-3ED1D32D75EC}" presName="node" presStyleLbl="node1" presStyleIdx="3" presStyleCnt="4" custLinFactNeighborX="7195" custLinFactNeighborY="4131">
+        <dgm:presLayoutVars>
+          <dgm:bulletEnabled val="1"/>
+        </dgm:presLayoutVars>
+      </dgm:prSet>
+      <dgm:spPr/>
+    </dgm:pt>
+  </dgm:ptLst>
+  <dgm:cxnLst>
+    <dgm:cxn modelId="{58F42B28-4ED0-0D4E-B9CB-658F08FFB399}" type="presOf" srcId="{598962ED-C5BF-1840-A026-774A12B687E0}" destId="{D08A38F5-2AD6-2F42-BE45-B663ECCA5669}" srcOrd="0" destOrd="0" presId="urn:microsoft.com/office/officeart/2005/8/layout/process1"/>
+    <dgm:cxn modelId="{2384784F-1CAB-0B4E-9814-F8E024894892}" type="presOf" srcId="{1E5297E2-35FE-4846-AA98-81B566B6C658}" destId="{D8EC03DA-E633-0F48-A014-B04857C5BB30}" srcOrd="1" destOrd="0" presId="urn:microsoft.com/office/officeart/2005/8/layout/process1"/>
+    <dgm:cxn modelId="{BE85956E-10D9-2A44-998D-7EAB298FF544}" type="presOf" srcId="{708C99EF-801A-8747-8DC0-3ED1D32D75EC}" destId="{1B79B408-5C90-0C43-9EEA-D9A95C8D23D4}" srcOrd="0" destOrd="0" presId="urn:microsoft.com/office/officeart/2005/8/layout/process1"/>
+    <dgm:cxn modelId="{8788D56E-95F1-B54E-A3D8-F058AF4E932B}" type="presOf" srcId="{10C0F1C7-804D-CA41-A280-4701FABF8FBF}" destId="{9A6206CA-4800-C84F-92D8-BB8C9EEB49FD}" srcOrd="0" destOrd="0" presId="urn:microsoft.com/office/officeart/2005/8/layout/process1"/>
+    <dgm:cxn modelId="{D96C2C79-2BC3-4841-B006-95F1717E42FF}" srcId="{10C0F1C7-804D-CA41-A280-4701FABF8FBF}" destId="{708C99EF-801A-8747-8DC0-3ED1D32D75EC}" srcOrd="3" destOrd="0" parTransId="{38C5AAFE-9108-954B-AF6C-5DE5F71DC5A7}" sibTransId="{3F0F735F-1A77-D942-A361-64871C9F7761}"/>
+    <dgm:cxn modelId="{3271398D-D895-E840-94D7-A7776801FDA6}" type="presOf" srcId="{598962ED-C5BF-1840-A026-774A12B687E0}" destId="{E305A327-6328-8A4F-913E-581ABEF37CB9}" srcOrd="1" destOrd="0" presId="urn:microsoft.com/office/officeart/2005/8/layout/process1"/>
+    <dgm:cxn modelId="{8E27DFA3-3FD5-D249-914B-FF4E2634AC79}" type="presOf" srcId="{45412DD0-779D-8C4D-822F-3E8B179A576B}" destId="{98910208-6443-7948-A4A8-B69733C3645D}" srcOrd="0" destOrd="0" presId="urn:microsoft.com/office/officeart/2005/8/layout/process1"/>
+    <dgm:cxn modelId="{E766A8A7-1261-094F-83CB-CDB4F5C45950}" srcId="{10C0F1C7-804D-CA41-A280-4701FABF8FBF}" destId="{45412DD0-779D-8C4D-822F-3E8B179A576B}" srcOrd="1" destOrd="0" parTransId="{7021BB1F-0E58-1142-95A7-C68AD9005F17}" sibTransId="{8DE6E911-C4EB-E240-8962-514A8B4A143B}"/>
+    <dgm:cxn modelId="{4E6836AC-C63D-264A-AA7A-7C305EE6BCCF}" srcId="{10C0F1C7-804D-CA41-A280-4701FABF8FBF}" destId="{9A128E1B-F717-B64B-8C57-4EDAB8DCF502}" srcOrd="2" destOrd="0" parTransId="{FE90F590-01B9-004A-ACA0-91A4363A869E}" sibTransId="{598962ED-C5BF-1840-A026-774A12B687E0}"/>
+    <dgm:cxn modelId="{FCA029B1-5AF6-DC42-B01F-DF07FB1ABED8}" type="presOf" srcId="{D8FE06A5-4BBF-AB4D-BF30-CBCC0A8EED71}" destId="{0FDAD9F0-DED5-C34A-A4B3-53938288B751}" srcOrd="0" destOrd="0" presId="urn:microsoft.com/office/officeart/2005/8/layout/process1"/>
+    <dgm:cxn modelId="{FDB357B7-B8CE-7F44-9CF4-96A4239969DF}" type="presOf" srcId="{9A128E1B-F717-B64B-8C57-4EDAB8DCF502}" destId="{854C3D96-8343-D743-87EF-9F30EAD4FEDB}" srcOrd="0" destOrd="0" presId="urn:microsoft.com/office/officeart/2005/8/layout/process1"/>
+    <dgm:cxn modelId="{6719CEC4-1981-C44B-8CA1-D445027AD32B}" type="presOf" srcId="{8DE6E911-C4EB-E240-8962-514A8B4A143B}" destId="{B26BD1D9-E813-A34F-8DBF-54C7DEF73494}" srcOrd="0" destOrd="0" presId="urn:microsoft.com/office/officeart/2005/8/layout/process1"/>
+    <dgm:cxn modelId="{1F85D7D7-5E0C-AC49-82E7-70034363BD81}" type="presOf" srcId="{1E5297E2-35FE-4846-AA98-81B566B6C658}" destId="{87FD1DFB-9C48-EE4B-BEF6-F39F9551065D}" srcOrd="0" destOrd="0" presId="urn:microsoft.com/office/officeart/2005/8/layout/process1"/>
+    <dgm:cxn modelId="{9A63C7E5-3FD1-9747-B74B-B05D69937308}" type="presOf" srcId="{8DE6E911-C4EB-E240-8962-514A8B4A143B}" destId="{189B88E7-5C4B-714B-80DD-8F4E10B6515E}" srcOrd="1" destOrd="0" presId="urn:microsoft.com/office/officeart/2005/8/layout/process1"/>
+    <dgm:cxn modelId="{EDB69BFD-391A-8843-A87F-DA50C95617F3}" srcId="{10C0F1C7-804D-CA41-A280-4701FABF8FBF}" destId="{D8FE06A5-4BBF-AB4D-BF30-CBCC0A8EED71}" srcOrd="0" destOrd="0" parTransId="{D6AB9366-8422-2D4A-BCB0-3FA28514E46C}" sibTransId="{1E5297E2-35FE-4846-AA98-81B566B6C658}"/>
+    <dgm:cxn modelId="{DB42BDB9-DEF3-FF48-B68B-488C94463942}" type="presParOf" srcId="{9A6206CA-4800-C84F-92D8-BB8C9EEB49FD}" destId="{0FDAD9F0-DED5-C34A-A4B3-53938288B751}" srcOrd="0" destOrd="0" presId="urn:microsoft.com/office/officeart/2005/8/layout/process1"/>
+    <dgm:cxn modelId="{B62F3B62-008C-594A-A885-208ED4CD7859}" type="presParOf" srcId="{9A6206CA-4800-C84F-92D8-BB8C9EEB49FD}" destId="{87FD1DFB-9C48-EE4B-BEF6-F39F9551065D}" srcOrd="1" destOrd="0" presId="urn:microsoft.com/office/officeart/2005/8/layout/process1"/>
+    <dgm:cxn modelId="{3370C6E5-6199-DA46-8825-4209DA12BBD5}" type="presParOf" srcId="{87FD1DFB-9C48-EE4B-BEF6-F39F9551065D}" destId="{D8EC03DA-E633-0F48-A014-B04857C5BB30}" srcOrd="0" destOrd="0" presId="urn:microsoft.com/office/officeart/2005/8/layout/process1"/>
+    <dgm:cxn modelId="{14EAA4B9-1BBB-8644-9A19-315112353A3F}" type="presParOf" srcId="{9A6206CA-4800-C84F-92D8-BB8C9EEB49FD}" destId="{98910208-6443-7948-A4A8-B69733C3645D}" srcOrd="2" destOrd="0" presId="urn:microsoft.com/office/officeart/2005/8/layout/process1"/>
+    <dgm:cxn modelId="{097A2C33-C7CC-0644-8D09-D48BE9DBC4E9}" type="presParOf" srcId="{9A6206CA-4800-C84F-92D8-BB8C9EEB49FD}" destId="{B26BD1D9-E813-A34F-8DBF-54C7DEF73494}" srcOrd="3" destOrd="0" presId="urn:microsoft.com/office/officeart/2005/8/layout/process1"/>
+    <dgm:cxn modelId="{F626641B-C859-F34B-B02D-2116EC72B618}" type="presParOf" srcId="{B26BD1D9-E813-A34F-8DBF-54C7DEF73494}" destId="{189B88E7-5C4B-714B-80DD-8F4E10B6515E}" srcOrd="0" destOrd="0" presId="urn:microsoft.com/office/officeart/2005/8/layout/process1"/>
+    <dgm:cxn modelId="{F6CDD53B-3F6B-194E-B2CC-60C43E1DD08B}" type="presParOf" srcId="{9A6206CA-4800-C84F-92D8-BB8C9EEB49FD}" destId="{854C3D96-8343-D743-87EF-9F30EAD4FEDB}" srcOrd="4" destOrd="0" presId="urn:microsoft.com/office/officeart/2005/8/layout/process1"/>
+    <dgm:cxn modelId="{93A0B01A-6BC6-4245-A1D9-237D389EEFC2}" type="presParOf" srcId="{9A6206CA-4800-C84F-92D8-BB8C9EEB49FD}" destId="{D08A38F5-2AD6-2F42-BE45-B663ECCA5669}" srcOrd="5" destOrd="0" presId="urn:microsoft.com/office/officeart/2005/8/layout/process1"/>
+    <dgm:cxn modelId="{1D7E0DE0-A808-994F-A957-539408C4FE06}" type="presParOf" srcId="{D08A38F5-2AD6-2F42-BE45-B663ECCA5669}" destId="{E305A327-6328-8A4F-913E-581ABEF37CB9}" srcOrd="0" destOrd="0" presId="urn:microsoft.com/office/officeart/2005/8/layout/process1"/>
+    <dgm:cxn modelId="{E1E4607F-BA88-3F45-892B-422EA5115A43}" type="presParOf" srcId="{9A6206CA-4800-C84F-92D8-BB8C9EEB49FD}" destId="{1B79B408-5C90-0C43-9EEA-D9A95C8D23D4}" srcOrd="6" destOrd="0" presId="urn:microsoft.com/office/officeart/2005/8/layout/process1"/>
+  </dgm:cxnLst>
+  <dgm:bg/>
+  <dgm:whole/>
+  <dgm:extLst>
+    <a:ext uri="http://schemas.microsoft.com/office/drawing/2008/diagram">
+      <dsp:dataModelExt xmlns:dsp="http://schemas.microsoft.com/office/drawing/2008/diagram" relId="rId8" minVer="http://schemas.openxmlformats.org/drawingml/2006/diagram"/>
+    </a:ext>
+  </dgm:extLst>
+</dgm:dataModel>
+</file>
+
+<file path=ppt/diagrams/data4.xml><?xml version="1.0" encoding="utf-8"?>
+<dgm:dataModel xmlns:dgm="http://schemas.openxmlformats.org/drawingml/2006/diagram" xmlns:a="http://schemas.openxmlformats.org/drawingml/2006/main">
+  <dgm:ptLst>
+    <dgm:pt modelId="{10C0F1C7-804D-CA41-A280-4701FABF8FBF}" type="doc">
+      <dgm:prSet loTypeId="urn:microsoft.com/office/officeart/2005/8/layout/process1" loCatId="" qsTypeId="urn:microsoft.com/office/officeart/2005/8/quickstyle/simple1" qsCatId="simple" csTypeId="urn:microsoft.com/office/officeart/2005/8/colors/accent1_2" csCatId="accent1" phldr="1"/>
+      <dgm:spPr/>
+    </dgm:pt>
+    <dgm:pt modelId="{D8FE06A5-4BBF-AB4D-BF30-CBCC0A8EED71}">
+      <dgm:prSet phldrT="[Text]" custT="1"/>
+      <dgm:spPr>
+        <a:solidFill>
+          <a:srgbClr val="002060"/>
+        </a:solidFill>
+      </dgm:spPr>
+      <dgm:t>
+        <a:bodyPr/>
+        <a:lstStyle/>
+        <a:p>
+          <a:pPr>
+            <a:buFont typeface="Arial" panose="020B0604020202020204" pitchFamily="34" charset="0"/>
+            <a:buAutoNum type="arabicParenR"/>
+          </a:pPr>
+          <a:r>
+            <a:rPr lang="en-US" sz="1500" dirty="0"/>
+            <a:t>Got list of countries </a:t>
+          </a:r>
+        </a:p>
+        <a:p>
+          <a:pPr>
+            <a:buFont typeface="Arial" panose="020B0604020202020204" pitchFamily="34" charset="0"/>
+            <a:buAutoNum type="arabicParenR"/>
+          </a:pPr>
+          <a:r>
+            <a:rPr lang="en-US" sz="1500" dirty="0"/>
+            <a:t>using R Source</a:t>
+          </a:r>
+          <a:endParaRPr lang="en-US" sz="1500" dirty="0">
+            <a:solidFill>
+              <a:schemeClr val="bg1"/>
+            </a:solidFill>
+          </a:endParaRPr>
+        </a:p>
+      </dgm:t>
+    </dgm:pt>
+    <dgm:pt modelId="{D6AB9366-8422-2D4A-BCB0-3FA28514E46C}" type="parTrans" cxnId="{EDB69BFD-391A-8843-A87F-DA50C95617F3}">
+      <dgm:prSet/>
+      <dgm:spPr/>
+      <dgm:t>
+        <a:bodyPr/>
+        <a:lstStyle/>
+        <a:p>
+          <a:endParaRPr lang="en-US"/>
+        </a:p>
+      </dgm:t>
+    </dgm:pt>
+    <dgm:pt modelId="{1E5297E2-35FE-4846-AA98-81B566B6C658}" type="sibTrans" cxnId="{EDB69BFD-391A-8843-A87F-DA50C95617F3}">
+      <dgm:prSet/>
+      <dgm:spPr/>
+      <dgm:t>
+        <a:bodyPr/>
+        <a:lstStyle/>
+        <a:p>
+          <a:endParaRPr lang="en-US"/>
+        </a:p>
+      </dgm:t>
+    </dgm:pt>
+    <dgm:pt modelId="{45412DD0-779D-8C4D-822F-3E8B179A576B}">
+      <dgm:prSet phldrT="[Text]" custT="1"/>
+      <dgm:spPr>
+        <a:solidFill>
+          <a:srgbClr val="002060"/>
+        </a:solidFill>
+      </dgm:spPr>
+      <dgm:t>
+        <a:bodyPr/>
+        <a:lstStyle/>
+        <a:p>
+          <a:pPr>
+            <a:buAutoNum type="arabicParenR"/>
+          </a:pPr>
+          <a:r>
+            <a:rPr lang="en-US" sz="1500" dirty="0"/>
+            <a:t>Loaded data with API and SQL</a:t>
+          </a:r>
+        </a:p>
+      </dgm:t>
+    </dgm:pt>
+    <dgm:pt modelId="{7021BB1F-0E58-1142-95A7-C68AD9005F17}" type="parTrans" cxnId="{E766A8A7-1261-094F-83CB-CDB4F5C45950}">
+      <dgm:prSet/>
+      <dgm:spPr/>
+      <dgm:t>
+        <a:bodyPr/>
+        <a:lstStyle/>
+        <a:p>
+          <a:endParaRPr lang="en-US"/>
+        </a:p>
+      </dgm:t>
+    </dgm:pt>
+    <dgm:pt modelId="{8DE6E911-C4EB-E240-8962-514A8B4A143B}" type="sibTrans" cxnId="{E766A8A7-1261-094F-83CB-CDB4F5C45950}">
+      <dgm:prSet/>
+      <dgm:spPr/>
+      <dgm:t>
+        <a:bodyPr/>
+        <a:lstStyle/>
+        <a:p>
+          <a:endParaRPr lang="en-US"/>
+        </a:p>
+      </dgm:t>
+    </dgm:pt>
+    <dgm:pt modelId="{9A128E1B-F717-B64B-8C57-4EDAB8DCF502}">
+      <dgm:prSet phldrT="[Text]" custT="1"/>
+      <dgm:spPr>
+        <a:solidFill>
+          <a:srgbClr val="002060"/>
+        </a:solidFill>
+      </dgm:spPr>
+      <dgm:t>
+        <a:bodyPr/>
+        <a:lstStyle/>
+        <a:p>
+          <a:pPr>
+            <a:buAutoNum type="arabicParenR"/>
+          </a:pPr>
+          <a:r>
+            <a:rPr lang="en-US" sz="1500" dirty="0"/>
+            <a:t>Joined data</a:t>
+          </a:r>
+        </a:p>
+      </dgm:t>
+    </dgm:pt>
+    <dgm:pt modelId="{FE90F590-01B9-004A-ACA0-91A4363A869E}" type="parTrans" cxnId="{4E6836AC-C63D-264A-AA7A-7C305EE6BCCF}">
+      <dgm:prSet/>
+      <dgm:spPr/>
+      <dgm:t>
+        <a:bodyPr/>
+        <a:lstStyle/>
+        <a:p>
+          <a:endParaRPr lang="en-US"/>
+        </a:p>
+      </dgm:t>
+    </dgm:pt>
+    <dgm:pt modelId="{598962ED-C5BF-1840-A026-774A12B687E0}" type="sibTrans" cxnId="{4E6836AC-C63D-264A-AA7A-7C305EE6BCCF}">
+      <dgm:prSet/>
+      <dgm:spPr/>
+      <dgm:t>
+        <a:bodyPr/>
+        <a:lstStyle/>
+        <a:p>
+          <a:endParaRPr lang="en-US"/>
+        </a:p>
+      </dgm:t>
+    </dgm:pt>
+    <dgm:pt modelId="{708C99EF-801A-8747-8DC0-3ED1D32D75EC}">
+      <dgm:prSet custT="1"/>
+      <dgm:spPr>
+        <a:solidFill>
+          <a:srgbClr val="002060"/>
+        </a:solidFill>
+      </dgm:spPr>
+      <dgm:t>
+        <a:bodyPr/>
+        <a:lstStyle/>
+        <a:p>
+          <a:r>
+            <a:rPr lang="en-US" sz="1500" dirty="0"/>
+            <a:t>Cleaned data</a:t>
+          </a:r>
+        </a:p>
+      </dgm:t>
+    </dgm:pt>
+    <dgm:pt modelId="{38C5AAFE-9108-954B-AF6C-5DE5F71DC5A7}" type="parTrans" cxnId="{D96C2C79-2BC3-4841-B006-95F1717E42FF}">
+      <dgm:prSet/>
+      <dgm:spPr/>
+      <dgm:t>
+        <a:bodyPr/>
+        <a:lstStyle/>
+        <a:p>
+          <a:endParaRPr lang="en-US"/>
+        </a:p>
+      </dgm:t>
+    </dgm:pt>
+    <dgm:pt modelId="{3F0F735F-1A77-D942-A361-64871C9F7761}" type="sibTrans" cxnId="{D96C2C79-2BC3-4841-B006-95F1717E42FF}">
+      <dgm:prSet/>
+      <dgm:spPr/>
+      <dgm:t>
+        <a:bodyPr/>
+        <a:lstStyle/>
+        <a:p>
+          <a:endParaRPr lang="en-US"/>
+        </a:p>
+      </dgm:t>
+    </dgm:pt>
+    <dgm:pt modelId="{98D27D7A-7FAB-434F-8393-CB870AE97E11}">
+      <dgm:prSet custT="1"/>
+      <dgm:spPr>
+        <a:solidFill>
+          <a:srgbClr val="002060"/>
+        </a:solidFill>
+      </dgm:spPr>
+      <dgm:t>
+        <a:bodyPr/>
+        <a:lstStyle/>
+        <a:p>
+          <a:r>
+            <a:rPr lang="en-US" sz="1500" dirty="0"/>
+            <a:t>Ran analytics</a:t>
+          </a:r>
+          <a:endParaRPr lang="en-US" sz="1500" i="1" dirty="0"/>
         </a:p>
       </dgm:t>
     </dgm:pt>
@@ -2330,7 +4501,7 @@
       <dgm:spPr/>
     </dgm:pt>
     <dgm:pt modelId="{15523AE9-49C3-C14C-BBCD-D71B7E0EA1AC}" type="pres">
-      <dgm:prSet presAssocID="{D8FE06A5-4BBF-AB4D-BF30-CBCC0A8EED71}" presName="node" presStyleLbl="node1" presStyleIdx="0" presStyleCnt="5">
+      <dgm:prSet presAssocID="{D8FE06A5-4BBF-AB4D-BF30-CBCC0A8EED71}" presName="node" presStyleLbl="node1" presStyleIdx="0" presStyleCnt="5" custScaleX="145799" custScaleY="54644" custLinFactNeighborX="25689" custLinFactNeighborY="7334">
         <dgm:presLayoutVars>
           <dgm:bulletEnabled val="1"/>
         </dgm:presLayoutVars>
@@ -2346,7 +4517,7 @@
       <dgm:spPr/>
     </dgm:pt>
     <dgm:pt modelId="{F4B32375-1C6E-6F4B-8DAD-FD9735F434C8}" type="pres">
-      <dgm:prSet presAssocID="{45412DD0-779D-8C4D-822F-3E8B179A576B}" presName="node" presStyleLbl="node1" presStyleIdx="1" presStyleCnt="5">
+      <dgm:prSet presAssocID="{45412DD0-779D-8C4D-822F-3E8B179A576B}" presName="node" presStyleLbl="node1" presStyleIdx="1" presStyleCnt="5" custScaleY="54644" custLinFactNeighborX="25688" custLinFactNeighborY="7334">
         <dgm:presLayoutVars>
           <dgm:bulletEnabled val="1"/>
         </dgm:presLayoutVars>
@@ -2362,7 +4533,7 @@
       <dgm:spPr/>
     </dgm:pt>
     <dgm:pt modelId="{7B03A638-86DD-D54A-AF6E-596D283DA446}" type="pres">
-      <dgm:prSet presAssocID="{9A128E1B-F717-B64B-8C57-4EDAB8DCF502}" presName="node" presStyleLbl="node1" presStyleIdx="2" presStyleCnt="5">
+      <dgm:prSet presAssocID="{9A128E1B-F717-B64B-8C57-4EDAB8DCF502}" presName="node" presStyleLbl="node1" presStyleIdx="2" presStyleCnt="5" custScaleY="54644" custLinFactNeighborX="25688" custLinFactNeighborY="7334">
         <dgm:presLayoutVars>
           <dgm:bulletEnabled val="1"/>
         </dgm:presLayoutVars>
@@ -2378,7 +4549,7 @@
       <dgm:spPr/>
     </dgm:pt>
     <dgm:pt modelId="{D431CE5C-2D0A-6E40-8B91-6498B18C7BEF}" type="pres">
-      <dgm:prSet presAssocID="{708C99EF-801A-8747-8DC0-3ED1D32D75EC}" presName="node" presStyleLbl="node1" presStyleIdx="3" presStyleCnt="5">
+      <dgm:prSet presAssocID="{708C99EF-801A-8747-8DC0-3ED1D32D75EC}" presName="node" presStyleLbl="node1" presStyleIdx="3" presStyleCnt="5" custScaleY="54644" custLinFactNeighborX="25688" custLinFactNeighborY="7334">
         <dgm:presLayoutVars>
           <dgm:bulletEnabled val="1"/>
         </dgm:presLayoutVars>
@@ -2394,7 +4565,7 @@
       <dgm:spPr/>
     </dgm:pt>
     <dgm:pt modelId="{39E9D6CE-5F38-6341-BD55-2490DDD480BB}" type="pres">
-      <dgm:prSet presAssocID="{98D27D7A-7FAB-434F-8393-CB870AE97E11}" presName="node" presStyleLbl="node1" presStyleIdx="4" presStyleCnt="5">
+      <dgm:prSet presAssocID="{98D27D7A-7FAB-434F-8393-CB870AE97E11}" presName="node" presStyleLbl="node1" presStyleIdx="4" presStyleCnt="5" custScaleY="54644" custLinFactNeighborX="3130" custLinFactNeighborY="7334">
         <dgm:presLayoutVars>
           <dgm:bulletEnabled val="1"/>
         </dgm:presLayoutVars>
@@ -2440,7 +4611,7 @@
   <dgm:whole/>
   <dgm:extLst>
     <a:ext uri="http://schemas.microsoft.com/office/drawing/2008/diagram">
-      <dsp:dataModelExt xmlns:dsp="http://schemas.microsoft.com/office/drawing/2008/diagram" relId="rId6" minVer="http://schemas.openxmlformats.org/drawingml/2006/diagram"/>
+      <dsp:dataModelExt xmlns:dsp="http://schemas.microsoft.com/office/drawing/2008/diagram" relId="rId7" minVer="http://schemas.openxmlformats.org/drawingml/2006/diagram"/>
     </a:ext>
   </dgm:extLst>
 </dgm:dataModel>
@@ -2461,8 +4632,8 @@
       </dsp:nvSpPr>
       <dsp:spPr>
         <a:xfrm>
-          <a:off x="11097" y="390534"/>
-          <a:ext cx="3391502" cy="4637598"/>
+          <a:off x="11097" y="873006"/>
+          <a:ext cx="3391502" cy="3672654"/>
         </a:xfrm>
         <a:prstGeom prst="roundRect">
           <a:avLst>
@@ -2581,8 +4752,8 @@
         </a:p>
       </dsp:txBody>
       <dsp:txXfrm>
-        <a:off x="110431" y="489868"/>
-        <a:ext cx="3192834" cy="4438930"/>
+        <a:off x="110431" y="972340"/>
+        <a:ext cx="3192834" cy="3473986"/>
       </dsp:txXfrm>
     </dsp:sp>
     <dsp:sp modelId="{0BC49BEA-6F32-2740-AE6C-06F44861BE8F}">
@@ -2662,8 +4833,8 @@
       </dsp:nvSpPr>
       <dsp:spPr>
         <a:xfrm>
-          <a:off x="4037178" y="387748"/>
-          <a:ext cx="2308801" cy="4643170"/>
+          <a:off x="4037178" y="870799"/>
+          <a:ext cx="2308801" cy="3677067"/>
         </a:xfrm>
         <a:prstGeom prst="roundRect">
           <a:avLst>
@@ -2752,35 +4923,9 @@
             </a:spcAft>
             <a:buNone/>
           </a:pPr>
-          <a:endParaRPr lang="en-US" sz="2000" b="1" kern="1200" dirty="0"/>
-        </a:p>
-        <a:p>
-          <a:pPr marL="0" lvl="0" indent="0" algn="l" defTabSz="889000">
-            <a:lnSpc>
-              <a:spcPct val="90000"/>
-            </a:lnSpc>
-            <a:spcBef>
-              <a:spcPct val="0"/>
-            </a:spcBef>
-            <a:spcAft>
-              <a:spcPct val="35000"/>
-            </a:spcAft>
-            <a:buNone/>
-          </a:pPr>
           <a:r>
-            <a:rPr lang="en-US" sz="1800" kern="1200" dirty="0">
-              <a:solidFill>
-                <a:schemeClr val="bg1"/>
-              </a:solidFill>
-              <a:hlinkClick xmlns:r="http://schemas.openxmlformats.org/officeDocument/2006/relationships" r:id="rId1">
-                <a:extLst>
-                  <a:ext uri="{A12FA001-AC4F-418D-AE19-62706E023703}">
-                    <ahyp:hlinkClr xmlns:ahyp="http://schemas.microsoft.com/office/drawing/2018/hyperlinkcolor" val="tx"/>
-                  </a:ext>
-                </a:extLst>
-              </a:hlinkClick>
-            </a:rPr>
-            <a:t>1) </a:t>
+            <a:rPr lang="en-US" sz="2000" b="1" kern="1200" dirty="0"/>
+            <a:t>1. </a:t>
           </a:r>
           <a:r>
             <a:rPr lang="en-US" sz="1800" u="none" kern="1200" dirty="0">
@@ -2804,26 +4949,7 @@
           </a:endParaRPr>
         </a:p>
         <a:p>
-          <a:pPr marL="0" lvl="0" indent="0" algn="l" defTabSz="889000">
-            <a:lnSpc>
-              <a:spcPct val="90000"/>
-            </a:lnSpc>
-            <a:spcBef>
-              <a:spcPct val="0"/>
-            </a:spcBef>
-            <a:spcAft>
-              <a:spcPct val="35000"/>
-            </a:spcAft>
-            <a:buNone/>
-          </a:pPr>
-          <a:endParaRPr lang="en-US" sz="1800" kern="1200" dirty="0">
-            <a:solidFill>
-              <a:schemeClr val="bg1"/>
-            </a:solidFill>
-          </a:endParaRPr>
-        </a:p>
-        <a:p>
-          <a:pPr marL="0" lvl="0" indent="0" algn="l" defTabSz="889000">
+          <a:pPr marL="0" lvl="0" indent="0" algn="ctr" defTabSz="889000">
             <a:lnSpc>
               <a:spcPct val="90000"/>
             </a:lnSpc>
@@ -2840,6 +4966,14 @@
               <a:solidFill>
                 <a:schemeClr val="bg1"/>
               </a:solidFill>
+            </a:rPr>
+            <a:t>2. </a:t>
+          </a:r>
+          <a:r>
+            <a:rPr lang="en-US" sz="1800" kern="1200" dirty="0">
+              <a:solidFill>
+                <a:schemeClr val="bg1"/>
+              </a:solidFill>
               <a:hlinkClick xmlns:r="http://schemas.openxmlformats.org/officeDocument/2006/relationships" r:id="rId2">
                 <a:extLst>
                   <a:ext uri="{A12FA001-AC4F-418D-AE19-62706E023703}">
@@ -2848,7 +4982,7 @@
                 </a:extLst>
               </a:hlinkClick>
             </a:rPr>
-            <a:t>2) World Development Indicators</a:t>
+            <a:t>World Development Indicators</a:t>
           </a:r>
           <a:endParaRPr lang="en-US" sz="1800" kern="1200" dirty="0">
             <a:solidFill>
@@ -2858,8 +4992,8 @@
         </a:p>
       </dsp:txBody>
       <dsp:txXfrm>
-        <a:off x="4104800" y="455370"/>
-        <a:ext cx="2173557" cy="4507926"/>
+        <a:off x="4104800" y="938421"/>
+        <a:ext cx="2173557" cy="3541823"/>
       </dsp:txXfrm>
     </dsp:sp>
     <dsp:sp modelId="{1F047A59-D4D1-4248-A3D9-6AA8ADCC00E0}">
@@ -2939,8 +5073,8 @@
       </dsp:nvSpPr>
       <dsp:spPr>
         <a:xfrm>
-          <a:off x="6980557" y="375920"/>
-          <a:ext cx="1963321" cy="4666826"/>
+          <a:off x="6980557" y="861432"/>
+          <a:ext cx="1963321" cy="3695801"/>
         </a:xfrm>
         <a:prstGeom prst="roundRect">
           <a:avLst>
@@ -3020,6 +5154,42 @@
             <a:buFontTx/>
             <a:buNone/>
           </a:pPr>
+          <a:endParaRPr lang="en-US" sz="2000" b="1" kern="1200" dirty="0"/>
+        </a:p>
+        <a:p>
+          <a:pPr marL="0" lvl="0" indent="0" algn="ctr" defTabSz="889000">
+            <a:lnSpc>
+              <a:spcPct val="90000"/>
+            </a:lnSpc>
+            <a:spcBef>
+              <a:spcPct val="0"/>
+            </a:spcBef>
+            <a:spcAft>
+              <a:spcPct val="35000"/>
+            </a:spcAft>
+            <a:buClrTx/>
+            <a:buSzTx/>
+            <a:buFontTx/>
+            <a:buNone/>
+          </a:pPr>
+          <a:endParaRPr lang="en-US" sz="1800" kern="1200" dirty="0"/>
+        </a:p>
+        <a:p>
+          <a:pPr marL="0" lvl="0" indent="0" algn="ctr" defTabSz="889000">
+            <a:lnSpc>
+              <a:spcPct val="90000"/>
+            </a:lnSpc>
+            <a:spcBef>
+              <a:spcPct val="0"/>
+            </a:spcBef>
+            <a:spcAft>
+              <a:spcPct val="35000"/>
+            </a:spcAft>
+            <a:buClrTx/>
+            <a:buSzTx/>
+            <a:buFontTx/>
+            <a:buNone/>
+          </a:pPr>
           <a:r>
             <a:rPr lang="en-US" sz="1800" kern="1200" dirty="0"/>
             <a:t>1. MySQL</a:t>
@@ -3068,8 +5238,8 @@
         </a:p>
       </dsp:txBody>
       <dsp:txXfrm>
-        <a:off x="7038061" y="433424"/>
-        <a:ext cx="1848313" cy="4551818"/>
+        <a:off x="7038061" y="918936"/>
+        <a:ext cx="1848313" cy="3580793"/>
       </dsp:txXfrm>
     </dsp:sp>
     <dsp:sp modelId="{46FE47B3-184E-E942-9A48-B01961ECEB72}">
@@ -3149,8 +5319,8 @@
       </dsp:nvSpPr>
       <dsp:spPr>
         <a:xfrm>
-          <a:off x="9578457" y="375920"/>
-          <a:ext cx="1586445" cy="4666826"/>
+          <a:off x="9578457" y="861432"/>
+          <a:ext cx="1586445" cy="3695801"/>
         </a:xfrm>
         <a:prstGeom prst="roundRect">
           <a:avLst>
@@ -3224,6 +5394,36 @@
             </a:spcAft>
             <a:buNone/>
           </a:pPr>
+          <a:endParaRPr lang="en-US" sz="2000" b="1" kern="1200" dirty="0"/>
+        </a:p>
+        <a:p>
+          <a:pPr marL="0" lvl="0" indent="0" algn="ctr" defTabSz="889000">
+            <a:lnSpc>
+              <a:spcPct val="90000"/>
+            </a:lnSpc>
+            <a:spcBef>
+              <a:spcPct val="0"/>
+            </a:spcBef>
+            <a:spcAft>
+              <a:spcPct val="35000"/>
+            </a:spcAft>
+            <a:buNone/>
+          </a:pPr>
+          <a:endParaRPr lang="en-US" sz="2000" b="1" kern="1200" dirty="0"/>
+        </a:p>
+        <a:p>
+          <a:pPr marL="0" lvl="0" indent="0" algn="ctr" defTabSz="889000">
+            <a:lnSpc>
+              <a:spcPct val="90000"/>
+            </a:lnSpc>
+            <a:spcBef>
+              <a:spcPct val="0"/>
+            </a:spcBef>
+            <a:spcAft>
+              <a:spcPct val="35000"/>
+            </a:spcAft>
+            <a:buNone/>
+          </a:pPr>
           <a:r>
             <a:rPr lang="en-US" sz="1800" b="0" kern="1200" dirty="0"/>
             <a:t>1. Correlation</a:t>
@@ -3267,8 +5467,8 @@
         </a:p>
       </dsp:txBody>
       <dsp:txXfrm>
-        <a:off x="9624922" y="422385"/>
-        <a:ext cx="1493515" cy="4573896"/>
+        <a:off x="9624922" y="907897"/>
+        <a:ext cx="1493515" cy="3602871"/>
       </dsp:txXfrm>
     </dsp:sp>
   </dsp:spTree>
@@ -3283,15 +5483,15 @@
       <dsp:cNvGrpSpPr/>
     </dsp:nvGrpSpPr>
     <dsp:grpSpPr/>
-    <dsp:sp modelId="{15523AE9-49C3-C14C-BBCD-D71B7E0EA1AC}">
+    <dsp:sp modelId="{0FDAD9F0-DED5-C34A-A4B3-53938288B751}">
       <dsp:nvSpPr>
         <dsp:cNvPr id="0" name=""/>
         <dsp:cNvSpPr/>
       </dsp:nvSpPr>
       <dsp:spPr>
         <a:xfrm>
-          <a:off x="5060" y="719612"/>
-          <a:ext cx="1568648" cy="1955908"/>
+          <a:off x="5035" y="1550522"/>
+          <a:ext cx="1561087" cy="1331802"/>
         </a:xfrm>
         <a:prstGeom prst="roundRect">
           <a:avLst>
@@ -3330,12 +5530,12 @@
         </a:fontRef>
       </dsp:style>
       <dsp:txBody>
-        <a:bodyPr spcFirstLastPara="0" vert="horz" wrap="square" lIns="76200" tIns="76200" rIns="76200" bIns="76200" numCol="1" spcCol="1270" anchor="ctr" anchorCtr="0">
+        <a:bodyPr spcFirstLastPara="0" vert="horz" wrap="square" lIns="57150" tIns="57150" rIns="57150" bIns="57150" numCol="1" spcCol="1270" anchor="ctr" anchorCtr="0">
           <a:noAutofit/>
         </a:bodyPr>
         <a:lstStyle/>
         <a:p>
-          <a:pPr marL="0" lvl="0" indent="0" algn="ctr" defTabSz="889000">
+          <a:pPr marL="0" lvl="0" indent="0" algn="ctr" defTabSz="666750">
             <a:lnSpc>
               <a:spcPct val="90000"/>
             </a:lnSpc>
@@ -3349,19 +5549,34 @@
             <a:buNone/>
           </a:pPr>
           <a:r>
-            <a:rPr lang="en-US" sz="2000" kern="1200" dirty="0"/>
+            <a:rPr lang="en-US" sz="1500" kern="1200" dirty="0"/>
             <a:t>Downloaded suicides </a:t>
           </a:r>
           <a:r>
-            <a:rPr lang="en-US" sz="2000" kern="1200" dirty="0">
+            <a:rPr lang="en-US" sz="1500" kern="1200" dirty="0">
               <a:solidFill>
                 <a:schemeClr val="bg1"/>
               </a:solidFill>
             </a:rPr>
             <a:t>data from </a:t>
           </a:r>
+        </a:p>
+        <a:p>
+          <a:pPr marL="0" lvl="0" indent="0" algn="ctr" defTabSz="666750">
+            <a:lnSpc>
+              <a:spcPct val="90000"/>
+            </a:lnSpc>
+            <a:spcBef>
+              <a:spcPct val="0"/>
+            </a:spcBef>
+            <a:spcAft>
+              <a:spcPct val="35000"/>
+            </a:spcAft>
+            <a:buFont typeface="Arial" panose="020B0604020202020204" pitchFamily="34" charset="0"/>
+            <a:buNone/>
+          </a:pPr>
           <a:r>
-            <a:rPr lang="en-US" sz="2000" kern="1200" dirty="0">
+            <a:rPr lang="en-US" sz="1500" kern="1200" dirty="0">
               <a:solidFill>
                 <a:schemeClr val="bg1"/>
               </a:solidFill>
@@ -3375,7 +5590,7 @@
             </a:rPr>
             <a:t>World Health Organisation</a:t>
           </a:r>
-          <a:endParaRPr lang="en-US" sz="2000" kern="1200" dirty="0">
+          <a:endParaRPr lang="en-US" sz="1500" kern="1200" dirty="0">
             <a:solidFill>
               <a:schemeClr val="bg1"/>
             </a:solidFill>
@@ -3383,19 +5598,19 @@
         </a:p>
       </dsp:txBody>
       <dsp:txXfrm>
-        <a:off x="51004" y="765556"/>
-        <a:ext cx="1476760" cy="1864020"/>
+        <a:off x="44042" y="1589529"/>
+        <a:ext cx="1483073" cy="1253788"/>
       </dsp:txXfrm>
     </dsp:sp>
-    <dsp:sp modelId="{AB6D6795-DBAA-694F-A10F-0423180396FA}">
+    <dsp:sp modelId="{87FD1DFB-9C48-EE4B-BEF6-F39F9551065D}">
       <dsp:nvSpPr>
         <dsp:cNvPr id="0" name=""/>
         <dsp:cNvSpPr/>
       </dsp:nvSpPr>
       <dsp:spPr>
         <a:xfrm>
-          <a:off x="1730573" y="1503054"/>
-          <a:ext cx="332553" cy="389024"/>
+          <a:off x="1722231" y="2022848"/>
+          <a:ext cx="330950" cy="387149"/>
         </a:xfrm>
         <a:prstGeom prst="rightArrow">
           <a:avLst>
@@ -3453,19 +5668,19 @@
         </a:p>
       </dsp:txBody>
       <dsp:txXfrm>
-        <a:off x="1730573" y="1580859"/>
-        <a:ext cx="232787" cy="233414"/>
+        <a:off x="1722231" y="2100278"/>
+        <a:ext cx="231665" cy="232289"/>
       </dsp:txXfrm>
     </dsp:sp>
-    <dsp:sp modelId="{F4B32375-1C6E-6F4B-8DAD-FD9735F434C8}">
+    <dsp:sp modelId="{98910208-6443-7948-A4A8-B69733C3645D}">
       <dsp:nvSpPr>
         <dsp:cNvPr id="0" name=""/>
         <dsp:cNvSpPr/>
       </dsp:nvSpPr>
       <dsp:spPr>
         <a:xfrm>
-          <a:off x="2201167" y="719612"/>
-          <a:ext cx="1568648" cy="1955908"/>
+          <a:off x="2190558" y="1550522"/>
+          <a:ext cx="1561087" cy="1331802"/>
         </a:xfrm>
         <a:prstGeom prst="roundRect">
           <a:avLst>
@@ -3504,12 +5719,12 @@
         </a:fontRef>
       </dsp:style>
       <dsp:txBody>
-        <a:bodyPr spcFirstLastPara="0" vert="horz" wrap="square" lIns="76200" tIns="76200" rIns="76200" bIns="76200" numCol="1" spcCol="1270" anchor="ctr" anchorCtr="0">
+        <a:bodyPr spcFirstLastPara="0" vert="horz" wrap="square" lIns="57150" tIns="57150" rIns="57150" bIns="57150" numCol="1" spcCol="1270" anchor="ctr" anchorCtr="0">
           <a:noAutofit/>
         </a:bodyPr>
         <a:lstStyle/>
         <a:p>
-          <a:pPr marL="0" lvl="0" indent="0" algn="ctr" defTabSz="889000">
+          <a:pPr marL="0" lvl="0" indent="0" algn="ctr" defTabSz="666750">
             <a:lnSpc>
               <a:spcPct val="90000"/>
             </a:lnSpc>
@@ -3522,25 +5737,25 @@
             <a:buNone/>
           </a:pPr>
           <a:r>
-            <a:rPr lang="en-US" sz="2000" kern="1200" dirty="0"/>
+            <a:rPr lang="en-US" sz="1500" kern="1200" dirty="0"/>
             <a:t>Transformed data into .SQL format with Freeware software</a:t>
           </a:r>
         </a:p>
       </dsp:txBody>
       <dsp:txXfrm>
-        <a:off x="2247111" y="765556"/>
-        <a:ext cx="1476760" cy="1864020"/>
+        <a:off x="2229565" y="1589529"/>
+        <a:ext cx="1483073" cy="1253788"/>
       </dsp:txXfrm>
     </dsp:sp>
-    <dsp:sp modelId="{7FF9604C-A28C-794D-9506-693A70181510}">
+    <dsp:sp modelId="{B26BD1D9-E813-A34F-8DBF-54C7DEF73494}">
       <dsp:nvSpPr>
         <dsp:cNvPr id="0" name=""/>
         <dsp:cNvSpPr/>
       </dsp:nvSpPr>
       <dsp:spPr>
         <a:xfrm>
-          <a:off x="3926681" y="1503054"/>
-          <a:ext cx="332553" cy="389024"/>
+          <a:off x="3907754" y="2022848"/>
+          <a:ext cx="330950" cy="387149"/>
         </a:xfrm>
         <a:prstGeom prst="rightArrow">
           <a:avLst>
@@ -3598,19 +5813,19 @@
         </a:p>
       </dsp:txBody>
       <dsp:txXfrm>
-        <a:off x="3926681" y="1580859"/>
-        <a:ext cx="232787" cy="233414"/>
+        <a:off x="3907754" y="2100278"/>
+        <a:ext cx="231665" cy="232289"/>
       </dsp:txXfrm>
     </dsp:sp>
-    <dsp:sp modelId="{7B03A638-86DD-D54A-AF6E-596D283DA446}">
+    <dsp:sp modelId="{854C3D96-8343-D743-87EF-9F30EAD4FEDB}">
       <dsp:nvSpPr>
         <dsp:cNvPr id="0" name=""/>
         <dsp:cNvSpPr/>
       </dsp:nvSpPr>
       <dsp:spPr>
         <a:xfrm>
-          <a:off x="4397275" y="719612"/>
-          <a:ext cx="1568648" cy="1955908"/>
+          <a:off x="4376080" y="1550522"/>
+          <a:ext cx="1561087" cy="1331802"/>
         </a:xfrm>
         <a:prstGeom prst="roundRect">
           <a:avLst>
@@ -3649,12 +5864,12 @@
         </a:fontRef>
       </dsp:style>
       <dsp:txBody>
-        <a:bodyPr spcFirstLastPara="0" vert="horz" wrap="square" lIns="76200" tIns="76200" rIns="76200" bIns="76200" numCol="1" spcCol="1270" anchor="ctr" anchorCtr="0">
+        <a:bodyPr spcFirstLastPara="0" vert="horz" wrap="square" lIns="57150" tIns="57150" rIns="57150" bIns="57150" numCol="1" spcCol="1270" anchor="ctr" anchorCtr="0">
           <a:noAutofit/>
         </a:bodyPr>
         <a:lstStyle/>
         <a:p>
-          <a:pPr marL="0" lvl="0" indent="0" algn="ctr" defTabSz="889000">
+          <a:pPr marL="0" lvl="0" indent="0" algn="ctr" defTabSz="666750">
             <a:lnSpc>
               <a:spcPct val="90000"/>
             </a:lnSpc>
@@ -3667,25 +5882,170 @@
             <a:buNone/>
           </a:pPr>
           <a:r>
-            <a:rPr lang="en-US" sz="2000" kern="1200" dirty="0"/>
+            <a:rPr lang="en-US" sz="1500" kern="1200" dirty="0"/>
             <a:t>Created table Suicides</a:t>
           </a:r>
         </a:p>
       </dsp:txBody>
       <dsp:txXfrm>
-        <a:off x="4443219" y="765556"/>
-        <a:ext cx="1476760" cy="1864020"/>
+        <a:off x="4415087" y="1589529"/>
+        <a:ext cx="1483073" cy="1253788"/>
       </dsp:txXfrm>
     </dsp:sp>
-    <dsp:sp modelId="{23483209-9711-004C-B59D-E3F07275B730}">
+    <dsp:sp modelId="{D08A38F5-2AD6-2F42-BE45-B663ECCA5669}">
+      <dsp:nvSpPr>
+        <dsp:cNvPr id="0" name=""/>
+        <dsp:cNvSpPr/>
+      </dsp:nvSpPr>
+      <dsp:spPr>
+        <a:xfrm rot="21600000">
+          <a:off x="6130937" y="2040255"/>
+          <a:ext cx="306584" cy="418810"/>
+        </a:xfrm>
+        <a:prstGeom prst="rightArrow">
+          <a:avLst>
+            <a:gd name="adj1" fmla="val 60000"/>
+            <a:gd name="adj2" fmla="val 50000"/>
+          </a:avLst>
+        </a:prstGeom>
+        <a:solidFill>
+          <a:schemeClr val="accent1">
+            <a:tint val="60000"/>
+            <a:hueOff val="0"/>
+            <a:satOff val="0"/>
+            <a:lumOff val="0"/>
+            <a:alphaOff val="0"/>
+          </a:schemeClr>
+        </a:solidFill>
+        <a:ln>
+          <a:noFill/>
+        </a:ln>
+        <a:effectLst/>
+      </dsp:spPr>
+      <dsp:style>
+        <a:lnRef idx="0">
+          <a:scrgbClr r="0" g="0" b="0"/>
+        </a:lnRef>
+        <a:fillRef idx="1">
+          <a:scrgbClr r="0" g="0" b="0"/>
+        </a:fillRef>
+        <a:effectRef idx="0">
+          <a:scrgbClr r="0" g="0" b="0"/>
+        </a:effectRef>
+        <a:fontRef idx="minor">
+          <a:schemeClr val="lt1"/>
+        </a:fontRef>
+      </dsp:style>
+      <dsp:txBody>
+        <a:bodyPr spcFirstLastPara="0" vert="horz" wrap="square" lIns="0" tIns="0" rIns="0" bIns="0" numCol="1" spcCol="1270" anchor="ctr" anchorCtr="0">
+          <a:noAutofit/>
+        </a:bodyPr>
+        <a:lstStyle/>
+        <a:p>
+          <a:pPr marL="0" lvl="0" indent="0" algn="ctr" defTabSz="800100">
+            <a:lnSpc>
+              <a:spcPct val="90000"/>
+            </a:lnSpc>
+            <a:spcBef>
+              <a:spcPct val="0"/>
+            </a:spcBef>
+            <a:spcAft>
+              <a:spcPct val="35000"/>
+            </a:spcAft>
+            <a:buNone/>
+          </a:pPr>
+          <a:endParaRPr lang="en-US" sz="1800" kern="1200"/>
+        </a:p>
+      </dsp:txBody>
+      <dsp:txXfrm rot="-10800000">
+        <a:off x="6130937" y="2124017"/>
+        <a:ext cx="214609" cy="251286"/>
+      </dsp:txXfrm>
+    </dsp:sp>
+    <dsp:sp modelId="{1B79B408-5C90-0C43-9EEA-D9A95C8D23D4}">
       <dsp:nvSpPr>
         <dsp:cNvPr id="0" name=""/>
         <dsp:cNvSpPr/>
       </dsp:nvSpPr>
       <dsp:spPr>
         <a:xfrm>
-          <a:off x="6122789" y="1503054"/>
-          <a:ext cx="332553" cy="389024"/>
+          <a:off x="1297085" y="3101044"/>
+          <a:ext cx="1561087" cy="1331802"/>
+        </a:xfrm>
+        <a:prstGeom prst="roundRect">
+          <a:avLst>
+            <a:gd name="adj" fmla="val 10000"/>
+          </a:avLst>
+        </a:prstGeom>
+        <a:solidFill>
+          <a:srgbClr val="002060"/>
+        </a:solidFill>
+        <a:ln w="12700" cap="flat" cmpd="sng" algn="ctr">
+          <a:solidFill>
+            <a:schemeClr val="lt1">
+              <a:hueOff val="0"/>
+              <a:satOff val="0"/>
+              <a:lumOff val="0"/>
+              <a:alphaOff val="0"/>
+            </a:schemeClr>
+          </a:solidFill>
+          <a:prstDash val="solid"/>
+          <a:miter lim="800000"/>
+        </a:ln>
+        <a:effectLst/>
+      </dsp:spPr>
+      <dsp:style>
+        <a:lnRef idx="2">
+          <a:scrgbClr r="0" g="0" b="0"/>
+        </a:lnRef>
+        <a:fillRef idx="1">
+          <a:scrgbClr r="0" g="0" b="0"/>
+        </a:fillRef>
+        <a:effectRef idx="0">
+          <a:scrgbClr r="0" g="0" b="0"/>
+        </a:effectRef>
+        <a:fontRef idx="minor">
+          <a:schemeClr val="lt1"/>
+        </a:fontRef>
+      </dsp:style>
+      <dsp:txBody>
+        <a:bodyPr spcFirstLastPara="0" vert="horz" wrap="square" lIns="57150" tIns="57150" rIns="57150" bIns="57150" numCol="1" spcCol="1270" anchor="ctr" anchorCtr="0">
+          <a:noAutofit/>
+        </a:bodyPr>
+        <a:lstStyle/>
+        <a:p>
+          <a:pPr marL="0" lvl="0" indent="0" algn="ctr" defTabSz="666750">
+            <a:lnSpc>
+              <a:spcPct val="90000"/>
+            </a:lnSpc>
+            <a:spcBef>
+              <a:spcPct val="0"/>
+            </a:spcBef>
+            <a:spcAft>
+              <a:spcPct val="35000"/>
+            </a:spcAft>
+            <a:buNone/>
+          </a:pPr>
+          <a:r>
+            <a:rPr lang="en-US" sz="1500" kern="1200" dirty="0"/>
+            <a:t>Dropped unnecessary columns</a:t>
+          </a:r>
+        </a:p>
+      </dsp:txBody>
+      <dsp:txXfrm>
+        <a:off x="1336092" y="3140051"/>
+        <a:ext cx="1483073" cy="1253788"/>
+      </dsp:txXfrm>
+    </dsp:sp>
+    <dsp:sp modelId="{C40649EB-6978-7045-BB33-8F56A123A98D}">
+      <dsp:nvSpPr>
+        <dsp:cNvPr id="0" name=""/>
+        <dsp:cNvSpPr/>
+      </dsp:nvSpPr>
+      <dsp:spPr>
+        <a:xfrm>
+          <a:off x="3097132" y="3573370"/>
+          <a:ext cx="506595" cy="387149"/>
         </a:xfrm>
         <a:prstGeom prst="rightArrow">
           <a:avLst>
@@ -3743,19 +6103,19 @@
         </a:p>
       </dsp:txBody>
       <dsp:txXfrm>
-        <a:off x="6122789" y="1580859"/>
-        <a:ext cx="232787" cy="233414"/>
+        <a:off x="3097132" y="3650800"/>
+        <a:ext cx="390450" cy="232289"/>
       </dsp:txXfrm>
     </dsp:sp>
-    <dsp:sp modelId="{D431CE5C-2D0A-6E40-8B91-6498B18C7BEF}">
+    <dsp:sp modelId="{5F955161-318D-A445-BE58-D564AD840864}">
       <dsp:nvSpPr>
         <dsp:cNvPr id="0" name=""/>
         <dsp:cNvSpPr/>
       </dsp:nvSpPr>
       <dsp:spPr>
         <a:xfrm>
-          <a:off x="6593383" y="719612"/>
-          <a:ext cx="1568648" cy="1955908"/>
+          <a:off x="3814013" y="3101044"/>
+          <a:ext cx="1561087" cy="1331802"/>
         </a:xfrm>
         <a:prstGeom prst="roundRect">
           <a:avLst>
@@ -3794,12 +6154,12 @@
         </a:fontRef>
       </dsp:style>
       <dsp:txBody>
-        <a:bodyPr spcFirstLastPara="0" vert="horz" wrap="square" lIns="76200" tIns="76200" rIns="76200" bIns="76200" numCol="1" spcCol="1270" anchor="ctr" anchorCtr="0">
+        <a:bodyPr spcFirstLastPara="0" vert="horz" wrap="square" lIns="57150" tIns="57150" rIns="57150" bIns="57150" numCol="1" spcCol="1270" anchor="ctr" anchorCtr="0">
           <a:noAutofit/>
         </a:bodyPr>
         <a:lstStyle/>
         <a:p>
-          <a:pPr marL="0" lvl="0" indent="0" algn="ctr" defTabSz="889000">
+          <a:pPr marL="0" lvl="0" indent="0" algn="ctr" defTabSz="666750">
             <a:lnSpc>
               <a:spcPct val="90000"/>
             </a:lnSpc>
@@ -3812,25 +6172,130 @@
             <a:buNone/>
           </a:pPr>
           <a:r>
-            <a:rPr lang="en-US" sz="2000" kern="1200" dirty="0"/>
-            <a:t>Dropped unnecessary columns</a:t>
+            <a:rPr lang="en-US" sz="1500" kern="1200" dirty="0"/>
+            <a:t>Exported data into </a:t>
+          </a:r>
+          <a:r>
+            <a:rPr lang="en-US" sz="1500" i="1" kern="1200" dirty="0" err="1"/>
+            <a:t>Knime</a:t>
+          </a:r>
+          <a:r>
+            <a:rPr lang="en-US" sz="1500" kern="1200" dirty="0"/>
+            <a:t> using </a:t>
+          </a:r>
+          <a:r>
+            <a:rPr lang="en-US" sz="1500" i="1" kern="1200" dirty="0"/>
+            <a:t>MySQL connector node </a:t>
           </a:r>
         </a:p>
       </dsp:txBody>
       <dsp:txXfrm>
-        <a:off x="6639327" y="765556"/>
-        <a:ext cx="1476760" cy="1864020"/>
+        <a:off x="3853020" y="3140051"/>
+        <a:ext cx="1483073" cy="1253788"/>
       </dsp:txXfrm>
     </dsp:sp>
-    <dsp:sp modelId="{1DEFC865-243C-904D-8BB8-33EFBCF40F76}">
+  </dsp:spTree>
+</dsp:drawing>
+</file>
+
+<file path=ppt/diagrams/drawing3.xml><?xml version="1.0" encoding="utf-8"?>
+<dsp:drawing xmlns:dgm="http://schemas.openxmlformats.org/drawingml/2006/diagram" xmlns:dsp="http://schemas.microsoft.com/office/drawing/2008/diagram" xmlns:a="http://schemas.openxmlformats.org/drawingml/2006/main">
+  <dsp:spTree>
+    <dsp:nvGrpSpPr>
+      <dsp:cNvPr id="0" name=""/>
+      <dsp:cNvGrpSpPr/>
+    </dsp:nvGrpSpPr>
+    <dsp:grpSpPr/>
+    <dsp:sp modelId="{0FDAD9F0-DED5-C34A-A4B3-53938288B751}">
       <dsp:nvSpPr>
         <dsp:cNvPr id="0" name=""/>
         <dsp:cNvSpPr/>
       </dsp:nvSpPr>
       <dsp:spPr>
         <a:xfrm>
-          <a:off x="8318896" y="1503054"/>
-          <a:ext cx="332553" cy="389024"/>
+          <a:off x="4900" y="1216534"/>
+          <a:ext cx="2142428" cy="1285456"/>
+        </a:xfrm>
+        <a:prstGeom prst="roundRect">
+          <a:avLst>
+            <a:gd name="adj" fmla="val 10000"/>
+          </a:avLst>
+        </a:prstGeom>
+        <a:solidFill>
+          <a:srgbClr val="002060"/>
+        </a:solidFill>
+        <a:ln w="12700" cap="flat" cmpd="sng" algn="ctr">
+          <a:solidFill>
+            <a:schemeClr val="lt1">
+              <a:hueOff val="0"/>
+              <a:satOff val="0"/>
+              <a:lumOff val="0"/>
+              <a:alphaOff val="0"/>
+            </a:schemeClr>
+          </a:solidFill>
+          <a:prstDash val="solid"/>
+          <a:miter lim="800000"/>
+        </a:ln>
+        <a:effectLst/>
+      </dsp:spPr>
+      <dsp:style>
+        <a:lnRef idx="2">
+          <a:scrgbClr r="0" g="0" b="0"/>
+        </a:lnRef>
+        <a:fillRef idx="1">
+          <a:scrgbClr r="0" g="0" b="0"/>
+        </a:fillRef>
+        <a:effectRef idx="0">
+          <a:scrgbClr r="0" g="0" b="0"/>
+        </a:effectRef>
+        <a:fontRef idx="minor">
+          <a:schemeClr val="lt1"/>
+        </a:fontRef>
+      </dsp:style>
+      <dsp:txBody>
+        <a:bodyPr spcFirstLastPara="0" vert="horz" wrap="square" lIns="57150" tIns="57150" rIns="57150" bIns="57150" numCol="1" spcCol="1270" anchor="ctr" anchorCtr="0">
+          <a:noAutofit/>
+        </a:bodyPr>
+        <a:lstStyle/>
+        <a:p>
+          <a:pPr marL="0" lvl="0" indent="0" algn="ctr" defTabSz="666750">
+            <a:lnSpc>
+              <a:spcPct val="90000"/>
+            </a:lnSpc>
+            <a:spcBef>
+              <a:spcPct val="0"/>
+            </a:spcBef>
+            <a:spcAft>
+              <a:spcPct val="35000"/>
+            </a:spcAft>
+            <a:buFont typeface="Arial" panose="020B0604020202020204" pitchFamily="34" charset="0"/>
+            <a:buNone/>
+          </a:pPr>
+          <a:r>
+            <a:rPr lang="en-US" sz="1500" kern="1200" dirty="0"/>
+            <a:t>Requested GDP, population, unemployment using WBD API</a:t>
+          </a:r>
+          <a:endParaRPr lang="en-US" sz="1500" kern="1200" dirty="0">
+            <a:solidFill>
+              <a:schemeClr val="bg1"/>
+            </a:solidFill>
+          </a:endParaRPr>
+        </a:p>
+      </dsp:txBody>
+      <dsp:txXfrm>
+        <a:off x="42550" y="1254184"/>
+        <a:ext cx="2067128" cy="1210156"/>
+      </dsp:txXfrm>
+    </dsp:sp>
+    <dsp:sp modelId="{87FD1DFB-9C48-EE4B-BEF6-F39F9551065D}">
+      <dsp:nvSpPr>
+        <dsp:cNvPr id="0" name=""/>
+        <dsp:cNvSpPr/>
+      </dsp:nvSpPr>
+      <dsp:spPr>
+        <a:xfrm>
+          <a:off x="2361571" y="1593601"/>
+          <a:ext cx="454194" cy="531322"/>
         </a:xfrm>
         <a:prstGeom prst="rightArrow">
           <a:avLst>
@@ -3872,7 +6337,7 @@
         </a:bodyPr>
         <a:lstStyle/>
         <a:p>
-          <a:pPr marL="0" lvl="0" indent="0" algn="ctr" defTabSz="711200">
+          <a:pPr marL="0" lvl="0" indent="0" algn="ctr" defTabSz="977900">
             <a:lnSpc>
               <a:spcPct val="90000"/>
             </a:lnSpc>
@@ -3884,23 +6349,23 @@
             </a:spcAft>
             <a:buNone/>
           </a:pPr>
-          <a:endParaRPr lang="en-US" sz="1600" kern="1200"/>
+          <a:endParaRPr lang="en-US" sz="2200" kern="1200"/>
         </a:p>
       </dsp:txBody>
       <dsp:txXfrm>
-        <a:off x="8318896" y="1580859"/>
-        <a:ext cx="232787" cy="233414"/>
+        <a:off x="2361571" y="1699865"/>
+        <a:ext cx="317936" cy="318794"/>
       </dsp:txXfrm>
     </dsp:sp>
-    <dsp:sp modelId="{39E9D6CE-5F38-6341-BD55-2490DDD480BB}">
+    <dsp:sp modelId="{98910208-6443-7948-A4A8-B69733C3645D}">
       <dsp:nvSpPr>
         <dsp:cNvPr id="0" name=""/>
         <dsp:cNvSpPr/>
       </dsp:nvSpPr>
       <dsp:spPr>
         <a:xfrm>
-          <a:off x="8789491" y="719612"/>
-          <a:ext cx="1568648" cy="1955908"/>
+          <a:off x="3004299" y="1216534"/>
+          <a:ext cx="2142428" cy="1285456"/>
         </a:xfrm>
         <a:prstGeom prst="roundRect">
           <a:avLst>
@@ -3939,12 +6404,12 @@
         </a:fontRef>
       </dsp:style>
       <dsp:txBody>
-        <a:bodyPr spcFirstLastPara="0" vert="horz" wrap="square" lIns="76200" tIns="76200" rIns="76200" bIns="76200" numCol="1" spcCol="1270" anchor="ctr" anchorCtr="0">
+        <a:bodyPr spcFirstLastPara="0" vert="horz" wrap="square" lIns="57150" tIns="57150" rIns="57150" bIns="57150" numCol="1" spcCol="1270" anchor="ctr" anchorCtr="0">
           <a:noAutofit/>
         </a:bodyPr>
         <a:lstStyle/>
         <a:p>
-          <a:pPr marL="0" lvl="0" indent="0" algn="ctr" defTabSz="889000">
+          <a:pPr marL="0" lvl="0" indent="0" algn="ctr" defTabSz="666750">
             <a:lnSpc>
               <a:spcPct val="90000"/>
             </a:lnSpc>
@@ -3957,26 +6422,1002 @@
             <a:buNone/>
           </a:pPr>
           <a:r>
-            <a:rPr lang="en-US" sz="2000" kern="1200" dirty="0"/>
-            <a:t>Exported data into </a:t>
-          </a:r>
-          <a:r>
-            <a:rPr lang="en-US" sz="2000" i="1" kern="1200" dirty="0" err="1"/>
-            <a:t>Knime</a:t>
-          </a:r>
-          <a:r>
-            <a:rPr lang="en-US" sz="2000" kern="1200" dirty="0"/>
-            <a:t> using </a:t>
-          </a:r>
-          <a:r>
-            <a:rPr lang="en-US" sz="2000" i="1" kern="1200" dirty="0"/>
-            <a:t>MySQL connector node </a:t>
+            <a:rPr lang="en-US" sz="1500" kern="1200" dirty="0"/>
+            <a:t>Checked the validity of the request using Postman</a:t>
           </a:r>
         </a:p>
       </dsp:txBody>
       <dsp:txXfrm>
-        <a:off x="8835435" y="765556"/>
-        <a:ext cx="1476760" cy="1864020"/>
+        <a:off x="3041949" y="1254184"/>
+        <a:ext cx="2067128" cy="1210156"/>
+      </dsp:txXfrm>
+    </dsp:sp>
+    <dsp:sp modelId="{B26BD1D9-E813-A34F-8DBF-54C7DEF73494}">
+      <dsp:nvSpPr>
+        <dsp:cNvPr id="0" name=""/>
+        <dsp:cNvSpPr/>
+      </dsp:nvSpPr>
+      <dsp:spPr>
+        <a:xfrm>
+          <a:off x="5360970" y="1593601"/>
+          <a:ext cx="454194" cy="531322"/>
+        </a:xfrm>
+        <a:prstGeom prst="rightArrow">
+          <a:avLst>
+            <a:gd name="adj1" fmla="val 60000"/>
+            <a:gd name="adj2" fmla="val 50000"/>
+          </a:avLst>
+        </a:prstGeom>
+        <a:solidFill>
+          <a:schemeClr val="accent1">
+            <a:tint val="60000"/>
+            <a:hueOff val="0"/>
+            <a:satOff val="0"/>
+            <a:lumOff val="0"/>
+            <a:alphaOff val="0"/>
+          </a:schemeClr>
+        </a:solidFill>
+        <a:ln>
+          <a:noFill/>
+        </a:ln>
+        <a:effectLst/>
+      </dsp:spPr>
+      <dsp:style>
+        <a:lnRef idx="0">
+          <a:scrgbClr r="0" g="0" b="0"/>
+        </a:lnRef>
+        <a:fillRef idx="1">
+          <a:scrgbClr r="0" g="0" b="0"/>
+        </a:fillRef>
+        <a:effectRef idx="0">
+          <a:scrgbClr r="0" g="0" b="0"/>
+        </a:effectRef>
+        <a:fontRef idx="minor">
+          <a:schemeClr val="lt1"/>
+        </a:fontRef>
+      </dsp:style>
+      <dsp:txBody>
+        <a:bodyPr spcFirstLastPara="0" vert="horz" wrap="square" lIns="0" tIns="0" rIns="0" bIns="0" numCol="1" spcCol="1270" anchor="ctr" anchorCtr="0">
+          <a:noAutofit/>
+        </a:bodyPr>
+        <a:lstStyle/>
+        <a:p>
+          <a:pPr marL="0" lvl="0" indent="0" algn="ctr" defTabSz="977900">
+            <a:lnSpc>
+              <a:spcPct val="90000"/>
+            </a:lnSpc>
+            <a:spcBef>
+              <a:spcPct val="0"/>
+            </a:spcBef>
+            <a:spcAft>
+              <a:spcPct val="35000"/>
+            </a:spcAft>
+            <a:buNone/>
+          </a:pPr>
+          <a:endParaRPr lang="en-US" sz="2200" kern="1200"/>
+        </a:p>
+      </dsp:txBody>
+      <dsp:txXfrm>
+        <a:off x="5360970" y="1699865"/>
+        <a:ext cx="317936" cy="318794"/>
+      </dsp:txXfrm>
+    </dsp:sp>
+    <dsp:sp modelId="{854C3D96-8343-D743-87EF-9F30EAD4FEDB}">
+      <dsp:nvSpPr>
+        <dsp:cNvPr id="0" name=""/>
+        <dsp:cNvSpPr/>
+      </dsp:nvSpPr>
+      <dsp:spPr>
+        <a:xfrm>
+          <a:off x="6003699" y="1216534"/>
+          <a:ext cx="2142428" cy="1285456"/>
+        </a:xfrm>
+        <a:prstGeom prst="roundRect">
+          <a:avLst>
+            <a:gd name="adj" fmla="val 10000"/>
+          </a:avLst>
+        </a:prstGeom>
+        <a:solidFill>
+          <a:srgbClr val="002060"/>
+        </a:solidFill>
+        <a:ln w="12700" cap="flat" cmpd="sng" algn="ctr">
+          <a:solidFill>
+            <a:schemeClr val="lt1">
+              <a:hueOff val="0"/>
+              <a:satOff val="0"/>
+              <a:lumOff val="0"/>
+              <a:alphaOff val="0"/>
+            </a:schemeClr>
+          </a:solidFill>
+          <a:prstDash val="solid"/>
+          <a:miter lim="800000"/>
+        </a:ln>
+        <a:effectLst/>
+      </dsp:spPr>
+      <dsp:style>
+        <a:lnRef idx="2">
+          <a:scrgbClr r="0" g="0" b="0"/>
+        </a:lnRef>
+        <a:fillRef idx="1">
+          <a:scrgbClr r="0" g="0" b="0"/>
+        </a:fillRef>
+        <a:effectRef idx="0">
+          <a:scrgbClr r="0" g="0" b="0"/>
+        </a:effectRef>
+        <a:fontRef idx="minor">
+          <a:schemeClr val="lt1"/>
+        </a:fontRef>
+      </dsp:style>
+      <dsp:txBody>
+        <a:bodyPr spcFirstLastPara="0" vert="horz" wrap="square" lIns="57150" tIns="57150" rIns="57150" bIns="57150" numCol="1" spcCol="1270" anchor="ctr" anchorCtr="0">
+          <a:noAutofit/>
+        </a:bodyPr>
+        <a:lstStyle/>
+        <a:p>
+          <a:pPr marL="0" lvl="0" indent="0" algn="ctr" defTabSz="666750">
+            <a:lnSpc>
+              <a:spcPct val="90000"/>
+            </a:lnSpc>
+            <a:spcBef>
+              <a:spcPct val="0"/>
+            </a:spcBef>
+            <a:spcAft>
+              <a:spcPct val="35000"/>
+            </a:spcAft>
+            <a:buNone/>
+          </a:pPr>
+          <a:r>
+            <a:rPr lang="en-US" sz="1500" kern="1200" dirty="0"/>
+            <a:t>Got results in JSON format</a:t>
+          </a:r>
+        </a:p>
+      </dsp:txBody>
+      <dsp:txXfrm>
+        <a:off x="6041349" y="1254184"/>
+        <a:ext cx="2067128" cy="1210156"/>
+      </dsp:txXfrm>
+    </dsp:sp>
+    <dsp:sp modelId="{D08A38F5-2AD6-2F42-BE45-B663ECCA5669}">
+      <dsp:nvSpPr>
+        <dsp:cNvPr id="0" name=""/>
+        <dsp:cNvSpPr/>
+      </dsp:nvSpPr>
+      <dsp:spPr>
+        <a:xfrm rot="21575978">
+          <a:off x="8402853" y="1518479"/>
+          <a:ext cx="498085" cy="574773"/>
+        </a:xfrm>
+        <a:prstGeom prst="rightArrow">
+          <a:avLst>
+            <a:gd name="adj1" fmla="val 60000"/>
+            <a:gd name="adj2" fmla="val 50000"/>
+          </a:avLst>
+        </a:prstGeom>
+        <a:solidFill>
+          <a:schemeClr val="accent1">
+            <a:tint val="60000"/>
+            <a:hueOff val="0"/>
+            <a:satOff val="0"/>
+            <a:lumOff val="0"/>
+            <a:alphaOff val="0"/>
+          </a:schemeClr>
+        </a:solidFill>
+        <a:ln>
+          <a:noFill/>
+        </a:ln>
+        <a:effectLst/>
+      </dsp:spPr>
+      <dsp:style>
+        <a:lnRef idx="0">
+          <a:scrgbClr r="0" g="0" b="0"/>
+        </a:lnRef>
+        <a:fillRef idx="1">
+          <a:scrgbClr r="0" g="0" b="0"/>
+        </a:fillRef>
+        <a:effectRef idx="0">
+          <a:scrgbClr r="0" g="0" b="0"/>
+        </a:effectRef>
+        <a:fontRef idx="minor">
+          <a:schemeClr val="lt1"/>
+        </a:fontRef>
+      </dsp:style>
+      <dsp:txBody>
+        <a:bodyPr spcFirstLastPara="0" vert="horz" wrap="square" lIns="0" tIns="0" rIns="0" bIns="0" numCol="1" spcCol="1270" anchor="ctr" anchorCtr="0">
+          <a:noAutofit/>
+        </a:bodyPr>
+        <a:lstStyle/>
+        <a:p>
+          <a:pPr marL="0" lvl="0" indent="0" algn="ctr" defTabSz="1066800">
+            <a:lnSpc>
+              <a:spcPct val="90000"/>
+            </a:lnSpc>
+            <a:spcBef>
+              <a:spcPct val="0"/>
+            </a:spcBef>
+            <a:spcAft>
+              <a:spcPct val="35000"/>
+            </a:spcAft>
+            <a:buNone/>
+          </a:pPr>
+          <a:endParaRPr lang="en-US" sz="2400" kern="1200"/>
+        </a:p>
+      </dsp:txBody>
+      <dsp:txXfrm>
+        <a:off x="8402855" y="1633956"/>
+        <a:ext cx="348660" cy="344863"/>
+      </dsp:txXfrm>
+    </dsp:sp>
+    <dsp:sp modelId="{1B79B408-5C90-0C43-9EEA-D9A95C8D23D4}">
+      <dsp:nvSpPr>
+        <dsp:cNvPr id="0" name=""/>
+        <dsp:cNvSpPr/>
+      </dsp:nvSpPr>
+      <dsp:spPr>
+        <a:xfrm>
+          <a:off x="9007998" y="1269636"/>
+          <a:ext cx="2142428" cy="1285456"/>
+        </a:xfrm>
+        <a:prstGeom prst="roundRect">
+          <a:avLst>
+            <a:gd name="adj" fmla="val 10000"/>
+          </a:avLst>
+        </a:prstGeom>
+        <a:solidFill>
+          <a:srgbClr val="002060"/>
+        </a:solidFill>
+        <a:ln w="12700" cap="flat" cmpd="sng" algn="ctr">
+          <a:solidFill>
+            <a:schemeClr val="lt1">
+              <a:hueOff val="0"/>
+              <a:satOff val="0"/>
+              <a:lumOff val="0"/>
+              <a:alphaOff val="0"/>
+            </a:schemeClr>
+          </a:solidFill>
+          <a:prstDash val="solid"/>
+          <a:miter lim="800000"/>
+        </a:ln>
+        <a:effectLst/>
+      </dsp:spPr>
+      <dsp:style>
+        <a:lnRef idx="2">
+          <a:scrgbClr r="0" g="0" b="0"/>
+        </a:lnRef>
+        <a:fillRef idx="1">
+          <a:scrgbClr r="0" g="0" b="0"/>
+        </a:fillRef>
+        <a:effectRef idx="0">
+          <a:scrgbClr r="0" g="0" b="0"/>
+        </a:effectRef>
+        <a:fontRef idx="minor">
+          <a:schemeClr val="lt1"/>
+        </a:fontRef>
+      </dsp:style>
+      <dsp:txBody>
+        <a:bodyPr spcFirstLastPara="0" vert="horz" wrap="square" lIns="57150" tIns="57150" rIns="57150" bIns="57150" numCol="1" spcCol="1270" anchor="ctr" anchorCtr="0">
+          <a:noAutofit/>
+        </a:bodyPr>
+        <a:lstStyle/>
+        <a:p>
+          <a:pPr marL="0" lvl="0" indent="0" algn="ctr" defTabSz="666750">
+            <a:lnSpc>
+              <a:spcPct val="90000"/>
+            </a:lnSpc>
+            <a:spcBef>
+              <a:spcPct val="0"/>
+            </a:spcBef>
+            <a:spcAft>
+              <a:spcPct val="35000"/>
+            </a:spcAft>
+            <a:buNone/>
+          </a:pPr>
+          <a:r>
+            <a:rPr lang="en-US" sz="1500" kern="1200" dirty="0"/>
+            <a:t>Transformed JSON files into tables in </a:t>
+          </a:r>
+          <a:r>
+            <a:rPr lang="en-US" sz="1500" kern="1200" dirty="0" err="1"/>
+            <a:t>Knime</a:t>
+          </a:r>
+          <a:endParaRPr lang="en-US" sz="1500" kern="1200" dirty="0"/>
+        </a:p>
+      </dsp:txBody>
+      <dsp:txXfrm>
+        <a:off x="9045648" y="1307286"/>
+        <a:ext cx="2067128" cy="1210156"/>
+      </dsp:txXfrm>
+    </dsp:sp>
+  </dsp:spTree>
+</dsp:drawing>
+</file>
+
+<file path=ppt/diagrams/drawing4.xml><?xml version="1.0" encoding="utf-8"?>
+<dsp:drawing xmlns:dgm="http://schemas.openxmlformats.org/drawingml/2006/diagram" xmlns:dsp="http://schemas.microsoft.com/office/drawing/2008/diagram" xmlns:a="http://schemas.openxmlformats.org/drawingml/2006/main">
+  <dsp:spTree>
+    <dsp:nvGrpSpPr>
+      <dsp:cNvPr id="0" name=""/>
+      <dsp:cNvGrpSpPr/>
+    </dsp:nvGrpSpPr>
+    <dsp:grpSpPr/>
+    <dsp:sp modelId="{15523AE9-49C3-C14C-BBCD-D71B7E0EA1AC}">
+      <dsp:nvSpPr>
+        <dsp:cNvPr id="0" name=""/>
+        <dsp:cNvSpPr/>
+      </dsp:nvSpPr>
+      <dsp:spPr>
+        <a:xfrm>
+          <a:off x="174742" y="476649"/>
+          <a:ext cx="2353619" cy="577571"/>
+        </a:xfrm>
+        <a:prstGeom prst="roundRect">
+          <a:avLst>
+            <a:gd name="adj" fmla="val 10000"/>
+          </a:avLst>
+        </a:prstGeom>
+        <a:solidFill>
+          <a:srgbClr val="002060"/>
+        </a:solidFill>
+        <a:ln w="12700" cap="flat" cmpd="sng" algn="ctr">
+          <a:solidFill>
+            <a:schemeClr val="lt1">
+              <a:hueOff val="0"/>
+              <a:satOff val="0"/>
+              <a:lumOff val="0"/>
+              <a:alphaOff val="0"/>
+            </a:schemeClr>
+          </a:solidFill>
+          <a:prstDash val="solid"/>
+          <a:miter lim="800000"/>
+        </a:ln>
+        <a:effectLst/>
+      </dsp:spPr>
+      <dsp:style>
+        <a:lnRef idx="2">
+          <a:scrgbClr r="0" g="0" b="0"/>
+        </a:lnRef>
+        <a:fillRef idx="1">
+          <a:scrgbClr r="0" g="0" b="0"/>
+        </a:fillRef>
+        <a:effectRef idx="0">
+          <a:scrgbClr r="0" g="0" b="0"/>
+        </a:effectRef>
+        <a:fontRef idx="minor">
+          <a:schemeClr val="lt1"/>
+        </a:fontRef>
+      </dsp:style>
+      <dsp:txBody>
+        <a:bodyPr spcFirstLastPara="0" vert="horz" wrap="square" lIns="57150" tIns="57150" rIns="57150" bIns="57150" numCol="1" spcCol="1270" anchor="ctr" anchorCtr="0">
+          <a:noAutofit/>
+        </a:bodyPr>
+        <a:lstStyle/>
+        <a:p>
+          <a:pPr marL="0" lvl="0" indent="0" algn="ctr" defTabSz="666750">
+            <a:lnSpc>
+              <a:spcPct val="90000"/>
+            </a:lnSpc>
+            <a:spcBef>
+              <a:spcPct val="0"/>
+            </a:spcBef>
+            <a:spcAft>
+              <a:spcPct val="35000"/>
+            </a:spcAft>
+            <a:buFont typeface="Arial" panose="020B0604020202020204" pitchFamily="34" charset="0"/>
+            <a:buNone/>
+          </a:pPr>
+          <a:r>
+            <a:rPr lang="en-US" sz="1500" kern="1200" dirty="0"/>
+            <a:t>Got list of countries </a:t>
+          </a:r>
+        </a:p>
+        <a:p>
+          <a:pPr marL="0" lvl="0" indent="0" algn="ctr" defTabSz="666750">
+            <a:lnSpc>
+              <a:spcPct val="90000"/>
+            </a:lnSpc>
+            <a:spcBef>
+              <a:spcPct val="0"/>
+            </a:spcBef>
+            <a:spcAft>
+              <a:spcPct val="35000"/>
+            </a:spcAft>
+            <a:buFont typeface="Arial" panose="020B0604020202020204" pitchFamily="34" charset="0"/>
+            <a:buNone/>
+          </a:pPr>
+          <a:r>
+            <a:rPr lang="en-US" sz="1500" kern="1200" dirty="0"/>
+            <a:t>using R Source</a:t>
+          </a:r>
+          <a:endParaRPr lang="en-US" sz="1500" kern="1200" dirty="0">
+            <a:solidFill>
+              <a:schemeClr val="bg1"/>
+            </a:solidFill>
+          </a:endParaRPr>
+        </a:p>
+      </dsp:txBody>
+      <dsp:txXfrm>
+        <a:off x="191658" y="493565"/>
+        <a:ext cx="2319787" cy="543739"/>
+      </dsp:txXfrm>
+    </dsp:sp>
+    <dsp:sp modelId="{AB6D6795-DBAA-694F-A10F-0423180396FA}">
+      <dsp:nvSpPr>
+        <dsp:cNvPr id="0" name=""/>
+        <dsp:cNvSpPr/>
+      </dsp:nvSpPr>
+      <dsp:spPr>
+        <a:xfrm>
+          <a:off x="2689789" y="565262"/>
+          <a:ext cx="342226" cy="400344"/>
+        </a:xfrm>
+        <a:prstGeom prst="rightArrow">
+          <a:avLst>
+            <a:gd name="adj1" fmla="val 60000"/>
+            <a:gd name="adj2" fmla="val 50000"/>
+          </a:avLst>
+        </a:prstGeom>
+        <a:solidFill>
+          <a:schemeClr val="accent1">
+            <a:tint val="60000"/>
+            <a:hueOff val="0"/>
+            <a:satOff val="0"/>
+            <a:lumOff val="0"/>
+            <a:alphaOff val="0"/>
+          </a:schemeClr>
+        </a:solidFill>
+        <a:ln>
+          <a:noFill/>
+        </a:ln>
+        <a:effectLst/>
+      </dsp:spPr>
+      <dsp:style>
+        <a:lnRef idx="0">
+          <a:scrgbClr r="0" g="0" b="0"/>
+        </a:lnRef>
+        <a:fillRef idx="1">
+          <a:scrgbClr r="0" g="0" b="0"/>
+        </a:fillRef>
+        <a:effectRef idx="0">
+          <a:scrgbClr r="0" g="0" b="0"/>
+        </a:effectRef>
+        <a:fontRef idx="minor">
+          <a:schemeClr val="lt1"/>
+        </a:fontRef>
+      </dsp:style>
+      <dsp:txBody>
+        <a:bodyPr spcFirstLastPara="0" vert="horz" wrap="square" lIns="0" tIns="0" rIns="0" bIns="0" numCol="1" spcCol="1270" anchor="ctr" anchorCtr="0">
+          <a:noAutofit/>
+        </a:bodyPr>
+        <a:lstStyle/>
+        <a:p>
+          <a:pPr marL="0" lvl="0" indent="0" algn="ctr" defTabSz="755650">
+            <a:lnSpc>
+              <a:spcPct val="90000"/>
+            </a:lnSpc>
+            <a:spcBef>
+              <a:spcPct val="0"/>
+            </a:spcBef>
+            <a:spcAft>
+              <a:spcPct val="35000"/>
+            </a:spcAft>
+            <a:buNone/>
+          </a:pPr>
+          <a:endParaRPr lang="en-US" sz="1700" kern="1200"/>
+        </a:p>
+      </dsp:txBody>
+      <dsp:txXfrm>
+        <a:off x="2689789" y="645331"/>
+        <a:ext cx="239558" cy="240206"/>
+      </dsp:txXfrm>
+    </dsp:sp>
+    <dsp:sp modelId="{F4B32375-1C6E-6F4B-8DAD-FD9735F434C8}">
+      <dsp:nvSpPr>
+        <dsp:cNvPr id="0" name=""/>
+        <dsp:cNvSpPr/>
+      </dsp:nvSpPr>
+      <dsp:spPr>
+        <a:xfrm>
+          <a:off x="3174071" y="476649"/>
+          <a:ext cx="1614290" cy="577571"/>
+        </a:xfrm>
+        <a:prstGeom prst="roundRect">
+          <a:avLst>
+            <a:gd name="adj" fmla="val 10000"/>
+          </a:avLst>
+        </a:prstGeom>
+        <a:solidFill>
+          <a:srgbClr val="002060"/>
+        </a:solidFill>
+        <a:ln w="12700" cap="flat" cmpd="sng" algn="ctr">
+          <a:solidFill>
+            <a:schemeClr val="lt1">
+              <a:hueOff val="0"/>
+              <a:satOff val="0"/>
+              <a:lumOff val="0"/>
+              <a:alphaOff val="0"/>
+            </a:schemeClr>
+          </a:solidFill>
+          <a:prstDash val="solid"/>
+          <a:miter lim="800000"/>
+        </a:ln>
+        <a:effectLst/>
+      </dsp:spPr>
+      <dsp:style>
+        <a:lnRef idx="2">
+          <a:scrgbClr r="0" g="0" b="0"/>
+        </a:lnRef>
+        <a:fillRef idx="1">
+          <a:scrgbClr r="0" g="0" b="0"/>
+        </a:fillRef>
+        <a:effectRef idx="0">
+          <a:scrgbClr r="0" g="0" b="0"/>
+        </a:effectRef>
+        <a:fontRef idx="minor">
+          <a:schemeClr val="lt1"/>
+        </a:fontRef>
+      </dsp:style>
+      <dsp:txBody>
+        <a:bodyPr spcFirstLastPara="0" vert="horz" wrap="square" lIns="57150" tIns="57150" rIns="57150" bIns="57150" numCol="1" spcCol="1270" anchor="ctr" anchorCtr="0">
+          <a:noAutofit/>
+        </a:bodyPr>
+        <a:lstStyle/>
+        <a:p>
+          <a:pPr marL="0" lvl="0" indent="0" algn="ctr" defTabSz="666750">
+            <a:lnSpc>
+              <a:spcPct val="90000"/>
+            </a:lnSpc>
+            <a:spcBef>
+              <a:spcPct val="0"/>
+            </a:spcBef>
+            <a:spcAft>
+              <a:spcPct val="35000"/>
+            </a:spcAft>
+            <a:buNone/>
+          </a:pPr>
+          <a:r>
+            <a:rPr lang="en-US" sz="1500" kern="1200" dirty="0"/>
+            <a:t>Loaded data with API and SQL</a:t>
+          </a:r>
+        </a:p>
+      </dsp:txBody>
+      <dsp:txXfrm>
+        <a:off x="3190987" y="493565"/>
+        <a:ext cx="1580458" cy="543739"/>
+      </dsp:txXfrm>
+    </dsp:sp>
+    <dsp:sp modelId="{7FF9604C-A28C-794D-9506-693A70181510}">
+      <dsp:nvSpPr>
+        <dsp:cNvPr id="0" name=""/>
+        <dsp:cNvSpPr/>
+      </dsp:nvSpPr>
+      <dsp:spPr>
+        <a:xfrm>
+          <a:off x="4949791" y="565262"/>
+          <a:ext cx="342229" cy="400344"/>
+        </a:xfrm>
+        <a:prstGeom prst="rightArrow">
+          <a:avLst>
+            <a:gd name="adj1" fmla="val 60000"/>
+            <a:gd name="adj2" fmla="val 50000"/>
+          </a:avLst>
+        </a:prstGeom>
+        <a:solidFill>
+          <a:schemeClr val="accent1">
+            <a:tint val="60000"/>
+            <a:hueOff val="0"/>
+            <a:satOff val="0"/>
+            <a:lumOff val="0"/>
+            <a:alphaOff val="0"/>
+          </a:schemeClr>
+        </a:solidFill>
+        <a:ln>
+          <a:noFill/>
+        </a:ln>
+        <a:effectLst/>
+      </dsp:spPr>
+      <dsp:style>
+        <a:lnRef idx="0">
+          <a:scrgbClr r="0" g="0" b="0"/>
+        </a:lnRef>
+        <a:fillRef idx="1">
+          <a:scrgbClr r="0" g="0" b="0"/>
+        </a:fillRef>
+        <a:effectRef idx="0">
+          <a:scrgbClr r="0" g="0" b="0"/>
+        </a:effectRef>
+        <a:fontRef idx="minor">
+          <a:schemeClr val="lt1"/>
+        </a:fontRef>
+      </dsp:style>
+      <dsp:txBody>
+        <a:bodyPr spcFirstLastPara="0" vert="horz" wrap="square" lIns="0" tIns="0" rIns="0" bIns="0" numCol="1" spcCol="1270" anchor="ctr" anchorCtr="0">
+          <a:noAutofit/>
+        </a:bodyPr>
+        <a:lstStyle/>
+        <a:p>
+          <a:pPr marL="0" lvl="0" indent="0" algn="ctr" defTabSz="755650">
+            <a:lnSpc>
+              <a:spcPct val="90000"/>
+            </a:lnSpc>
+            <a:spcBef>
+              <a:spcPct val="0"/>
+            </a:spcBef>
+            <a:spcAft>
+              <a:spcPct val="35000"/>
+            </a:spcAft>
+            <a:buNone/>
+          </a:pPr>
+          <a:endParaRPr lang="en-US" sz="1700" kern="1200"/>
+        </a:p>
+      </dsp:txBody>
+      <dsp:txXfrm>
+        <a:off x="4949791" y="645331"/>
+        <a:ext cx="239560" cy="240206"/>
+      </dsp:txXfrm>
+    </dsp:sp>
+    <dsp:sp modelId="{7B03A638-86DD-D54A-AF6E-596D283DA446}">
+      <dsp:nvSpPr>
+        <dsp:cNvPr id="0" name=""/>
+        <dsp:cNvSpPr/>
+      </dsp:nvSpPr>
+      <dsp:spPr>
+        <a:xfrm>
+          <a:off x="5434078" y="476649"/>
+          <a:ext cx="1614290" cy="577571"/>
+        </a:xfrm>
+        <a:prstGeom prst="roundRect">
+          <a:avLst>
+            <a:gd name="adj" fmla="val 10000"/>
+          </a:avLst>
+        </a:prstGeom>
+        <a:solidFill>
+          <a:srgbClr val="002060"/>
+        </a:solidFill>
+        <a:ln w="12700" cap="flat" cmpd="sng" algn="ctr">
+          <a:solidFill>
+            <a:schemeClr val="lt1">
+              <a:hueOff val="0"/>
+              <a:satOff val="0"/>
+              <a:lumOff val="0"/>
+              <a:alphaOff val="0"/>
+            </a:schemeClr>
+          </a:solidFill>
+          <a:prstDash val="solid"/>
+          <a:miter lim="800000"/>
+        </a:ln>
+        <a:effectLst/>
+      </dsp:spPr>
+      <dsp:style>
+        <a:lnRef idx="2">
+          <a:scrgbClr r="0" g="0" b="0"/>
+        </a:lnRef>
+        <a:fillRef idx="1">
+          <a:scrgbClr r="0" g="0" b="0"/>
+        </a:fillRef>
+        <a:effectRef idx="0">
+          <a:scrgbClr r="0" g="0" b="0"/>
+        </a:effectRef>
+        <a:fontRef idx="minor">
+          <a:schemeClr val="lt1"/>
+        </a:fontRef>
+      </dsp:style>
+      <dsp:txBody>
+        <a:bodyPr spcFirstLastPara="0" vert="horz" wrap="square" lIns="57150" tIns="57150" rIns="57150" bIns="57150" numCol="1" spcCol="1270" anchor="ctr" anchorCtr="0">
+          <a:noAutofit/>
+        </a:bodyPr>
+        <a:lstStyle/>
+        <a:p>
+          <a:pPr marL="0" lvl="0" indent="0" algn="ctr" defTabSz="666750">
+            <a:lnSpc>
+              <a:spcPct val="90000"/>
+            </a:lnSpc>
+            <a:spcBef>
+              <a:spcPct val="0"/>
+            </a:spcBef>
+            <a:spcAft>
+              <a:spcPct val="35000"/>
+            </a:spcAft>
+            <a:buNone/>
+          </a:pPr>
+          <a:r>
+            <a:rPr lang="en-US" sz="1500" kern="1200" dirty="0"/>
+            <a:t>Joined data</a:t>
+          </a:r>
+        </a:p>
+      </dsp:txBody>
+      <dsp:txXfrm>
+        <a:off x="5450994" y="493565"/>
+        <a:ext cx="1580458" cy="543739"/>
+      </dsp:txXfrm>
+    </dsp:sp>
+    <dsp:sp modelId="{23483209-9711-004C-B59D-E3F07275B730}">
+      <dsp:nvSpPr>
+        <dsp:cNvPr id="0" name=""/>
+        <dsp:cNvSpPr/>
+      </dsp:nvSpPr>
+      <dsp:spPr>
+        <a:xfrm>
+          <a:off x="7209797" y="565262"/>
+          <a:ext cx="342229" cy="400344"/>
+        </a:xfrm>
+        <a:prstGeom prst="rightArrow">
+          <a:avLst>
+            <a:gd name="adj1" fmla="val 60000"/>
+            <a:gd name="adj2" fmla="val 50000"/>
+          </a:avLst>
+        </a:prstGeom>
+        <a:solidFill>
+          <a:schemeClr val="accent1">
+            <a:tint val="60000"/>
+            <a:hueOff val="0"/>
+            <a:satOff val="0"/>
+            <a:lumOff val="0"/>
+            <a:alphaOff val="0"/>
+          </a:schemeClr>
+        </a:solidFill>
+        <a:ln>
+          <a:noFill/>
+        </a:ln>
+        <a:effectLst/>
+      </dsp:spPr>
+      <dsp:style>
+        <a:lnRef idx="0">
+          <a:scrgbClr r="0" g="0" b="0"/>
+        </a:lnRef>
+        <a:fillRef idx="1">
+          <a:scrgbClr r="0" g="0" b="0"/>
+        </a:fillRef>
+        <a:effectRef idx="0">
+          <a:scrgbClr r="0" g="0" b="0"/>
+        </a:effectRef>
+        <a:fontRef idx="minor">
+          <a:schemeClr val="lt1"/>
+        </a:fontRef>
+      </dsp:style>
+      <dsp:txBody>
+        <a:bodyPr spcFirstLastPara="0" vert="horz" wrap="square" lIns="0" tIns="0" rIns="0" bIns="0" numCol="1" spcCol="1270" anchor="ctr" anchorCtr="0">
+          <a:noAutofit/>
+        </a:bodyPr>
+        <a:lstStyle/>
+        <a:p>
+          <a:pPr marL="0" lvl="0" indent="0" algn="ctr" defTabSz="755650">
+            <a:lnSpc>
+              <a:spcPct val="90000"/>
+            </a:lnSpc>
+            <a:spcBef>
+              <a:spcPct val="0"/>
+            </a:spcBef>
+            <a:spcAft>
+              <a:spcPct val="35000"/>
+            </a:spcAft>
+            <a:buNone/>
+          </a:pPr>
+          <a:endParaRPr lang="en-US" sz="1700" kern="1200"/>
+        </a:p>
+      </dsp:txBody>
+      <dsp:txXfrm>
+        <a:off x="7209797" y="645331"/>
+        <a:ext cx="239560" cy="240206"/>
+      </dsp:txXfrm>
+    </dsp:sp>
+    <dsp:sp modelId="{D431CE5C-2D0A-6E40-8B91-6498B18C7BEF}">
+      <dsp:nvSpPr>
+        <dsp:cNvPr id="0" name=""/>
+        <dsp:cNvSpPr/>
+      </dsp:nvSpPr>
+      <dsp:spPr>
+        <a:xfrm>
+          <a:off x="7694085" y="476649"/>
+          <a:ext cx="1614290" cy="577571"/>
+        </a:xfrm>
+        <a:prstGeom prst="roundRect">
+          <a:avLst>
+            <a:gd name="adj" fmla="val 10000"/>
+          </a:avLst>
+        </a:prstGeom>
+        <a:solidFill>
+          <a:srgbClr val="002060"/>
+        </a:solidFill>
+        <a:ln w="12700" cap="flat" cmpd="sng" algn="ctr">
+          <a:solidFill>
+            <a:schemeClr val="lt1">
+              <a:hueOff val="0"/>
+              <a:satOff val="0"/>
+              <a:lumOff val="0"/>
+              <a:alphaOff val="0"/>
+            </a:schemeClr>
+          </a:solidFill>
+          <a:prstDash val="solid"/>
+          <a:miter lim="800000"/>
+        </a:ln>
+        <a:effectLst/>
+      </dsp:spPr>
+      <dsp:style>
+        <a:lnRef idx="2">
+          <a:scrgbClr r="0" g="0" b="0"/>
+        </a:lnRef>
+        <a:fillRef idx="1">
+          <a:scrgbClr r="0" g="0" b="0"/>
+        </a:fillRef>
+        <a:effectRef idx="0">
+          <a:scrgbClr r="0" g="0" b="0"/>
+        </a:effectRef>
+        <a:fontRef idx="minor">
+          <a:schemeClr val="lt1"/>
+        </a:fontRef>
+      </dsp:style>
+      <dsp:txBody>
+        <a:bodyPr spcFirstLastPara="0" vert="horz" wrap="square" lIns="57150" tIns="57150" rIns="57150" bIns="57150" numCol="1" spcCol="1270" anchor="ctr" anchorCtr="0">
+          <a:noAutofit/>
+        </a:bodyPr>
+        <a:lstStyle/>
+        <a:p>
+          <a:pPr marL="0" lvl="0" indent="0" algn="ctr" defTabSz="666750">
+            <a:lnSpc>
+              <a:spcPct val="90000"/>
+            </a:lnSpc>
+            <a:spcBef>
+              <a:spcPct val="0"/>
+            </a:spcBef>
+            <a:spcAft>
+              <a:spcPct val="35000"/>
+            </a:spcAft>
+            <a:buNone/>
+          </a:pPr>
+          <a:r>
+            <a:rPr lang="en-US" sz="1500" kern="1200" dirty="0"/>
+            <a:t>Cleaned data</a:t>
+          </a:r>
+        </a:p>
+      </dsp:txBody>
+      <dsp:txXfrm>
+        <a:off x="7711001" y="493565"/>
+        <a:ext cx="1580458" cy="543739"/>
+      </dsp:txXfrm>
+    </dsp:sp>
+    <dsp:sp modelId="{1DEFC865-243C-904D-8BB8-33EFBCF40F76}">
+      <dsp:nvSpPr>
+        <dsp:cNvPr id="0" name=""/>
+        <dsp:cNvSpPr/>
+      </dsp:nvSpPr>
+      <dsp:spPr>
+        <a:xfrm>
+          <a:off x="9430552" y="565262"/>
+          <a:ext cx="259015" cy="400344"/>
+        </a:xfrm>
+        <a:prstGeom prst="rightArrow">
+          <a:avLst>
+            <a:gd name="adj1" fmla="val 60000"/>
+            <a:gd name="adj2" fmla="val 50000"/>
+          </a:avLst>
+        </a:prstGeom>
+        <a:solidFill>
+          <a:schemeClr val="accent1">
+            <a:tint val="60000"/>
+            <a:hueOff val="0"/>
+            <a:satOff val="0"/>
+            <a:lumOff val="0"/>
+            <a:alphaOff val="0"/>
+          </a:schemeClr>
+        </a:solidFill>
+        <a:ln>
+          <a:noFill/>
+        </a:ln>
+        <a:effectLst/>
+      </dsp:spPr>
+      <dsp:style>
+        <a:lnRef idx="0">
+          <a:scrgbClr r="0" g="0" b="0"/>
+        </a:lnRef>
+        <a:fillRef idx="1">
+          <a:scrgbClr r="0" g="0" b="0"/>
+        </a:fillRef>
+        <a:effectRef idx="0">
+          <a:scrgbClr r="0" g="0" b="0"/>
+        </a:effectRef>
+        <a:fontRef idx="minor">
+          <a:schemeClr val="lt1"/>
+        </a:fontRef>
+      </dsp:style>
+      <dsp:txBody>
+        <a:bodyPr spcFirstLastPara="0" vert="horz" wrap="square" lIns="0" tIns="0" rIns="0" bIns="0" numCol="1" spcCol="1270" anchor="ctr" anchorCtr="0">
+          <a:noAutofit/>
+        </a:bodyPr>
+        <a:lstStyle/>
+        <a:p>
+          <a:pPr marL="0" lvl="0" indent="0" algn="ctr" defTabSz="755650">
+            <a:lnSpc>
+              <a:spcPct val="90000"/>
+            </a:lnSpc>
+            <a:spcBef>
+              <a:spcPct val="0"/>
+            </a:spcBef>
+            <a:spcAft>
+              <a:spcPct val="35000"/>
+            </a:spcAft>
+            <a:buNone/>
+          </a:pPr>
+          <a:endParaRPr lang="en-US" sz="1700" kern="1200"/>
+        </a:p>
+      </dsp:txBody>
+      <dsp:txXfrm>
+        <a:off x="9430552" y="645331"/>
+        <a:ext cx="181311" cy="240206"/>
+      </dsp:txXfrm>
+    </dsp:sp>
+    <dsp:sp modelId="{39E9D6CE-5F38-6341-BD55-2490DDD480BB}">
+      <dsp:nvSpPr>
+        <dsp:cNvPr id="0" name=""/>
+        <dsp:cNvSpPr/>
+      </dsp:nvSpPr>
+      <dsp:spPr>
+        <a:xfrm>
+          <a:off x="9797084" y="476649"/>
+          <a:ext cx="1614290" cy="577571"/>
+        </a:xfrm>
+        <a:prstGeom prst="roundRect">
+          <a:avLst>
+            <a:gd name="adj" fmla="val 10000"/>
+          </a:avLst>
+        </a:prstGeom>
+        <a:solidFill>
+          <a:srgbClr val="002060"/>
+        </a:solidFill>
+        <a:ln w="12700" cap="flat" cmpd="sng" algn="ctr">
+          <a:solidFill>
+            <a:schemeClr val="lt1">
+              <a:hueOff val="0"/>
+              <a:satOff val="0"/>
+              <a:lumOff val="0"/>
+              <a:alphaOff val="0"/>
+            </a:schemeClr>
+          </a:solidFill>
+          <a:prstDash val="solid"/>
+          <a:miter lim="800000"/>
+        </a:ln>
+        <a:effectLst/>
+      </dsp:spPr>
+      <dsp:style>
+        <a:lnRef idx="2">
+          <a:scrgbClr r="0" g="0" b="0"/>
+        </a:lnRef>
+        <a:fillRef idx="1">
+          <a:scrgbClr r="0" g="0" b="0"/>
+        </a:fillRef>
+        <a:effectRef idx="0">
+          <a:scrgbClr r="0" g="0" b="0"/>
+        </a:effectRef>
+        <a:fontRef idx="minor">
+          <a:schemeClr val="lt1"/>
+        </a:fontRef>
+      </dsp:style>
+      <dsp:txBody>
+        <a:bodyPr spcFirstLastPara="0" vert="horz" wrap="square" lIns="57150" tIns="57150" rIns="57150" bIns="57150" numCol="1" spcCol="1270" anchor="ctr" anchorCtr="0">
+          <a:noAutofit/>
+        </a:bodyPr>
+        <a:lstStyle/>
+        <a:p>
+          <a:pPr marL="0" lvl="0" indent="0" algn="ctr" defTabSz="666750">
+            <a:lnSpc>
+              <a:spcPct val="90000"/>
+            </a:lnSpc>
+            <a:spcBef>
+              <a:spcPct val="0"/>
+            </a:spcBef>
+            <a:spcAft>
+              <a:spcPct val="35000"/>
+            </a:spcAft>
+            <a:buNone/>
+          </a:pPr>
+          <a:r>
+            <a:rPr lang="en-US" sz="1500" kern="1200" dirty="0"/>
+            <a:t>Ran analytics</a:t>
+          </a:r>
+          <a:endParaRPr lang="en-US" sz="1500" i="1" kern="1200" dirty="0"/>
+        </a:p>
+      </dsp:txBody>
+      <dsp:txXfrm>
+        <a:off x="9814000" y="493565"/>
+        <a:ext cx="1580458" cy="543739"/>
       </dsp:txXfrm>
     </dsp:sp>
   </dsp:spTree>
@@ -4275,6 +7716,298 @@
 </dgm:layoutDef>
 </file>
 
+<file path=ppt/diagrams/layout3.xml><?xml version="1.0" encoding="utf-8"?>
+<dgm:layoutDef xmlns:dgm="http://schemas.openxmlformats.org/drawingml/2006/diagram" xmlns:a="http://schemas.openxmlformats.org/drawingml/2006/main" uniqueId="urn:microsoft.com/office/officeart/2005/8/layout/process1">
+  <dgm:title val=""/>
+  <dgm:desc val=""/>
+  <dgm:catLst>
+    <dgm:cat type="process" pri="1000"/>
+    <dgm:cat type="convert" pri="15000"/>
+  </dgm:catLst>
+  <dgm:sampData useDef="1">
+    <dgm:dataModel>
+      <dgm:ptLst/>
+      <dgm:bg/>
+      <dgm:whole/>
+    </dgm:dataModel>
+  </dgm:sampData>
+  <dgm:styleData>
+    <dgm:dataModel>
+      <dgm:ptLst>
+        <dgm:pt modelId="0" type="doc"/>
+        <dgm:pt modelId="1"/>
+        <dgm:pt modelId="2"/>
+      </dgm:ptLst>
+      <dgm:cxnLst>
+        <dgm:cxn modelId="3" srcId="0" destId="1" srcOrd="0" destOrd="0"/>
+        <dgm:cxn modelId="4" srcId="0" destId="2" srcOrd="1" destOrd="0"/>
+      </dgm:cxnLst>
+      <dgm:bg/>
+      <dgm:whole/>
+    </dgm:dataModel>
+  </dgm:styleData>
+  <dgm:clrData>
+    <dgm:dataModel>
+      <dgm:ptLst>
+        <dgm:pt modelId="0" type="doc"/>
+        <dgm:pt modelId="1"/>
+        <dgm:pt modelId="2"/>
+        <dgm:pt modelId="3"/>
+        <dgm:pt modelId="4"/>
+      </dgm:ptLst>
+      <dgm:cxnLst>
+        <dgm:cxn modelId="5" srcId="0" destId="1" srcOrd="0" destOrd="0"/>
+        <dgm:cxn modelId="6" srcId="0" destId="2" srcOrd="1" destOrd="0"/>
+        <dgm:cxn modelId="7" srcId="0" destId="3" srcOrd="2" destOrd="0"/>
+        <dgm:cxn modelId="8" srcId="0" destId="4" srcOrd="3" destOrd="0"/>
+      </dgm:cxnLst>
+      <dgm:bg/>
+      <dgm:whole/>
+    </dgm:dataModel>
+  </dgm:clrData>
+  <dgm:layoutNode name="Name0">
+    <dgm:varLst>
+      <dgm:dir/>
+      <dgm:resizeHandles val="exact"/>
+    </dgm:varLst>
+    <dgm:choose name="Name1">
+      <dgm:if name="Name2" func="var" arg="dir" op="equ" val="norm">
+        <dgm:alg type="lin"/>
+      </dgm:if>
+      <dgm:else name="Name3">
+        <dgm:alg type="lin">
+          <dgm:param type="linDir" val="fromR"/>
+        </dgm:alg>
+      </dgm:else>
+    </dgm:choose>
+    <dgm:shape xmlns:r="http://schemas.openxmlformats.org/officeDocument/2006/relationships" r:blip="">
+      <dgm:adjLst/>
+    </dgm:shape>
+    <dgm:presOf/>
+    <dgm:constrLst>
+      <dgm:constr type="w" for="ch" ptType="node" refType="w"/>
+      <dgm:constr type="h" for="ch" ptType="node" op="equ"/>
+      <dgm:constr type="primFontSz" for="ch" ptType="node" op="equ" val="65"/>
+      <dgm:constr type="w" for="ch" ptType="sibTrans" refType="w" refFor="ch" refPtType="node" op="equ" fact="0.4"/>
+      <dgm:constr type="h" for="ch" ptType="sibTrans" op="equ"/>
+      <dgm:constr type="primFontSz" for="des" forName="connectorText" op="equ" val="55"/>
+      <dgm:constr type="primFontSz" for="des" forName="connectorText" refType="primFontSz" refFor="ch" refPtType="node" op="lte" fact="0.8"/>
+    </dgm:constrLst>
+    <dgm:ruleLst/>
+    <dgm:forEach name="nodesForEach" axis="ch" ptType="node">
+      <dgm:layoutNode name="node">
+        <dgm:varLst>
+          <dgm:bulletEnabled val="1"/>
+        </dgm:varLst>
+        <dgm:alg type="tx"/>
+        <dgm:shape xmlns:r="http://schemas.openxmlformats.org/officeDocument/2006/relationships" type="roundRect" r:blip="">
+          <dgm:adjLst>
+            <dgm:adj idx="1" val="0.1"/>
+          </dgm:adjLst>
+        </dgm:shape>
+        <dgm:presOf axis="desOrSelf" ptType="node"/>
+        <dgm:constrLst>
+          <dgm:constr type="h" refType="w" fact="0.6"/>
+          <dgm:constr type="tMarg" refType="primFontSz" fact="0.3"/>
+          <dgm:constr type="bMarg" refType="primFontSz" fact="0.3"/>
+          <dgm:constr type="lMarg" refType="primFontSz" fact="0.3"/>
+          <dgm:constr type="rMarg" refType="primFontSz" fact="0.3"/>
+        </dgm:constrLst>
+        <dgm:ruleLst>
+          <dgm:rule type="primFontSz" val="18" fact="NaN" max="NaN"/>
+          <dgm:rule type="h" val="NaN" fact="1.5" max="NaN"/>
+          <dgm:rule type="primFontSz" val="5" fact="NaN" max="NaN"/>
+          <dgm:rule type="h" val="INF" fact="NaN" max="NaN"/>
+        </dgm:ruleLst>
+      </dgm:layoutNode>
+      <dgm:forEach name="sibTransForEach" axis="followSib" ptType="sibTrans" cnt="1">
+        <dgm:layoutNode name="sibTrans">
+          <dgm:alg type="conn">
+            <dgm:param type="begPts" val="auto"/>
+            <dgm:param type="endPts" val="auto"/>
+          </dgm:alg>
+          <dgm:shape xmlns:r="http://schemas.openxmlformats.org/officeDocument/2006/relationships" type="conn" r:blip="">
+            <dgm:adjLst/>
+          </dgm:shape>
+          <dgm:presOf axis="self"/>
+          <dgm:constrLst>
+            <dgm:constr type="h" refType="w" fact="0.62"/>
+            <dgm:constr type="connDist"/>
+            <dgm:constr type="begPad" refType="connDist" fact="0.25"/>
+            <dgm:constr type="endPad" refType="connDist" fact="0.22"/>
+          </dgm:constrLst>
+          <dgm:ruleLst/>
+          <dgm:layoutNode name="connectorText">
+            <dgm:alg type="tx">
+              <dgm:param type="autoTxRot" val="grav"/>
+            </dgm:alg>
+            <dgm:shape xmlns:r="http://schemas.openxmlformats.org/officeDocument/2006/relationships" type="conn" r:blip="" hideGeom="1">
+              <dgm:adjLst/>
+            </dgm:shape>
+            <dgm:presOf axis="self"/>
+            <dgm:constrLst>
+              <dgm:constr type="lMarg"/>
+              <dgm:constr type="rMarg"/>
+              <dgm:constr type="tMarg"/>
+              <dgm:constr type="bMarg"/>
+            </dgm:constrLst>
+            <dgm:ruleLst>
+              <dgm:rule type="primFontSz" val="5" fact="NaN" max="NaN"/>
+            </dgm:ruleLst>
+          </dgm:layoutNode>
+        </dgm:layoutNode>
+      </dgm:forEach>
+    </dgm:forEach>
+  </dgm:layoutNode>
+</dgm:layoutDef>
+</file>
+
+<file path=ppt/diagrams/layout4.xml><?xml version="1.0" encoding="utf-8"?>
+<dgm:layoutDef xmlns:dgm="http://schemas.openxmlformats.org/drawingml/2006/diagram" xmlns:a="http://schemas.openxmlformats.org/drawingml/2006/main" uniqueId="urn:microsoft.com/office/officeart/2005/8/layout/process1">
+  <dgm:title val=""/>
+  <dgm:desc val=""/>
+  <dgm:catLst>
+    <dgm:cat type="process" pri="1000"/>
+    <dgm:cat type="convert" pri="15000"/>
+  </dgm:catLst>
+  <dgm:sampData useDef="1">
+    <dgm:dataModel>
+      <dgm:ptLst/>
+      <dgm:bg/>
+      <dgm:whole/>
+    </dgm:dataModel>
+  </dgm:sampData>
+  <dgm:styleData>
+    <dgm:dataModel>
+      <dgm:ptLst>
+        <dgm:pt modelId="0" type="doc"/>
+        <dgm:pt modelId="1"/>
+        <dgm:pt modelId="2"/>
+      </dgm:ptLst>
+      <dgm:cxnLst>
+        <dgm:cxn modelId="3" srcId="0" destId="1" srcOrd="0" destOrd="0"/>
+        <dgm:cxn modelId="4" srcId="0" destId="2" srcOrd="1" destOrd="0"/>
+      </dgm:cxnLst>
+      <dgm:bg/>
+      <dgm:whole/>
+    </dgm:dataModel>
+  </dgm:styleData>
+  <dgm:clrData>
+    <dgm:dataModel>
+      <dgm:ptLst>
+        <dgm:pt modelId="0" type="doc"/>
+        <dgm:pt modelId="1"/>
+        <dgm:pt modelId="2"/>
+        <dgm:pt modelId="3"/>
+        <dgm:pt modelId="4"/>
+      </dgm:ptLst>
+      <dgm:cxnLst>
+        <dgm:cxn modelId="5" srcId="0" destId="1" srcOrd="0" destOrd="0"/>
+        <dgm:cxn modelId="6" srcId="0" destId="2" srcOrd="1" destOrd="0"/>
+        <dgm:cxn modelId="7" srcId="0" destId="3" srcOrd="2" destOrd="0"/>
+        <dgm:cxn modelId="8" srcId="0" destId="4" srcOrd="3" destOrd="0"/>
+      </dgm:cxnLst>
+      <dgm:bg/>
+      <dgm:whole/>
+    </dgm:dataModel>
+  </dgm:clrData>
+  <dgm:layoutNode name="Name0">
+    <dgm:varLst>
+      <dgm:dir/>
+      <dgm:resizeHandles val="exact"/>
+    </dgm:varLst>
+    <dgm:choose name="Name1">
+      <dgm:if name="Name2" func="var" arg="dir" op="equ" val="norm">
+        <dgm:alg type="lin"/>
+      </dgm:if>
+      <dgm:else name="Name3">
+        <dgm:alg type="lin">
+          <dgm:param type="linDir" val="fromR"/>
+        </dgm:alg>
+      </dgm:else>
+    </dgm:choose>
+    <dgm:shape xmlns:r="http://schemas.openxmlformats.org/officeDocument/2006/relationships" r:blip="">
+      <dgm:adjLst/>
+    </dgm:shape>
+    <dgm:presOf/>
+    <dgm:constrLst>
+      <dgm:constr type="w" for="ch" ptType="node" refType="w"/>
+      <dgm:constr type="h" for="ch" ptType="node" op="equ"/>
+      <dgm:constr type="primFontSz" for="ch" ptType="node" op="equ" val="65"/>
+      <dgm:constr type="w" for="ch" ptType="sibTrans" refType="w" refFor="ch" refPtType="node" op="equ" fact="0.4"/>
+      <dgm:constr type="h" for="ch" ptType="sibTrans" op="equ"/>
+      <dgm:constr type="primFontSz" for="des" forName="connectorText" op="equ" val="55"/>
+      <dgm:constr type="primFontSz" for="des" forName="connectorText" refType="primFontSz" refFor="ch" refPtType="node" op="lte" fact="0.8"/>
+    </dgm:constrLst>
+    <dgm:ruleLst/>
+    <dgm:forEach name="nodesForEach" axis="ch" ptType="node">
+      <dgm:layoutNode name="node">
+        <dgm:varLst>
+          <dgm:bulletEnabled val="1"/>
+        </dgm:varLst>
+        <dgm:alg type="tx"/>
+        <dgm:shape xmlns:r="http://schemas.openxmlformats.org/officeDocument/2006/relationships" type="roundRect" r:blip="">
+          <dgm:adjLst>
+            <dgm:adj idx="1" val="0.1"/>
+          </dgm:adjLst>
+        </dgm:shape>
+        <dgm:presOf axis="desOrSelf" ptType="node"/>
+        <dgm:constrLst>
+          <dgm:constr type="h" refType="w" fact="0.6"/>
+          <dgm:constr type="tMarg" refType="primFontSz" fact="0.3"/>
+          <dgm:constr type="bMarg" refType="primFontSz" fact="0.3"/>
+          <dgm:constr type="lMarg" refType="primFontSz" fact="0.3"/>
+          <dgm:constr type="rMarg" refType="primFontSz" fact="0.3"/>
+        </dgm:constrLst>
+        <dgm:ruleLst>
+          <dgm:rule type="primFontSz" val="18" fact="NaN" max="NaN"/>
+          <dgm:rule type="h" val="NaN" fact="1.5" max="NaN"/>
+          <dgm:rule type="primFontSz" val="5" fact="NaN" max="NaN"/>
+          <dgm:rule type="h" val="INF" fact="NaN" max="NaN"/>
+        </dgm:ruleLst>
+      </dgm:layoutNode>
+      <dgm:forEach name="sibTransForEach" axis="followSib" ptType="sibTrans" cnt="1">
+        <dgm:layoutNode name="sibTrans">
+          <dgm:alg type="conn">
+            <dgm:param type="begPts" val="auto"/>
+            <dgm:param type="endPts" val="auto"/>
+          </dgm:alg>
+          <dgm:shape xmlns:r="http://schemas.openxmlformats.org/officeDocument/2006/relationships" type="conn" r:blip="">
+            <dgm:adjLst/>
+          </dgm:shape>
+          <dgm:presOf axis="self"/>
+          <dgm:constrLst>
+            <dgm:constr type="h" refType="w" fact="0.62"/>
+            <dgm:constr type="connDist"/>
+            <dgm:constr type="begPad" refType="connDist" fact="0.25"/>
+            <dgm:constr type="endPad" refType="connDist" fact="0.22"/>
+          </dgm:constrLst>
+          <dgm:ruleLst/>
+          <dgm:layoutNode name="connectorText">
+            <dgm:alg type="tx">
+              <dgm:param type="autoTxRot" val="grav"/>
+            </dgm:alg>
+            <dgm:shape xmlns:r="http://schemas.openxmlformats.org/officeDocument/2006/relationships" type="conn" r:blip="" hideGeom="1">
+              <dgm:adjLst/>
+            </dgm:shape>
+            <dgm:presOf axis="self"/>
+            <dgm:constrLst>
+              <dgm:constr type="lMarg"/>
+              <dgm:constr type="rMarg"/>
+              <dgm:constr type="tMarg"/>
+              <dgm:constr type="bMarg"/>
+            </dgm:constrLst>
+            <dgm:ruleLst>
+              <dgm:rule type="primFontSz" val="5" fact="NaN" max="NaN"/>
+            </dgm:ruleLst>
+          </dgm:layoutNode>
+        </dgm:layoutNode>
+      </dgm:forEach>
+    </dgm:forEach>
+  </dgm:layoutNode>
+</dgm:layoutDef>
+</file>
+
 <file path=ppt/diagrams/quickStyle1.xml><?xml version="1.0" encoding="utf-8"?>
 <dgm:styleDef xmlns:dgm="http://schemas.openxmlformats.org/drawingml/2006/diagram" xmlns:a="http://schemas.openxmlformats.org/drawingml/2006/main" uniqueId="urn:microsoft.com/office/officeart/2005/8/quickstyle/simple1">
   <dgm:title val=""/>
@@ -5310,6 +9043,2074 @@
 </file>
 
 <file path=ppt/diagrams/quickStyle2.xml><?xml version="1.0" encoding="utf-8"?>
+<dgm:styleDef xmlns:dgm="http://schemas.openxmlformats.org/drawingml/2006/diagram" xmlns:a="http://schemas.openxmlformats.org/drawingml/2006/main" uniqueId="urn:microsoft.com/office/officeart/2005/8/quickstyle/simple1">
+  <dgm:title val=""/>
+  <dgm:desc val=""/>
+  <dgm:catLst>
+    <dgm:cat type="simple" pri="10100"/>
+  </dgm:catLst>
+  <dgm:scene3d>
+    <a:camera prst="orthographicFront"/>
+    <a:lightRig rig="threePt" dir="t"/>
+  </dgm:scene3d>
+  <dgm:styleLbl name="node0">
+    <dgm:scene3d>
+      <a:camera prst="orthographicFront"/>
+      <a:lightRig rig="threePt" dir="t"/>
+    </dgm:scene3d>
+    <dgm:sp3d/>
+    <dgm:txPr/>
+    <dgm:style>
+      <a:lnRef idx="2">
+        <a:scrgbClr r="0" g="0" b="0"/>
+      </a:lnRef>
+      <a:fillRef idx="1">
+        <a:scrgbClr r="0" g="0" b="0"/>
+      </a:fillRef>
+      <a:effectRef idx="0">
+        <a:scrgbClr r="0" g="0" b="0"/>
+      </a:effectRef>
+      <a:fontRef idx="minor">
+        <a:schemeClr val="lt1"/>
+      </a:fontRef>
+    </dgm:style>
+  </dgm:styleLbl>
+  <dgm:styleLbl name="lnNode1">
+    <dgm:scene3d>
+      <a:camera prst="orthographicFront"/>
+      <a:lightRig rig="threePt" dir="t"/>
+    </dgm:scene3d>
+    <dgm:sp3d/>
+    <dgm:txPr/>
+    <dgm:style>
+      <a:lnRef idx="2">
+        <a:scrgbClr r="0" g="0" b="0"/>
+      </a:lnRef>
+      <a:fillRef idx="1">
+        <a:scrgbClr r="0" g="0" b="0"/>
+      </a:fillRef>
+      <a:effectRef idx="0">
+        <a:scrgbClr r="0" g="0" b="0"/>
+      </a:effectRef>
+      <a:fontRef idx="minor">
+        <a:schemeClr val="lt1"/>
+      </a:fontRef>
+    </dgm:style>
+  </dgm:styleLbl>
+  <dgm:styleLbl name="vennNode1">
+    <dgm:scene3d>
+      <a:camera prst="orthographicFront"/>
+      <a:lightRig rig="threePt" dir="t"/>
+    </dgm:scene3d>
+    <dgm:sp3d/>
+    <dgm:txPr/>
+    <dgm:style>
+      <a:lnRef idx="2">
+        <a:scrgbClr r="0" g="0" b="0"/>
+      </a:lnRef>
+      <a:fillRef idx="1">
+        <a:scrgbClr r="0" g="0" b="0"/>
+      </a:fillRef>
+      <a:effectRef idx="0">
+        <a:scrgbClr r="0" g="0" b="0"/>
+      </a:effectRef>
+      <a:fontRef idx="minor">
+        <a:schemeClr val="tx1"/>
+      </a:fontRef>
+    </dgm:style>
+  </dgm:styleLbl>
+  <dgm:styleLbl name="alignNode1">
+    <dgm:scene3d>
+      <a:camera prst="orthographicFront"/>
+      <a:lightRig rig="threePt" dir="t"/>
+    </dgm:scene3d>
+    <dgm:sp3d/>
+    <dgm:txPr/>
+    <dgm:style>
+      <a:lnRef idx="2">
+        <a:scrgbClr r="0" g="0" b="0"/>
+      </a:lnRef>
+      <a:fillRef idx="1">
+        <a:scrgbClr r="0" g="0" b="0"/>
+      </a:fillRef>
+      <a:effectRef idx="0">
+        <a:scrgbClr r="0" g="0" b="0"/>
+      </a:effectRef>
+      <a:fontRef idx="minor">
+        <a:schemeClr val="lt1"/>
+      </a:fontRef>
+    </dgm:style>
+  </dgm:styleLbl>
+  <dgm:styleLbl name="node1">
+    <dgm:scene3d>
+      <a:camera prst="orthographicFront"/>
+      <a:lightRig rig="threePt" dir="t"/>
+    </dgm:scene3d>
+    <dgm:sp3d/>
+    <dgm:txPr/>
+    <dgm:style>
+      <a:lnRef idx="2">
+        <a:scrgbClr r="0" g="0" b="0"/>
+      </a:lnRef>
+      <a:fillRef idx="1">
+        <a:scrgbClr r="0" g="0" b="0"/>
+      </a:fillRef>
+      <a:effectRef idx="0">
+        <a:scrgbClr r="0" g="0" b="0"/>
+      </a:effectRef>
+      <a:fontRef idx="minor">
+        <a:schemeClr val="lt1"/>
+      </a:fontRef>
+    </dgm:style>
+  </dgm:styleLbl>
+  <dgm:styleLbl name="node2">
+    <dgm:scene3d>
+      <a:camera prst="orthographicFront"/>
+      <a:lightRig rig="threePt" dir="t"/>
+    </dgm:scene3d>
+    <dgm:sp3d/>
+    <dgm:txPr/>
+    <dgm:style>
+      <a:lnRef idx="2">
+        <a:scrgbClr r="0" g="0" b="0"/>
+      </a:lnRef>
+      <a:fillRef idx="1">
+        <a:scrgbClr r="0" g="0" b="0"/>
+      </a:fillRef>
+      <a:effectRef idx="0">
+        <a:scrgbClr r="0" g="0" b="0"/>
+      </a:effectRef>
+      <a:fontRef idx="minor">
+        <a:schemeClr val="lt1"/>
+      </a:fontRef>
+    </dgm:style>
+  </dgm:styleLbl>
+  <dgm:styleLbl name="node3">
+    <dgm:scene3d>
+      <a:camera prst="orthographicFront"/>
+      <a:lightRig rig="threePt" dir="t"/>
+    </dgm:scene3d>
+    <dgm:sp3d/>
+    <dgm:txPr/>
+    <dgm:style>
+      <a:lnRef idx="2">
+        <a:scrgbClr r="0" g="0" b="0"/>
+      </a:lnRef>
+      <a:fillRef idx="1">
+        <a:scrgbClr r="0" g="0" b="0"/>
+      </a:fillRef>
+      <a:effectRef idx="0">
+        <a:scrgbClr r="0" g="0" b="0"/>
+      </a:effectRef>
+      <a:fontRef idx="minor">
+        <a:schemeClr val="lt1"/>
+      </a:fontRef>
+    </dgm:style>
+  </dgm:styleLbl>
+  <dgm:styleLbl name="node4">
+    <dgm:scene3d>
+      <a:camera prst="orthographicFront"/>
+      <a:lightRig rig="threePt" dir="t"/>
+    </dgm:scene3d>
+    <dgm:sp3d/>
+    <dgm:txPr/>
+    <dgm:style>
+      <a:lnRef idx="2">
+        <a:scrgbClr r="0" g="0" b="0"/>
+      </a:lnRef>
+      <a:fillRef idx="1">
+        <a:scrgbClr r="0" g="0" b="0"/>
+      </a:fillRef>
+      <a:effectRef idx="0">
+        <a:scrgbClr r="0" g="0" b="0"/>
+      </a:effectRef>
+      <a:fontRef idx="minor">
+        <a:schemeClr val="lt1"/>
+      </a:fontRef>
+    </dgm:style>
+  </dgm:styleLbl>
+  <dgm:styleLbl name="fgImgPlace1">
+    <dgm:scene3d>
+      <a:camera prst="orthographicFront"/>
+      <a:lightRig rig="threePt" dir="t"/>
+    </dgm:scene3d>
+    <dgm:sp3d/>
+    <dgm:txPr/>
+    <dgm:style>
+      <a:lnRef idx="2">
+        <a:scrgbClr r="0" g="0" b="0"/>
+      </a:lnRef>
+      <a:fillRef idx="1">
+        <a:scrgbClr r="0" g="0" b="0"/>
+      </a:fillRef>
+      <a:effectRef idx="0">
+        <a:scrgbClr r="0" g="0" b="0"/>
+      </a:effectRef>
+      <a:fontRef idx="minor"/>
+    </dgm:style>
+  </dgm:styleLbl>
+  <dgm:styleLbl name="alignImgPlace1">
+    <dgm:scene3d>
+      <a:camera prst="orthographicFront"/>
+      <a:lightRig rig="threePt" dir="t"/>
+    </dgm:scene3d>
+    <dgm:sp3d/>
+    <dgm:txPr/>
+    <dgm:style>
+      <a:lnRef idx="2">
+        <a:scrgbClr r="0" g="0" b="0"/>
+      </a:lnRef>
+      <a:fillRef idx="1">
+        <a:scrgbClr r="0" g="0" b="0"/>
+      </a:fillRef>
+      <a:effectRef idx="0">
+        <a:scrgbClr r="0" g="0" b="0"/>
+      </a:effectRef>
+      <a:fontRef idx="minor"/>
+    </dgm:style>
+  </dgm:styleLbl>
+  <dgm:styleLbl name="bgImgPlace1">
+    <dgm:scene3d>
+      <a:camera prst="orthographicFront"/>
+      <a:lightRig rig="threePt" dir="t"/>
+    </dgm:scene3d>
+    <dgm:sp3d/>
+    <dgm:txPr/>
+    <dgm:style>
+      <a:lnRef idx="2">
+        <a:scrgbClr r="0" g="0" b="0"/>
+      </a:lnRef>
+      <a:fillRef idx="1">
+        <a:scrgbClr r="0" g="0" b="0"/>
+      </a:fillRef>
+      <a:effectRef idx="0">
+        <a:scrgbClr r="0" g="0" b="0"/>
+      </a:effectRef>
+      <a:fontRef idx="minor"/>
+    </dgm:style>
+  </dgm:styleLbl>
+  <dgm:styleLbl name="sibTrans2D1">
+    <dgm:scene3d>
+      <a:camera prst="orthographicFront"/>
+      <a:lightRig rig="threePt" dir="t"/>
+    </dgm:scene3d>
+    <dgm:sp3d/>
+    <dgm:txPr/>
+    <dgm:style>
+      <a:lnRef idx="0">
+        <a:scrgbClr r="0" g="0" b="0"/>
+      </a:lnRef>
+      <a:fillRef idx="1">
+        <a:scrgbClr r="0" g="0" b="0"/>
+      </a:fillRef>
+      <a:effectRef idx="0">
+        <a:scrgbClr r="0" g="0" b="0"/>
+      </a:effectRef>
+      <a:fontRef idx="minor">
+        <a:schemeClr val="lt1"/>
+      </a:fontRef>
+    </dgm:style>
+  </dgm:styleLbl>
+  <dgm:styleLbl name="fgSibTrans2D1">
+    <dgm:scene3d>
+      <a:camera prst="orthographicFront"/>
+      <a:lightRig rig="threePt" dir="t"/>
+    </dgm:scene3d>
+    <dgm:sp3d/>
+    <dgm:txPr/>
+    <dgm:style>
+      <a:lnRef idx="0">
+        <a:scrgbClr r="0" g="0" b="0"/>
+      </a:lnRef>
+      <a:fillRef idx="1">
+        <a:scrgbClr r="0" g="0" b="0"/>
+      </a:fillRef>
+      <a:effectRef idx="0">
+        <a:scrgbClr r="0" g="0" b="0"/>
+      </a:effectRef>
+      <a:fontRef idx="minor">
+        <a:schemeClr val="lt1"/>
+      </a:fontRef>
+    </dgm:style>
+  </dgm:styleLbl>
+  <dgm:styleLbl name="bgSibTrans2D1">
+    <dgm:scene3d>
+      <a:camera prst="orthographicFront"/>
+      <a:lightRig rig="threePt" dir="t"/>
+    </dgm:scene3d>
+    <dgm:sp3d/>
+    <dgm:txPr/>
+    <dgm:style>
+      <a:lnRef idx="0">
+        <a:scrgbClr r="0" g="0" b="0"/>
+      </a:lnRef>
+      <a:fillRef idx="1">
+        <a:scrgbClr r="0" g="0" b="0"/>
+      </a:fillRef>
+      <a:effectRef idx="0">
+        <a:scrgbClr r="0" g="0" b="0"/>
+      </a:effectRef>
+      <a:fontRef idx="minor">
+        <a:schemeClr val="lt1"/>
+      </a:fontRef>
+    </dgm:style>
+  </dgm:styleLbl>
+  <dgm:styleLbl name="sibTrans1D1">
+    <dgm:scene3d>
+      <a:camera prst="orthographicFront"/>
+      <a:lightRig rig="threePt" dir="t"/>
+    </dgm:scene3d>
+    <dgm:sp3d/>
+    <dgm:txPr/>
+    <dgm:style>
+      <a:lnRef idx="1">
+        <a:scrgbClr r="0" g="0" b="0"/>
+      </a:lnRef>
+      <a:fillRef idx="0">
+        <a:scrgbClr r="0" g="0" b="0"/>
+      </a:fillRef>
+      <a:effectRef idx="0">
+        <a:scrgbClr r="0" g="0" b="0"/>
+      </a:effectRef>
+      <a:fontRef idx="minor"/>
+    </dgm:style>
+  </dgm:styleLbl>
+  <dgm:styleLbl name="callout">
+    <dgm:scene3d>
+      <a:camera prst="orthographicFront"/>
+      <a:lightRig rig="threePt" dir="t"/>
+    </dgm:scene3d>
+    <dgm:sp3d/>
+    <dgm:txPr/>
+    <dgm:style>
+      <a:lnRef idx="2">
+        <a:scrgbClr r="0" g="0" b="0"/>
+      </a:lnRef>
+      <a:fillRef idx="1">
+        <a:scrgbClr r="0" g="0" b="0"/>
+      </a:fillRef>
+      <a:effectRef idx="0">
+        <a:scrgbClr r="0" g="0" b="0"/>
+      </a:effectRef>
+      <a:fontRef idx="minor"/>
+    </dgm:style>
+  </dgm:styleLbl>
+  <dgm:styleLbl name="asst0">
+    <dgm:scene3d>
+      <a:camera prst="orthographicFront"/>
+      <a:lightRig rig="threePt" dir="t"/>
+    </dgm:scene3d>
+    <dgm:sp3d/>
+    <dgm:txPr/>
+    <dgm:style>
+      <a:lnRef idx="2">
+        <a:scrgbClr r="0" g="0" b="0"/>
+      </a:lnRef>
+      <a:fillRef idx="1">
+        <a:scrgbClr r="0" g="0" b="0"/>
+      </a:fillRef>
+      <a:effectRef idx="0">
+        <a:scrgbClr r="0" g="0" b="0"/>
+      </a:effectRef>
+      <a:fontRef idx="minor">
+        <a:schemeClr val="lt1"/>
+      </a:fontRef>
+    </dgm:style>
+  </dgm:styleLbl>
+  <dgm:styleLbl name="asst1">
+    <dgm:scene3d>
+      <a:camera prst="orthographicFront"/>
+      <a:lightRig rig="threePt" dir="t"/>
+    </dgm:scene3d>
+    <dgm:sp3d/>
+    <dgm:txPr/>
+    <dgm:style>
+      <a:lnRef idx="2">
+        <a:scrgbClr r="0" g="0" b="0"/>
+      </a:lnRef>
+      <a:fillRef idx="1">
+        <a:scrgbClr r="0" g="0" b="0"/>
+      </a:fillRef>
+      <a:effectRef idx="0">
+        <a:scrgbClr r="0" g="0" b="0"/>
+      </a:effectRef>
+      <a:fontRef idx="minor">
+        <a:schemeClr val="lt1"/>
+      </a:fontRef>
+    </dgm:style>
+  </dgm:styleLbl>
+  <dgm:styleLbl name="asst2">
+    <dgm:scene3d>
+      <a:camera prst="orthographicFront"/>
+      <a:lightRig rig="threePt" dir="t"/>
+    </dgm:scene3d>
+    <dgm:sp3d/>
+    <dgm:txPr/>
+    <dgm:style>
+      <a:lnRef idx="2">
+        <a:scrgbClr r="0" g="0" b="0"/>
+      </a:lnRef>
+      <a:fillRef idx="1">
+        <a:scrgbClr r="0" g="0" b="0"/>
+      </a:fillRef>
+      <a:effectRef idx="0">
+        <a:scrgbClr r="0" g="0" b="0"/>
+      </a:effectRef>
+      <a:fontRef idx="minor">
+        <a:schemeClr val="lt1"/>
+      </a:fontRef>
+    </dgm:style>
+  </dgm:styleLbl>
+  <dgm:styleLbl name="asst3">
+    <dgm:scene3d>
+      <a:camera prst="orthographicFront"/>
+      <a:lightRig rig="threePt" dir="t"/>
+    </dgm:scene3d>
+    <dgm:sp3d/>
+    <dgm:txPr/>
+    <dgm:style>
+      <a:lnRef idx="2">
+        <a:scrgbClr r="0" g="0" b="0"/>
+      </a:lnRef>
+      <a:fillRef idx="1">
+        <a:scrgbClr r="0" g="0" b="0"/>
+      </a:fillRef>
+      <a:effectRef idx="0">
+        <a:scrgbClr r="0" g="0" b="0"/>
+      </a:effectRef>
+      <a:fontRef idx="minor">
+        <a:schemeClr val="lt1"/>
+      </a:fontRef>
+    </dgm:style>
+  </dgm:styleLbl>
+  <dgm:styleLbl name="asst4">
+    <dgm:scene3d>
+      <a:camera prst="orthographicFront"/>
+      <a:lightRig rig="threePt" dir="t"/>
+    </dgm:scene3d>
+    <dgm:sp3d/>
+    <dgm:txPr/>
+    <dgm:style>
+      <a:lnRef idx="2">
+        <a:scrgbClr r="0" g="0" b="0"/>
+      </a:lnRef>
+      <a:fillRef idx="1">
+        <a:scrgbClr r="0" g="0" b="0"/>
+      </a:fillRef>
+      <a:effectRef idx="0">
+        <a:scrgbClr r="0" g="0" b="0"/>
+      </a:effectRef>
+      <a:fontRef idx="minor">
+        <a:schemeClr val="lt1"/>
+      </a:fontRef>
+    </dgm:style>
+  </dgm:styleLbl>
+  <dgm:styleLbl name="parChTrans2D1">
+    <dgm:scene3d>
+      <a:camera prst="orthographicFront"/>
+      <a:lightRig rig="threePt" dir="t"/>
+    </dgm:scene3d>
+    <dgm:sp3d/>
+    <dgm:txPr/>
+    <dgm:style>
+      <a:lnRef idx="2">
+        <a:scrgbClr r="0" g="0" b="0"/>
+      </a:lnRef>
+      <a:fillRef idx="1">
+        <a:scrgbClr r="0" g="0" b="0"/>
+      </a:fillRef>
+      <a:effectRef idx="0">
+        <a:scrgbClr r="0" g="0" b="0"/>
+      </a:effectRef>
+      <a:fontRef idx="minor">
+        <a:schemeClr val="lt1"/>
+      </a:fontRef>
+    </dgm:style>
+  </dgm:styleLbl>
+  <dgm:styleLbl name="parChTrans2D2">
+    <dgm:scene3d>
+      <a:camera prst="orthographicFront"/>
+      <a:lightRig rig="threePt" dir="t"/>
+    </dgm:scene3d>
+    <dgm:sp3d/>
+    <dgm:txPr/>
+    <dgm:style>
+      <a:lnRef idx="2">
+        <a:scrgbClr r="0" g="0" b="0"/>
+      </a:lnRef>
+      <a:fillRef idx="1">
+        <a:scrgbClr r="0" g="0" b="0"/>
+      </a:fillRef>
+      <a:effectRef idx="0">
+        <a:scrgbClr r="0" g="0" b="0"/>
+      </a:effectRef>
+      <a:fontRef idx="minor">
+        <a:schemeClr val="lt1"/>
+      </a:fontRef>
+    </dgm:style>
+  </dgm:styleLbl>
+  <dgm:styleLbl name="parChTrans2D3">
+    <dgm:scene3d>
+      <a:camera prst="orthographicFront"/>
+      <a:lightRig rig="threePt" dir="t"/>
+    </dgm:scene3d>
+    <dgm:sp3d/>
+    <dgm:txPr/>
+    <dgm:style>
+      <a:lnRef idx="2">
+        <a:scrgbClr r="0" g="0" b="0"/>
+      </a:lnRef>
+      <a:fillRef idx="1">
+        <a:scrgbClr r="0" g="0" b="0"/>
+      </a:fillRef>
+      <a:effectRef idx="0">
+        <a:scrgbClr r="0" g="0" b="0"/>
+      </a:effectRef>
+      <a:fontRef idx="minor">
+        <a:schemeClr val="lt1"/>
+      </a:fontRef>
+    </dgm:style>
+  </dgm:styleLbl>
+  <dgm:styleLbl name="parChTrans2D4">
+    <dgm:scene3d>
+      <a:camera prst="orthographicFront"/>
+      <a:lightRig rig="threePt" dir="t"/>
+    </dgm:scene3d>
+    <dgm:sp3d/>
+    <dgm:txPr/>
+    <dgm:style>
+      <a:lnRef idx="2">
+        <a:scrgbClr r="0" g="0" b="0"/>
+      </a:lnRef>
+      <a:fillRef idx="1">
+        <a:scrgbClr r="0" g="0" b="0"/>
+      </a:fillRef>
+      <a:effectRef idx="0">
+        <a:scrgbClr r="0" g="0" b="0"/>
+      </a:effectRef>
+      <a:fontRef idx="minor">
+        <a:schemeClr val="lt1"/>
+      </a:fontRef>
+    </dgm:style>
+  </dgm:styleLbl>
+  <dgm:styleLbl name="parChTrans1D1">
+    <dgm:scene3d>
+      <a:camera prst="orthographicFront"/>
+      <a:lightRig rig="threePt" dir="t"/>
+    </dgm:scene3d>
+    <dgm:sp3d/>
+    <dgm:txPr/>
+    <dgm:style>
+      <a:lnRef idx="2">
+        <a:scrgbClr r="0" g="0" b="0"/>
+      </a:lnRef>
+      <a:fillRef idx="0">
+        <a:scrgbClr r="0" g="0" b="0"/>
+      </a:fillRef>
+      <a:effectRef idx="0">
+        <a:scrgbClr r="0" g="0" b="0"/>
+      </a:effectRef>
+      <a:fontRef idx="minor"/>
+    </dgm:style>
+  </dgm:styleLbl>
+  <dgm:styleLbl name="parChTrans1D2">
+    <dgm:scene3d>
+      <a:camera prst="orthographicFront"/>
+      <a:lightRig rig="threePt" dir="t"/>
+    </dgm:scene3d>
+    <dgm:sp3d/>
+    <dgm:txPr/>
+    <dgm:style>
+      <a:lnRef idx="2">
+        <a:scrgbClr r="0" g="0" b="0"/>
+      </a:lnRef>
+      <a:fillRef idx="0">
+        <a:scrgbClr r="0" g="0" b="0"/>
+      </a:fillRef>
+      <a:effectRef idx="0">
+        <a:scrgbClr r="0" g="0" b="0"/>
+      </a:effectRef>
+      <a:fontRef idx="minor"/>
+    </dgm:style>
+  </dgm:styleLbl>
+  <dgm:styleLbl name="parChTrans1D3">
+    <dgm:scene3d>
+      <a:camera prst="orthographicFront"/>
+      <a:lightRig rig="threePt" dir="t"/>
+    </dgm:scene3d>
+    <dgm:sp3d/>
+    <dgm:txPr/>
+    <dgm:style>
+      <a:lnRef idx="2">
+        <a:scrgbClr r="0" g="0" b="0"/>
+      </a:lnRef>
+      <a:fillRef idx="0">
+        <a:scrgbClr r="0" g="0" b="0"/>
+      </a:fillRef>
+      <a:effectRef idx="0">
+        <a:scrgbClr r="0" g="0" b="0"/>
+      </a:effectRef>
+      <a:fontRef idx="minor"/>
+    </dgm:style>
+  </dgm:styleLbl>
+  <dgm:styleLbl name="parChTrans1D4">
+    <dgm:scene3d>
+      <a:camera prst="orthographicFront"/>
+      <a:lightRig rig="threePt" dir="t"/>
+    </dgm:scene3d>
+    <dgm:sp3d/>
+    <dgm:txPr/>
+    <dgm:style>
+      <a:lnRef idx="2">
+        <a:scrgbClr r="0" g="0" b="0"/>
+      </a:lnRef>
+      <a:fillRef idx="0">
+        <a:scrgbClr r="0" g="0" b="0"/>
+      </a:fillRef>
+      <a:effectRef idx="0">
+        <a:scrgbClr r="0" g="0" b="0"/>
+      </a:effectRef>
+      <a:fontRef idx="minor"/>
+    </dgm:style>
+  </dgm:styleLbl>
+  <dgm:styleLbl name="fgAcc1">
+    <dgm:scene3d>
+      <a:camera prst="orthographicFront"/>
+      <a:lightRig rig="threePt" dir="t"/>
+    </dgm:scene3d>
+    <dgm:sp3d/>
+    <dgm:txPr/>
+    <dgm:style>
+      <a:lnRef idx="2">
+        <a:scrgbClr r="0" g="0" b="0"/>
+      </a:lnRef>
+      <a:fillRef idx="1">
+        <a:scrgbClr r="0" g="0" b="0"/>
+      </a:fillRef>
+      <a:effectRef idx="0">
+        <a:scrgbClr r="0" g="0" b="0"/>
+      </a:effectRef>
+      <a:fontRef idx="minor"/>
+    </dgm:style>
+  </dgm:styleLbl>
+  <dgm:styleLbl name="conFgAcc1">
+    <dgm:scene3d>
+      <a:camera prst="orthographicFront"/>
+      <a:lightRig rig="threePt" dir="t"/>
+    </dgm:scene3d>
+    <dgm:sp3d/>
+    <dgm:txPr/>
+    <dgm:style>
+      <a:lnRef idx="2">
+        <a:scrgbClr r="0" g="0" b="0"/>
+      </a:lnRef>
+      <a:fillRef idx="1">
+        <a:scrgbClr r="0" g="0" b="0"/>
+      </a:fillRef>
+      <a:effectRef idx="0">
+        <a:scrgbClr r="0" g="0" b="0"/>
+      </a:effectRef>
+      <a:fontRef idx="minor"/>
+    </dgm:style>
+  </dgm:styleLbl>
+  <dgm:styleLbl name="alignAcc1">
+    <dgm:scene3d>
+      <a:camera prst="orthographicFront"/>
+      <a:lightRig rig="threePt" dir="t"/>
+    </dgm:scene3d>
+    <dgm:sp3d/>
+    <dgm:txPr/>
+    <dgm:style>
+      <a:lnRef idx="2">
+        <a:scrgbClr r="0" g="0" b="0"/>
+      </a:lnRef>
+      <a:fillRef idx="1">
+        <a:scrgbClr r="0" g="0" b="0"/>
+      </a:fillRef>
+      <a:effectRef idx="0">
+        <a:scrgbClr r="0" g="0" b="0"/>
+      </a:effectRef>
+      <a:fontRef idx="minor"/>
+    </dgm:style>
+  </dgm:styleLbl>
+  <dgm:styleLbl name="trAlignAcc1">
+    <dgm:scene3d>
+      <a:camera prst="orthographicFront"/>
+      <a:lightRig rig="threePt" dir="t"/>
+    </dgm:scene3d>
+    <dgm:sp3d/>
+    <dgm:txPr/>
+    <dgm:style>
+      <a:lnRef idx="1">
+        <a:scrgbClr r="0" g="0" b="0"/>
+      </a:lnRef>
+      <a:fillRef idx="1">
+        <a:scrgbClr r="0" g="0" b="0"/>
+      </a:fillRef>
+      <a:effectRef idx="0">
+        <a:scrgbClr r="0" g="0" b="0"/>
+      </a:effectRef>
+      <a:fontRef idx="minor"/>
+    </dgm:style>
+  </dgm:styleLbl>
+  <dgm:styleLbl name="bgAcc1">
+    <dgm:scene3d>
+      <a:camera prst="orthographicFront"/>
+      <a:lightRig rig="threePt" dir="t"/>
+    </dgm:scene3d>
+    <dgm:sp3d/>
+    <dgm:txPr/>
+    <dgm:style>
+      <a:lnRef idx="2">
+        <a:scrgbClr r="0" g="0" b="0"/>
+      </a:lnRef>
+      <a:fillRef idx="1">
+        <a:scrgbClr r="0" g="0" b="0"/>
+      </a:fillRef>
+      <a:effectRef idx="0">
+        <a:scrgbClr r="0" g="0" b="0"/>
+      </a:effectRef>
+      <a:fontRef idx="minor"/>
+    </dgm:style>
+  </dgm:styleLbl>
+  <dgm:styleLbl name="solidFgAcc1">
+    <dgm:scene3d>
+      <a:camera prst="orthographicFront"/>
+      <a:lightRig rig="threePt" dir="t"/>
+    </dgm:scene3d>
+    <dgm:sp3d/>
+    <dgm:txPr/>
+    <dgm:style>
+      <a:lnRef idx="2">
+        <a:scrgbClr r="0" g="0" b="0"/>
+      </a:lnRef>
+      <a:fillRef idx="1">
+        <a:scrgbClr r="0" g="0" b="0"/>
+      </a:fillRef>
+      <a:effectRef idx="0">
+        <a:scrgbClr r="0" g="0" b="0"/>
+      </a:effectRef>
+      <a:fontRef idx="minor"/>
+    </dgm:style>
+  </dgm:styleLbl>
+  <dgm:styleLbl name="solidAlignAcc1">
+    <dgm:scene3d>
+      <a:camera prst="orthographicFront"/>
+      <a:lightRig rig="threePt" dir="t"/>
+    </dgm:scene3d>
+    <dgm:sp3d/>
+    <dgm:txPr/>
+    <dgm:style>
+      <a:lnRef idx="2">
+        <a:scrgbClr r="0" g="0" b="0"/>
+      </a:lnRef>
+      <a:fillRef idx="1">
+        <a:scrgbClr r="0" g="0" b="0"/>
+      </a:fillRef>
+      <a:effectRef idx="0">
+        <a:scrgbClr r="0" g="0" b="0"/>
+      </a:effectRef>
+      <a:fontRef idx="minor"/>
+    </dgm:style>
+  </dgm:styleLbl>
+  <dgm:styleLbl name="solidBgAcc1">
+    <dgm:scene3d>
+      <a:camera prst="orthographicFront"/>
+      <a:lightRig rig="threePt" dir="t"/>
+    </dgm:scene3d>
+    <dgm:sp3d/>
+    <dgm:txPr/>
+    <dgm:style>
+      <a:lnRef idx="2">
+        <a:scrgbClr r="0" g="0" b="0"/>
+      </a:lnRef>
+      <a:fillRef idx="1">
+        <a:scrgbClr r="0" g="0" b="0"/>
+      </a:fillRef>
+      <a:effectRef idx="0">
+        <a:scrgbClr r="0" g="0" b="0"/>
+      </a:effectRef>
+      <a:fontRef idx="minor"/>
+    </dgm:style>
+  </dgm:styleLbl>
+  <dgm:styleLbl name="fgAccFollowNode1">
+    <dgm:scene3d>
+      <a:camera prst="orthographicFront"/>
+      <a:lightRig rig="threePt" dir="t"/>
+    </dgm:scene3d>
+    <dgm:sp3d/>
+    <dgm:txPr/>
+    <dgm:style>
+      <a:lnRef idx="2">
+        <a:scrgbClr r="0" g="0" b="0"/>
+      </a:lnRef>
+      <a:fillRef idx="1">
+        <a:scrgbClr r="0" g="0" b="0"/>
+      </a:fillRef>
+      <a:effectRef idx="0">
+        <a:scrgbClr r="0" g="0" b="0"/>
+      </a:effectRef>
+      <a:fontRef idx="minor"/>
+    </dgm:style>
+  </dgm:styleLbl>
+  <dgm:styleLbl name="alignAccFollowNode1">
+    <dgm:scene3d>
+      <a:camera prst="orthographicFront"/>
+      <a:lightRig rig="threePt" dir="t"/>
+    </dgm:scene3d>
+    <dgm:sp3d/>
+    <dgm:txPr/>
+    <dgm:style>
+      <a:lnRef idx="2">
+        <a:scrgbClr r="0" g="0" b="0"/>
+      </a:lnRef>
+      <a:fillRef idx="1">
+        <a:scrgbClr r="0" g="0" b="0"/>
+      </a:fillRef>
+      <a:effectRef idx="0">
+        <a:scrgbClr r="0" g="0" b="0"/>
+      </a:effectRef>
+      <a:fontRef idx="minor"/>
+    </dgm:style>
+  </dgm:styleLbl>
+  <dgm:styleLbl name="bgAccFollowNode1">
+    <dgm:scene3d>
+      <a:camera prst="orthographicFront"/>
+      <a:lightRig rig="threePt" dir="t"/>
+    </dgm:scene3d>
+    <dgm:sp3d/>
+    <dgm:txPr/>
+    <dgm:style>
+      <a:lnRef idx="2">
+        <a:scrgbClr r="0" g="0" b="0"/>
+      </a:lnRef>
+      <a:fillRef idx="1">
+        <a:scrgbClr r="0" g="0" b="0"/>
+      </a:fillRef>
+      <a:effectRef idx="0">
+        <a:scrgbClr r="0" g="0" b="0"/>
+      </a:effectRef>
+      <a:fontRef idx="minor"/>
+    </dgm:style>
+  </dgm:styleLbl>
+  <dgm:styleLbl name="fgAcc0">
+    <dgm:scene3d>
+      <a:camera prst="orthographicFront"/>
+      <a:lightRig rig="threePt" dir="t"/>
+    </dgm:scene3d>
+    <dgm:sp3d/>
+    <dgm:txPr/>
+    <dgm:style>
+      <a:lnRef idx="2">
+        <a:scrgbClr r="0" g="0" b="0"/>
+      </a:lnRef>
+      <a:fillRef idx="1">
+        <a:scrgbClr r="0" g="0" b="0"/>
+      </a:fillRef>
+      <a:effectRef idx="0">
+        <a:scrgbClr r="0" g="0" b="0"/>
+      </a:effectRef>
+      <a:fontRef idx="minor"/>
+    </dgm:style>
+  </dgm:styleLbl>
+  <dgm:styleLbl name="fgAcc2">
+    <dgm:scene3d>
+      <a:camera prst="orthographicFront"/>
+      <a:lightRig rig="threePt" dir="t"/>
+    </dgm:scene3d>
+    <dgm:sp3d/>
+    <dgm:txPr/>
+    <dgm:style>
+      <a:lnRef idx="2">
+        <a:scrgbClr r="0" g="0" b="0"/>
+      </a:lnRef>
+      <a:fillRef idx="1">
+        <a:scrgbClr r="0" g="0" b="0"/>
+      </a:fillRef>
+      <a:effectRef idx="0">
+        <a:scrgbClr r="0" g="0" b="0"/>
+      </a:effectRef>
+      <a:fontRef idx="minor"/>
+    </dgm:style>
+  </dgm:styleLbl>
+  <dgm:styleLbl name="fgAcc3">
+    <dgm:scene3d>
+      <a:camera prst="orthographicFront"/>
+      <a:lightRig rig="threePt" dir="t"/>
+    </dgm:scene3d>
+    <dgm:sp3d/>
+    <dgm:txPr/>
+    <dgm:style>
+      <a:lnRef idx="2">
+        <a:scrgbClr r="0" g="0" b="0"/>
+      </a:lnRef>
+      <a:fillRef idx="1">
+        <a:scrgbClr r="0" g="0" b="0"/>
+      </a:fillRef>
+      <a:effectRef idx="0">
+        <a:scrgbClr r="0" g="0" b="0"/>
+      </a:effectRef>
+      <a:fontRef idx="minor"/>
+    </dgm:style>
+  </dgm:styleLbl>
+  <dgm:styleLbl name="fgAcc4">
+    <dgm:scene3d>
+      <a:camera prst="orthographicFront"/>
+      <a:lightRig rig="threePt" dir="t"/>
+    </dgm:scene3d>
+    <dgm:sp3d/>
+    <dgm:txPr/>
+    <dgm:style>
+      <a:lnRef idx="2">
+        <a:scrgbClr r="0" g="0" b="0"/>
+      </a:lnRef>
+      <a:fillRef idx="1">
+        <a:scrgbClr r="0" g="0" b="0"/>
+      </a:fillRef>
+      <a:effectRef idx="0">
+        <a:scrgbClr r="0" g="0" b="0"/>
+      </a:effectRef>
+      <a:fontRef idx="minor"/>
+    </dgm:style>
+  </dgm:styleLbl>
+  <dgm:styleLbl name="bgShp">
+    <dgm:scene3d>
+      <a:camera prst="orthographicFront"/>
+      <a:lightRig rig="threePt" dir="t"/>
+    </dgm:scene3d>
+    <dgm:sp3d/>
+    <dgm:txPr/>
+    <dgm:style>
+      <a:lnRef idx="0">
+        <a:scrgbClr r="0" g="0" b="0"/>
+      </a:lnRef>
+      <a:fillRef idx="1">
+        <a:scrgbClr r="0" g="0" b="0"/>
+      </a:fillRef>
+      <a:effectRef idx="0">
+        <a:scrgbClr r="0" g="0" b="0"/>
+      </a:effectRef>
+      <a:fontRef idx="minor"/>
+    </dgm:style>
+  </dgm:styleLbl>
+  <dgm:styleLbl name="dkBgShp">
+    <dgm:scene3d>
+      <a:camera prst="orthographicFront"/>
+      <a:lightRig rig="threePt" dir="t"/>
+    </dgm:scene3d>
+    <dgm:sp3d/>
+    <dgm:txPr/>
+    <dgm:style>
+      <a:lnRef idx="0">
+        <a:scrgbClr r="0" g="0" b="0"/>
+      </a:lnRef>
+      <a:fillRef idx="1">
+        <a:scrgbClr r="0" g="0" b="0"/>
+      </a:fillRef>
+      <a:effectRef idx="0">
+        <a:scrgbClr r="0" g="0" b="0"/>
+      </a:effectRef>
+      <a:fontRef idx="minor"/>
+    </dgm:style>
+  </dgm:styleLbl>
+  <dgm:styleLbl name="trBgShp">
+    <dgm:scene3d>
+      <a:camera prst="orthographicFront"/>
+      <a:lightRig rig="threePt" dir="t"/>
+    </dgm:scene3d>
+    <dgm:sp3d/>
+    <dgm:txPr/>
+    <dgm:style>
+      <a:lnRef idx="0">
+        <a:scrgbClr r="0" g="0" b="0"/>
+      </a:lnRef>
+      <a:fillRef idx="1">
+        <a:scrgbClr r="0" g="0" b="0"/>
+      </a:fillRef>
+      <a:effectRef idx="0">
+        <a:scrgbClr r="0" g="0" b="0"/>
+      </a:effectRef>
+      <a:fontRef idx="minor"/>
+    </dgm:style>
+  </dgm:styleLbl>
+  <dgm:styleLbl name="fgShp">
+    <dgm:scene3d>
+      <a:camera prst="orthographicFront"/>
+      <a:lightRig rig="threePt" dir="t"/>
+    </dgm:scene3d>
+    <dgm:sp3d/>
+    <dgm:txPr/>
+    <dgm:style>
+      <a:lnRef idx="2">
+        <a:scrgbClr r="0" g="0" b="0"/>
+      </a:lnRef>
+      <a:fillRef idx="1">
+        <a:scrgbClr r="0" g="0" b="0"/>
+      </a:fillRef>
+      <a:effectRef idx="0">
+        <a:scrgbClr r="0" g="0" b="0"/>
+      </a:effectRef>
+      <a:fontRef idx="minor"/>
+    </dgm:style>
+  </dgm:styleLbl>
+  <dgm:styleLbl name="revTx">
+    <dgm:scene3d>
+      <a:camera prst="orthographicFront"/>
+      <a:lightRig rig="threePt" dir="t"/>
+    </dgm:scene3d>
+    <dgm:sp3d/>
+    <dgm:txPr/>
+    <dgm:style>
+      <a:lnRef idx="0">
+        <a:scrgbClr r="0" g="0" b="0"/>
+      </a:lnRef>
+      <a:fillRef idx="0">
+        <a:scrgbClr r="0" g="0" b="0"/>
+      </a:fillRef>
+      <a:effectRef idx="0">
+        <a:scrgbClr r="0" g="0" b="0"/>
+      </a:effectRef>
+      <a:fontRef idx="minor"/>
+    </dgm:style>
+  </dgm:styleLbl>
+</dgm:styleDef>
+</file>
+
+<file path=ppt/diagrams/quickStyle3.xml><?xml version="1.0" encoding="utf-8"?>
+<dgm:styleDef xmlns:dgm="http://schemas.openxmlformats.org/drawingml/2006/diagram" xmlns:a="http://schemas.openxmlformats.org/drawingml/2006/main" uniqueId="urn:microsoft.com/office/officeart/2005/8/quickstyle/simple1">
+  <dgm:title val=""/>
+  <dgm:desc val=""/>
+  <dgm:catLst>
+    <dgm:cat type="simple" pri="10100"/>
+  </dgm:catLst>
+  <dgm:scene3d>
+    <a:camera prst="orthographicFront"/>
+    <a:lightRig rig="threePt" dir="t"/>
+  </dgm:scene3d>
+  <dgm:styleLbl name="node0">
+    <dgm:scene3d>
+      <a:camera prst="orthographicFront"/>
+      <a:lightRig rig="threePt" dir="t"/>
+    </dgm:scene3d>
+    <dgm:sp3d/>
+    <dgm:txPr/>
+    <dgm:style>
+      <a:lnRef idx="2">
+        <a:scrgbClr r="0" g="0" b="0"/>
+      </a:lnRef>
+      <a:fillRef idx="1">
+        <a:scrgbClr r="0" g="0" b="0"/>
+      </a:fillRef>
+      <a:effectRef idx="0">
+        <a:scrgbClr r="0" g="0" b="0"/>
+      </a:effectRef>
+      <a:fontRef idx="minor">
+        <a:schemeClr val="lt1"/>
+      </a:fontRef>
+    </dgm:style>
+  </dgm:styleLbl>
+  <dgm:styleLbl name="lnNode1">
+    <dgm:scene3d>
+      <a:camera prst="orthographicFront"/>
+      <a:lightRig rig="threePt" dir="t"/>
+    </dgm:scene3d>
+    <dgm:sp3d/>
+    <dgm:txPr/>
+    <dgm:style>
+      <a:lnRef idx="2">
+        <a:scrgbClr r="0" g="0" b="0"/>
+      </a:lnRef>
+      <a:fillRef idx="1">
+        <a:scrgbClr r="0" g="0" b="0"/>
+      </a:fillRef>
+      <a:effectRef idx="0">
+        <a:scrgbClr r="0" g="0" b="0"/>
+      </a:effectRef>
+      <a:fontRef idx="minor">
+        <a:schemeClr val="lt1"/>
+      </a:fontRef>
+    </dgm:style>
+  </dgm:styleLbl>
+  <dgm:styleLbl name="vennNode1">
+    <dgm:scene3d>
+      <a:camera prst="orthographicFront"/>
+      <a:lightRig rig="threePt" dir="t"/>
+    </dgm:scene3d>
+    <dgm:sp3d/>
+    <dgm:txPr/>
+    <dgm:style>
+      <a:lnRef idx="2">
+        <a:scrgbClr r="0" g="0" b="0"/>
+      </a:lnRef>
+      <a:fillRef idx="1">
+        <a:scrgbClr r="0" g="0" b="0"/>
+      </a:fillRef>
+      <a:effectRef idx="0">
+        <a:scrgbClr r="0" g="0" b="0"/>
+      </a:effectRef>
+      <a:fontRef idx="minor">
+        <a:schemeClr val="tx1"/>
+      </a:fontRef>
+    </dgm:style>
+  </dgm:styleLbl>
+  <dgm:styleLbl name="alignNode1">
+    <dgm:scene3d>
+      <a:camera prst="orthographicFront"/>
+      <a:lightRig rig="threePt" dir="t"/>
+    </dgm:scene3d>
+    <dgm:sp3d/>
+    <dgm:txPr/>
+    <dgm:style>
+      <a:lnRef idx="2">
+        <a:scrgbClr r="0" g="0" b="0"/>
+      </a:lnRef>
+      <a:fillRef idx="1">
+        <a:scrgbClr r="0" g="0" b="0"/>
+      </a:fillRef>
+      <a:effectRef idx="0">
+        <a:scrgbClr r="0" g="0" b="0"/>
+      </a:effectRef>
+      <a:fontRef idx="minor">
+        <a:schemeClr val="lt1"/>
+      </a:fontRef>
+    </dgm:style>
+  </dgm:styleLbl>
+  <dgm:styleLbl name="node1">
+    <dgm:scene3d>
+      <a:camera prst="orthographicFront"/>
+      <a:lightRig rig="threePt" dir="t"/>
+    </dgm:scene3d>
+    <dgm:sp3d/>
+    <dgm:txPr/>
+    <dgm:style>
+      <a:lnRef idx="2">
+        <a:scrgbClr r="0" g="0" b="0"/>
+      </a:lnRef>
+      <a:fillRef idx="1">
+        <a:scrgbClr r="0" g="0" b="0"/>
+      </a:fillRef>
+      <a:effectRef idx="0">
+        <a:scrgbClr r="0" g="0" b="0"/>
+      </a:effectRef>
+      <a:fontRef idx="minor">
+        <a:schemeClr val="lt1"/>
+      </a:fontRef>
+    </dgm:style>
+  </dgm:styleLbl>
+  <dgm:styleLbl name="node2">
+    <dgm:scene3d>
+      <a:camera prst="orthographicFront"/>
+      <a:lightRig rig="threePt" dir="t"/>
+    </dgm:scene3d>
+    <dgm:sp3d/>
+    <dgm:txPr/>
+    <dgm:style>
+      <a:lnRef idx="2">
+        <a:scrgbClr r="0" g="0" b="0"/>
+      </a:lnRef>
+      <a:fillRef idx="1">
+        <a:scrgbClr r="0" g="0" b="0"/>
+      </a:fillRef>
+      <a:effectRef idx="0">
+        <a:scrgbClr r="0" g="0" b="0"/>
+      </a:effectRef>
+      <a:fontRef idx="minor">
+        <a:schemeClr val="lt1"/>
+      </a:fontRef>
+    </dgm:style>
+  </dgm:styleLbl>
+  <dgm:styleLbl name="node3">
+    <dgm:scene3d>
+      <a:camera prst="orthographicFront"/>
+      <a:lightRig rig="threePt" dir="t"/>
+    </dgm:scene3d>
+    <dgm:sp3d/>
+    <dgm:txPr/>
+    <dgm:style>
+      <a:lnRef idx="2">
+        <a:scrgbClr r="0" g="0" b="0"/>
+      </a:lnRef>
+      <a:fillRef idx="1">
+        <a:scrgbClr r="0" g="0" b="0"/>
+      </a:fillRef>
+      <a:effectRef idx="0">
+        <a:scrgbClr r="0" g="0" b="0"/>
+      </a:effectRef>
+      <a:fontRef idx="minor">
+        <a:schemeClr val="lt1"/>
+      </a:fontRef>
+    </dgm:style>
+  </dgm:styleLbl>
+  <dgm:styleLbl name="node4">
+    <dgm:scene3d>
+      <a:camera prst="orthographicFront"/>
+      <a:lightRig rig="threePt" dir="t"/>
+    </dgm:scene3d>
+    <dgm:sp3d/>
+    <dgm:txPr/>
+    <dgm:style>
+      <a:lnRef idx="2">
+        <a:scrgbClr r="0" g="0" b="0"/>
+      </a:lnRef>
+      <a:fillRef idx="1">
+        <a:scrgbClr r="0" g="0" b="0"/>
+      </a:fillRef>
+      <a:effectRef idx="0">
+        <a:scrgbClr r="0" g="0" b="0"/>
+      </a:effectRef>
+      <a:fontRef idx="minor">
+        <a:schemeClr val="lt1"/>
+      </a:fontRef>
+    </dgm:style>
+  </dgm:styleLbl>
+  <dgm:styleLbl name="fgImgPlace1">
+    <dgm:scene3d>
+      <a:camera prst="orthographicFront"/>
+      <a:lightRig rig="threePt" dir="t"/>
+    </dgm:scene3d>
+    <dgm:sp3d/>
+    <dgm:txPr/>
+    <dgm:style>
+      <a:lnRef idx="2">
+        <a:scrgbClr r="0" g="0" b="0"/>
+      </a:lnRef>
+      <a:fillRef idx="1">
+        <a:scrgbClr r="0" g="0" b="0"/>
+      </a:fillRef>
+      <a:effectRef idx="0">
+        <a:scrgbClr r="0" g="0" b="0"/>
+      </a:effectRef>
+      <a:fontRef idx="minor"/>
+    </dgm:style>
+  </dgm:styleLbl>
+  <dgm:styleLbl name="alignImgPlace1">
+    <dgm:scene3d>
+      <a:camera prst="orthographicFront"/>
+      <a:lightRig rig="threePt" dir="t"/>
+    </dgm:scene3d>
+    <dgm:sp3d/>
+    <dgm:txPr/>
+    <dgm:style>
+      <a:lnRef idx="2">
+        <a:scrgbClr r="0" g="0" b="0"/>
+      </a:lnRef>
+      <a:fillRef idx="1">
+        <a:scrgbClr r="0" g="0" b="0"/>
+      </a:fillRef>
+      <a:effectRef idx="0">
+        <a:scrgbClr r="0" g="0" b="0"/>
+      </a:effectRef>
+      <a:fontRef idx="minor"/>
+    </dgm:style>
+  </dgm:styleLbl>
+  <dgm:styleLbl name="bgImgPlace1">
+    <dgm:scene3d>
+      <a:camera prst="orthographicFront"/>
+      <a:lightRig rig="threePt" dir="t"/>
+    </dgm:scene3d>
+    <dgm:sp3d/>
+    <dgm:txPr/>
+    <dgm:style>
+      <a:lnRef idx="2">
+        <a:scrgbClr r="0" g="0" b="0"/>
+      </a:lnRef>
+      <a:fillRef idx="1">
+        <a:scrgbClr r="0" g="0" b="0"/>
+      </a:fillRef>
+      <a:effectRef idx="0">
+        <a:scrgbClr r="0" g="0" b="0"/>
+      </a:effectRef>
+      <a:fontRef idx="minor"/>
+    </dgm:style>
+  </dgm:styleLbl>
+  <dgm:styleLbl name="sibTrans2D1">
+    <dgm:scene3d>
+      <a:camera prst="orthographicFront"/>
+      <a:lightRig rig="threePt" dir="t"/>
+    </dgm:scene3d>
+    <dgm:sp3d/>
+    <dgm:txPr/>
+    <dgm:style>
+      <a:lnRef idx="0">
+        <a:scrgbClr r="0" g="0" b="0"/>
+      </a:lnRef>
+      <a:fillRef idx="1">
+        <a:scrgbClr r="0" g="0" b="0"/>
+      </a:fillRef>
+      <a:effectRef idx="0">
+        <a:scrgbClr r="0" g="0" b="0"/>
+      </a:effectRef>
+      <a:fontRef idx="minor">
+        <a:schemeClr val="lt1"/>
+      </a:fontRef>
+    </dgm:style>
+  </dgm:styleLbl>
+  <dgm:styleLbl name="fgSibTrans2D1">
+    <dgm:scene3d>
+      <a:camera prst="orthographicFront"/>
+      <a:lightRig rig="threePt" dir="t"/>
+    </dgm:scene3d>
+    <dgm:sp3d/>
+    <dgm:txPr/>
+    <dgm:style>
+      <a:lnRef idx="0">
+        <a:scrgbClr r="0" g="0" b="0"/>
+      </a:lnRef>
+      <a:fillRef idx="1">
+        <a:scrgbClr r="0" g="0" b="0"/>
+      </a:fillRef>
+      <a:effectRef idx="0">
+        <a:scrgbClr r="0" g="0" b="0"/>
+      </a:effectRef>
+      <a:fontRef idx="minor">
+        <a:schemeClr val="lt1"/>
+      </a:fontRef>
+    </dgm:style>
+  </dgm:styleLbl>
+  <dgm:styleLbl name="bgSibTrans2D1">
+    <dgm:scene3d>
+      <a:camera prst="orthographicFront"/>
+      <a:lightRig rig="threePt" dir="t"/>
+    </dgm:scene3d>
+    <dgm:sp3d/>
+    <dgm:txPr/>
+    <dgm:style>
+      <a:lnRef idx="0">
+        <a:scrgbClr r="0" g="0" b="0"/>
+      </a:lnRef>
+      <a:fillRef idx="1">
+        <a:scrgbClr r="0" g="0" b="0"/>
+      </a:fillRef>
+      <a:effectRef idx="0">
+        <a:scrgbClr r="0" g="0" b="0"/>
+      </a:effectRef>
+      <a:fontRef idx="minor">
+        <a:schemeClr val="lt1"/>
+      </a:fontRef>
+    </dgm:style>
+  </dgm:styleLbl>
+  <dgm:styleLbl name="sibTrans1D1">
+    <dgm:scene3d>
+      <a:camera prst="orthographicFront"/>
+      <a:lightRig rig="threePt" dir="t"/>
+    </dgm:scene3d>
+    <dgm:sp3d/>
+    <dgm:txPr/>
+    <dgm:style>
+      <a:lnRef idx="1">
+        <a:scrgbClr r="0" g="0" b="0"/>
+      </a:lnRef>
+      <a:fillRef idx="0">
+        <a:scrgbClr r="0" g="0" b="0"/>
+      </a:fillRef>
+      <a:effectRef idx="0">
+        <a:scrgbClr r="0" g="0" b="0"/>
+      </a:effectRef>
+      <a:fontRef idx="minor"/>
+    </dgm:style>
+  </dgm:styleLbl>
+  <dgm:styleLbl name="callout">
+    <dgm:scene3d>
+      <a:camera prst="orthographicFront"/>
+      <a:lightRig rig="threePt" dir="t"/>
+    </dgm:scene3d>
+    <dgm:sp3d/>
+    <dgm:txPr/>
+    <dgm:style>
+      <a:lnRef idx="2">
+        <a:scrgbClr r="0" g="0" b="0"/>
+      </a:lnRef>
+      <a:fillRef idx="1">
+        <a:scrgbClr r="0" g="0" b="0"/>
+      </a:fillRef>
+      <a:effectRef idx="0">
+        <a:scrgbClr r="0" g="0" b="0"/>
+      </a:effectRef>
+      <a:fontRef idx="minor"/>
+    </dgm:style>
+  </dgm:styleLbl>
+  <dgm:styleLbl name="asst0">
+    <dgm:scene3d>
+      <a:camera prst="orthographicFront"/>
+      <a:lightRig rig="threePt" dir="t"/>
+    </dgm:scene3d>
+    <dgm:sp3d/>
+    <dgm:txPr/>
+    <dgm:style>
+      <a:lnRef idx="2">
+        <a:scrgbClr r="0" g="0" b="0"/>
+      </a:lnRef>
+      <a:fillRef idx="1">
+        <a:scrgbClr r="0" g="0" b="0"/>
+      </a:fillRef>
+      <a:effectRef idx="0">
+        <a:scrgbClr r="0" g="0" b="0"/>
+      </a:effectRef>
+      <a:fontRef idx="minor">
+        <a:schemeClr val="lt1"/>
+      </a:fontRef>
+    </dgm:style>
+  </dgm:styleLbl>
+  <dgm:styleLbl name="asst1">
+    <dgm:scene3d>
+      <a:camera prst="orthographicFront"/>
+      <a:lightRig rig="threePt" dir="t"/>
+    </dgm:scene3d>
+    <dgm:sp3d/>
+    <dgm:txPr/>
+    <dgm:style>
+      <a:lnRef idx="2">
+        <a:scrgbClr r="0" g="0" b="0"/>
+      </a:lnRef>
+      <a:fillRef idx="1">
+        <a:scrgbClr r="0" g="0" b="0"/>
+      </a:fillRef>
+      <a:effectRef idx="0">
+        <a:scrgbClr r="0" g="0" b="0"/>
+      </a:effectRef>
+      <a:fontRef idx="minor">
+        <a:schemeClr val="lt1"/>
+      </a:fontRef>
+    </dgm:style>
+  </dgm:styleLbl>
+  <dgm:styleLbl name="asst2">
+    <dgm:scene3d>
+      <a:camera prst="orthographicFront"/>
+      <a:lightRig rig="threePt" dir="t"/>
+    </dgm:scene3d>
+    <dgm:sp3d/>
+    <dgm:txPr/>
+    <dgm:style>
+      <a:lnRef idx="2">
+        <a:scrgbClr r="0" g="0" b="0"/>
+      </a:lnRef>
+      <a:fillRef idx="1">
+        <a:scrgbClr r="0" g="0" b="0"/>
+      </a:fillRef>
+      <a:effectRef idx="0">
+        <a:scrgbClr r="0" g="0" b="0"/>
+      </a:effectRef>
+      <a:fontRef idx="minor">
+        <a:schemeClr val="lt1"/>
+      </a:fontRef>
+    </dgm:style>
+  </dgm:styleLbl>
+  <dgm:styleLbl name="asst3">
+    <dgm:scene3d>
+      <a:camera prst="orthographicFront"/>
+      <a:lightRig rig="threePt" dir="t"/>
+    </dgm:scene3d>
+    <dgm:sp3d/>
+    <dgm:txPr/>
+    <dgm:style>
+      <a:lnRef idx="2">
+        <a:scrgbClr r="0" g="0" b="0"/>
+      </a:lnRef>
+      <a:fillRef idx="1">
+        <a:scrgbClr r="0" g="0" b="0"/>
+      </a:fillRef>
+      <a:effectRef idx="0">
+        <a:scrgbClr r="0" g="0" b="0"/>
+      </a:effectRef>
+      <a:fontRef idx="minor">
+        <a:schemeClr val="lt1"/>
+      </a:fontRef>
+    </dgm:style>
+  </dgm:styleLbl>
+  <dgm:styleLbl name="asst4">
+    <dgm:scene3d>
+      <a:camera prst="orthographicFront"/>
+      <a:lightRig rig="threePt" dir="t"/>
+    </dgm:scene3d>
+    <dgm:sp3d/>
+    <dgm:txPr/>
+    <dgm:style>
+      <a:lnRef idx="2">
+        <a:scrgbClr r="0" g="0" b="0"/>
+      </a:lnRef>
+      <a:fillRef idx="1">
+        <a:scrgbClr r="0" g="0" b="0"/>
+      </a:fillRef>
+      <a:effectRef idx="0">
+        <a:scrgbClr r="0" g="0" b="0"/>
+      </a:effectRef>
+      <a:fontRef idx="minor">
+        <a:schemeClr val="lt1"/>
+      </a:fontRef>
+    </dgm:style>
+  </dgm:styleLbl>
+  <dgm:styleLbl name="parChTrans2D1">
+    <dgm:scene3d>
+      <a:camera prst="orthographicFront"/>
+      <a:lightRig rig="threePt" dir="t"/>
+    </dgm:scene3d>
+    <dgm:sp3d/>
+    <dgm:txPr/>
+    <dgm:style>
+      <a:lnRef idx="2">
+        <a:scrgbClr r="0" g="0" b="0"/>
+      </a:lnRef>
+      <a:fillRef idx="1">
+        <a:scrgbClr r="0" g="0" b="0"/>
+      </a:fillRef>
+      <a:effectRef idx="0">
+        <a:scrgbClr r="0" g="0" b="0"/>
+      </a:effectRef>
+      <a:fontRef idx="minor">
+        <a:schemeClr val="lt1"/>
+      </a:fontRef>
+    </dgm:style>
+  </dgm:styleLbl>
+  <dgm:styleLbl name="parChTrans2D2">
+    <dgm:scene3d>
+      <a:camera prst="orthographicFront"/>
+      <a:lightRig rig="threePt" dir="t"/>
+    </dgm:scene3d>
+    <dgm:sp3d/>
+    <dgm:txPr/>
+    <dgm:style>
+      <a:lnRef idx="2">
+        <a:scrgbClr r="0" g="0" b="0"/>
+      </a:lnRef>
+      <a:fillRef idx="1">
+        <a:scrgbClr r="0" g="0" b="0"/>
+      </a:fillRef>
+      <a:effectRef idx="0">
+        <a:scrgbClr r="0" g="0" b="0"/>
+      </a:effectRef>
+      <a:fontRef idx="minor">
+        <a:schemeClr val="lt1"/>
+      </a:fontRef>
+    </dgm:style>
+  </dgm:styleLbl>
+  <dgm:styleLbl name="parChTrans2D3">
+    <dgm:scene3d>
+      <a:camera prst="orthographicFront"/>
+      <a:lightRig rig="threePt" dir="t"/>
+    </dgm:scene3d>
+    <dgm:sp3d/>
+    <dgm:txPr/>
+    <dgm:style>
+      <a:lnRef idx="2">
+        <a:scrgbClr r="0" g="0" b="0"/>
+      </a:lnRef>
+      <a:fillRef idx="1">
+        <a:scrgbClr r="0" g="0" b="0"/>
+      </a:fillRef>
+      <a:effectRef idx="0">
+        <a:scrgbClr r="0" g="0" b="0"/>
+      </a:effectRef>
+      <a:fontRef idx="minor">
+        <a:schemeClr val="lt1"/>
+      </a:fontRef>
+    </dgm:style>
+  </dgm:styleLbl>
+  <dgm:styleLbl name="parChTrans2D4">
+    <dgm:scene3d>
+      <a:camera prst="orthographicFront"/>
+      <a:lightRig rig="threePt" dir="t"/>
+    </dgm:scene3d>
+    <dgm:sp3d/>
+    <dgm:txPr/>
+    <dgm:style>
+      <a:lnRef idx="2">
+        <a:scrgbClr r="0" g="0" b="0"/>
+      </a:lnRef>
+      <a:fillRef idx="1">
+        <a:scrgbClr r="0" g="0" b="0"/>
+      </a:fillRef>
+      <a:effectRef idx="0">
+        <a:scrgbClr r="0" g="0" b="0"/>
+      </a:effectRef>
+      <a:fontRef idx="minor">
+        <a:schemeClr val="lt1"/>
+      </a:fontRef>
+    </dgm:style>
+  </dgm:styleLbl>
+  <dgm:styleLbl name="parChTrans1D1">
+    <dgm:scene3d>
+      <a:camera prst="orthographicFront"/>
+      <a:lightRig rig="threePt" dir="t"/>
+    </dgm:scene3d>
+    <dgm:sp3d/>
+    <dgm:txPr/>
+    <dgm:style>
+      <a:lnRef idx="2">
+        <a:scrgbClr r="0" g="0" b="0"/>
+      </a:lnRef>
+      <a:fillRef idx="0">
+        <a:scrgbClr r="0" g="0" b="0"/>
+      </a:fillRef>
+      <a:effectRef idx="0">
+        <a:scrgbClr r="0" g="0" b="0"/>
+      </a:effectRef>
+      <a:fontRef idx="minor"/>
+    </dgm:style>
+  </dgm:styleLbl>
+  <dgm:styleLbl name="parChTrans1D2">
+    <dgm:scene3d>
+      <a:camera prst="orthographicFront"/>
+      <a:lightRig rig="threePt" dir="t"/>
+    </dgm:scene3d>
+    <dgm:sp3d/>
+    <dgm:txPr/>
+    <dgm:style>
+      <a:lnRef idx="2">
+        <a:scrgbClr r="0" g="0" b="0"/>
+      </a:lnRef>
+      <a:fillRef idx="0">
+        <a:scrgbClr r="0" g="0" b="0"/>
+      </a:fillRef>
+      <a:effectRef idx="0">
+        <a:scrgbClr r="0" g="0" b="0"/>
+      </a:effectRef>
+      <a:fontRef idx="minor"/>
+    </dgm:style>
+  </dgm:styleLbl>
+  <dgm:styleLbl name="parChTrans1D3">
+    <dgm:scene3d>
+      <a:camera prst="orthographicFront"/>
+      <a:lightRig rig="threePt" dir="t"/>
+    </dgm:scene3d>
+    <dgm:sp3d/>
+    <dgm:txPr/>
+    <dgm:style>
+      <a:lnRef idx="2">
+        <a:scrgbClr r="0" g="0" b="0"/>
+      </a:lnRef>
+      <a:fillRef idx="0">
+        <a:scrgbClr r="0" g="0" b="0"/>
+      </a:fillRef>
+      <a:effectRef idx="0">
+        <a:scrgbClr r="0" g="0" b="0"/>
+      </a:effectRef>
+      <a:fontRef idx="minor"/>
+    </dgm:style>
+  </dgm:styleLbl>
+  <dgm:styleLbl name="parChTrans1D4">
+    <dgm:scene3d>
+      <a:camera prst="orthographicFront"/>
+      <a:lightRig rig="threePt" dir="t"/>
+    </dgm:scene3d>
+    <dgm:sp3d/>
+    <dgm:txPr/>
+    <dgm:style>
+      <a:lnRef idx="2">
+        <a:scrgbClr r="0" g="0" b="0"/>
+      </a:lnRef>
+      <a:fillRef idx="0">
+        <a:scrgbClr r="0" g="0" b="0"/>
+      </a:fillRef>
+      <a:effectRef idx="0">
+        <a:scrgbClr r="0" g="0" b="0"/>
+      </a:effectRef>
+      <a:fontRef idx="minor"/>
+    </dgm:style>
+  </dgm:styleLbl>
+  <dgm:styleLbl name="fgAcc1">
+    <dgm:scene3d>
+      <a:camera prst="orthographicFront"/>
+      <a:lightRig rig="threePt" dir="t"/>
+    </dgm:scene3d>
+    <dgm:sp3d/>
+    <dgm:txPr/>
+    <dgm:style>
+      <a:lnRef idx="2">
+        <a:scrgbClr r="0" g="0" b="0"/>
+      </a:lnRef>
+      <a:fillRef idx="1">
+        <a:scrgbClr r="0" g="0" b="0"/>
+      </a:fillRef>
+      <a:effectRef idx="0">
+        <a:scrgbClr r="0" g="0" b="0"/>
+      </a:effectRef>
+      <a:fontRef idx="minor"/>
+    </dgm:style>
+  </dgm:styleLbl>
+  <dgm:styleLbl name="conFgAcc1">
+    <dgm:scene3d>
+      <a:camera prst="orthographicFront"/>
+      <a:lightRig rig="threePt" dir="t"/>
+    </dgm:scene3d>
+    <dgm:sp3d/>
+    <dgm:txPr/>
+    <dgm:style>
+      <a:lnRef idx="2">
+        <a:scrgbClr r="0" g="0" b="0"/>
+      </a:lnRef>
+      <a:fillRef idx="1">
+        <a:scrgbClr r="0" g="0" b="0"/>
+      </a:fillRef>
+      <a:effectRef idx="0">
+        <a:scrgbClr r="0" g="0" b="0"/>
+      </a:effectRef>
+      <a:fontRef idx="minor"/>
+    </dgm:style>
+  </dgm:styleLbl>
+  <dgm:styleLbl name="alignAcc1">
+    <dgm:scene3d>
+      <a:camera prst="orthographicFront"/>
+      <a:lightRig rig="threePt" dir="t"/>
+    </dgm:scene3d>
+    <dgm:sp3d/>
+    <dgm:txPr/>
+    <dgm:style>
+      <a:lnRef idx="2">
+        <a:scrgbClr r="0" g="0" b="0"/>
+      </a:lnRef>
+      <a:fillRef idx="1">
+        <a:scrgbClr r="0" g="0" b="0"/>
+      </a:fillRef>
+      <a:effectRef idx="0">
+        <a:scrgbClr r="0" g="0" b="0"/>
+      </a:effectRef>
+      <a:fontRef idx="minor"/>
+    </dgm:style>
+  </dgm:styleLbl>
+  <dgm:styleLbl name="trAlignAcc1">
+    <dgm:scene3d>
+      <a:camera prst="orthographicFront"/>
+      <a:lightRig rig="threePt" dir="t"/>
+    </dgm:scene3d>
+    <dgm:sp3d/>
+    <dgm:txPr/>
+    <dgm:style>
+      <a:lnRef idx="1">
+        <a:scrgbClr r="0" g="0" b="0"/>
+      </a:lnRef>
+      <a:fillRef idx="1">
+        <a:scrgbClr r="0" g="0" b="0"/>
+      </a:fillRef>
+      <a:effectRef idx="0">
+        <a:scrgbClr r="0" g="0" b="0"/>
+      </a:effectRef>
+      <a:fontRef idx="minor"/>
+    </dgm:style>
+  </dgm:styleLbl>
+  <dgm:styleLbl name="bgAcc1">
+    <dgm:scene3d>
+      <a:camera prst="orthographicFront"/>
+      <a:lightRig rig="threePt" dir="t"/>
+    </dgm:scene3d>
+    <dgm:sp3d/>
+    <dgm:txPr/>
+    <dgm:style>
+      <a:lnRef idx="2">
+        <a:scrgbClr r="0" g="0" b="0"/>
+      </a:lnRef>
+      <a:fillRef idx="1">
+        <a:scrgbClr r="0" g="0" b="0"/>
+      </a:fillRef>
+      <a:effectRef idx="0">
+        <a:scrgbClr r="0" g="0" b="0"/>
+      </a:effectRef>
+      <a:fontRef idx="minor"/>
+    </dgm:style>
+  </dgm:styleLbl>
+  <dgm:styleLbl name="solidFgAcc1">
+    <dgm:scene3d>
+      <a:camera prst="orthographicFront"/>
+      <a:lightRig rig="threePt" dir="t"/>
+    </dgm:scene3d>
+    <dgm:sp3d/>
+    <dgm:txPr/>
+    <dgm:style>
+      <a:lnRef idx="2">
+        <a:scrgbClr r="0" g="0" b="0"/>
+      </a:lnRef>
+      <a:fillRef idx="1">
+        <a:scrgbClr r="0" g="0" b="0"/>
+      </a:fillRef>
+      <a:effectRef idx="0">
+        <a:scrgbClr r="0" g="0" b="0"/>
+      </a:effectRef>
+      <a:fontRef idx="minor"/>
+    </dgm:style>
+  </dgm:styleLbl>
+  <dgm:styleLbl name="solidAlignAcc1">
+    <dgm:scene3d>
+      <a:camera prst="orthographicFront"/>
+      <a:lightRig rig="threePt" dir="t"/>
+    </dgm:scene3d>
+    <dgm:sp3d/>
+    <dgm:txPr/>
+    <dgm:style>
+      <a:lnRef idx="2">
+        <a:scrgbClr r="0" g="0" b="0"/>
+      </a:lnRef>
+      <a:fillRef idx="1">
+        <a:scrgbClr r="0" g="0" b="0"/>
+      </a:fillRef>
+      <a:effectRef idx="0">
+        <a:scrgbClr r="0" g="0" b="0"/>
+      </a:effectRef>
+      <a:fontRef idx="minor"/>
+    </dgm:style>
+  </dgm:styleLbl>
+  <dgm:styleLbl name="solidBgAcc1">
+    <dgm:scene3d>
+      <a:camera prst="orthographicFront"/>
+      <a:lightRig rig="threePt" dir="t"/>
+    </dgm:scene3d>
+    <dgm:sp3d/>
+    <dgm:txPr/>
+    <dgm:style>
+      <a:lnRef idx="2">
+        <a:scrgbClr r="0" g="0" b="0"/>
+      </a:lnRef>
+      <a:fillRef idx="1">
+        <a:scrgbClr r="0" g="0" b="0"/>
+      </a:fillRef>
+      <a:effectRef idx="0">
+        <a:scrgbClr r="0" g="0" b="0"/>
+      </a:effectRef>
+      <a:fontRef idx="minor"/>
+    </dgm:style>
+  </dgm:styleLbl>
+  <dgm:styleLbl name="fgAccFollowNode1">
+    <dgm:scene3d>
+      <a:camera prst="orthographicFront"/>
+      <a:lightRig rig="threePt" dir="t"/>
+    </dgm:scene3d>
+    <dgm:sp3d/>
+    <dgm:txPr/>
+    <dgm:style>
+      <a:lnRef idx="2">
+        <a:scrgbClr r="0" g="0" b="0"/>
+      </a:lnRef>
+      <a:fillRef idx="1">
+        <a:scrgbClr r="0" g="0" b="0"/>
+      </a:fillRef>
+      <a:effectRef idx="0">
+        <a:scrgbClr r="0" g="0" b="0"/>
+      </a:effectRef>
+      <a:fontRef idx="minor"/>
+    </dgm:style>
+  </dgm:styleLbl>
+  <dgm:styleLbl name="alignAccFollowNode1">
+    <dgm:scene3d>
+      <a:camera prst="orthographicFront"/>
+      <a:lightRig rig="threePt" dir="t"/>
+    </dgm:scene3d>
+    <dgm:sp3d/>
+    <dgm:txPr/>
+    <dgm:style>
+      <a:lnRef idx="2">
+        <a:scrgbClr r="0" g="0" b="0"/>
+      </a:lnRef>
+      <a:fillRef idx="1">
+        <a:scrgbClr r="0" g="0" b="0"/>
+      </a:fillRef>
+      <a:effectRef idx="0">
+        <a:scrgbClr r="0" g="0" b="0"/>
+      </a:effectRef>
+      <a:fontRef idx="minor"/>
+    </dgm:style>
+  </dgm:styleLbl>
+  <dgm:styleLbl name="bgAccFollowNode1">
+    <dgm:scene3d>
+      <a:camera prst="orthographicFront"/>
+      <a:lightRig rig="threePt" dir="t"/>
+    </dgm:scene3d>
+    <dgm:sp3d/>
+    <dgm:txPr/>
+    <dgm:style>
+      <a:lnRef idx="2">
+        <a:scrgbClr r="0" g="0" b="0"/>
+      </a:lnRef>
+      <a:fillRef idx="1">
+        <a:scrgbClr r="0" g="0" b="0"/>
+      </a:fillRef>
+      <a:effectRef idx="0">
+        <a:scrgbClr r="0" g="0" b="0"/>
+      </a:effectRef>
+      <a:fontRef idx="minor"/>
+    </dgm:style>
+  </dgm:styleLbl>
+  <dgm:styleLbl name="fgAcc0">
+    <dgm:scene3d>
+      <a:camera prst="orthographicFront"/>
+      <a:lightRig rig="threePt" dir="t"/>
+    </dgm:scene3d>
+    <dgm:sp3d/>
+    <dgm:txPr/>
+    <dgm:style>
+      <a:lnRef idx="2">
+        <a:scrgbClr r="0" g="0" b="0"/>
+      </a:lnRef>
+      <a:fillRef idx="1">
+        <a:scrgbClr r="0" g="0" b="0"/>
+      </a:fillRef>
+      <a:effectRef idx="0">
+        <a:scrgbClr r="0" g="0" b="0"/>
+      </a:effectRef>
+      <a:fontRef idx="minor"/>
+    </dgm:style>
+  </dgm:styleLbl>
+  <dgm:styleLbl name="fgAcc2">
+    <dgm:scene3d>
+      <a:camera prst="orthographicFront"/>
+      <a:lightRig rig="threePt" dir="t"/>
+    </dgm:scene3d>
+    <dgm:sp3d/>
+    <dgm:txPr/>
+    <dgm:style>
+      <a:lnRef idx="2">
+        <a:scrgbClr r="0" g="0" b="0"/>
+      </a:lnRef>
+      <a:fillRef idx="1">
+        <a:scrgbClr r="0" g="0" b="0"/>
+      </a:fillRef>
+      <a:effectRef idx="0">
+        <a:scrgbClr r="0" g="0" b="0"/>
+      </a:effectRef>
+      <a:fontRef idx="minor"/>
+    </dgm:style>
+  </dgm:styleLbl>
+  <dgm:styleLbl name="fgAcc3">
+    <dgm:scene3d>
+      <a:camera prst="orthographicFront"/>
+      <a:lightRig rig="threePt" dir="t"/>
+    </dgm:scene3d>
+    <dgm:sp3d/>
+    <dgm:txPr/>
+    <dgm:style>
+      <a:lnRef idx="2">
+        <a:scrgbClr r="0" g="0" b="0"/>
+      </a:lnRef>
+      <a:fillRef idx="1">
+        <a:scrgbClr r="0" g="0" b="0"/>
+      </a:fillRef>
+      <a:effectRef idx="0">
+        <a:scrgbClr r="0" g="0" b="0"/>
+      </a:effectRef>
+      <a:fontRef idx="minor"/>
+    </dgm:style>
+  </dgm:styleLbl>
+  <dgm:styleLbl name="fgAcc4">
+    <dgm:scene3d>
+      <a:camera prst="orthographicFront"/>
+      <a:lightRig rig="threePt" dir="t"/>
+    </dgm:scene3d>
+    <dgm:sp3d/>
+    <dgm:txPr/>
+    <dgm:style>
+      <a:lnRef idx="2">
+        <a:scrgbClr r="0" g="0" b="0"/>
+      </a:lnRef>
+      <a:fillRef idx="1">
+        <a:scrgbClr r="0" g="0" b="0"/>
+      </a:fillRef>
+      <a:effectRef idx="0">
+        <a:scrgbClr r="0" g="0" b="0"/>
+      </a:effectRef>
+      <a:fontRef idx="minor"/>
+    </dgm:style>
+  </dgm:styleLbl>
+  <dgm:styleLbl name="bgShp">
+    <dgm:scene3d>
+      <a:camera prst="orthographicFront"/>
+      <a:lightRig rig="threePt" dir="t"/>
+    </dgm:scene3d>
+    <dgm:sp3d/>
+    <dgm:txPr/>
+    <dgm:style>
+      <a:lnRef idx="0">
+        <a:scrgbClr r="0" g="0" b="0"/>
+      </a:lnRef>
+      <a:fillRef idx="1">
+        <a:scrgbClr r="0" g="0" b="0"/>
+      </a:fillRef>
+      <a:effectRef idx="0">
+        <a:scrgbClr r="0" g="0" b="0"/>
+      </a:effectRef>
+      <a:fontRef idx="minor"/>
+    </dgm:style>
+  </dgm:styleLbl>
+  <dgm:styleLbl name="dkBgShp">
+    <dgm:scene3d>
+      <a:camera prst="orthographicFront"/>
+      <a:lightRig rig="threePt" dir="t"/>
+    </dgm:scene3d>
+    <dgm:sp3d/>
+    <dgm:txPr/>
+    <dgm:style>
+      <a:lnRef idx="0">
+        <a:scrgbClr r="0" g="0" b="0"/>
+      </a:lnRef>
+      <a:fillRef idx="1">
+        <a:scrgbClr r="0" g="0" b="0"/>
+      </a:fillRef>
+      <a:effectRef idx="0">
+        <a:scrgbClr r="0" g="0" b="0"/>
+      </a:effectRef>
+      <a:fontRef idx="minor"/>
+    </dgm:style>
+  </dgm:styleLbl>
+  <dgm:styleLbl name="trBgShp">
+    <dgm:scene3d>
+      <a:camera prst="orthographicFront"/>
+      <a:lightRig rig="threePt" dir="t"/>
+    </dgm:scene3d>
+    <dgm:sp3d/>
+    <dgm:txPr/>
+    <dgm:style>
+      <a:lnRef idx="0">
+        <a:scrgbClr r="0" g="0" b="0"/>
+      </a:lnRef>
+      <a:fillRef idx="1">
+        <a:scrgbClr r="0" g="0" b="0"/>
+      </a:fillRef>
+      <a:effectRef idx="0">
+        <a:scrgbClr r="0" g="0" b="0"/>
+      </a:effectRef>
+      <a:fontRef idx="minor"/>
+    </dgm:style>
+  </dgm:styleLbl>
+  <dgm:styleLbl name="fgShp">
+    <dgm:scene3d>
+      <a:camera prst="orthographicFront"/>
+      <a:lightRig rig="threePt" dir="t"/>
+    </dgm:scene3d>
+    <dgm:sp3d/>
+    <dgm:txPr/>
+    <dgm:style>
+      <a:lnRef idx="2">
+        <a:scrgbClr r="0" g="0" b="0"/>
+      </a:lnRef>
+      <a:fillRef idx="1">
+        <a:scrgbClr r="0" g="0" b="0"/>
+      </a:fillRef>
+      <a:effectRef idx="0">
+        <a:scrgbClr r="0" g="0" b="0"/>
+      </a:effectRef>
+      <a:fontRef idx="minor"/>
+    </dgm:style>
+  </dgm:styleLbl>
+  <dgm:styleLbl name="revTx">
+    <dgm:scene3d>
+      <a:camera prst="orthographicFront"/>
+      <a:lightRig rig="threePt" dir="t"/>
+    </dgm:scene3d>
+    <dgm:sp3d/>
+    <dgm:txPr/>
+    <dgm:style>
+      <a:lnRef idx="0">
+        <a:scrgbClr r="0" g="0" b="0"/>
+      </a:lnRef>
+      <a:fillRef idx="0">
+        <a:scrgbClr r="0" g="0" b="0"/>
+      </a:fillRef>
+      <a:effectRef idx="0">
+        <a:scrgbClr r="0" g="0" b="0"/>
+      </a:effectRef>
+      <a:fontRef idx="minor"/>
+    </dgm:style>
+  </dgm:styleLbl>
+</dgm:styleDef>
+</file>
+
+<file path=ppt/diagrams/quickStyle4.xml><?xml version="1.0" encoding="utf-8"?>
 <dgm:styleDef xmlns:dgm="http://schemas.openxmlformats.org/drawingml/2006/diagram" xmlns:a="http://schemas.openxmlformats.org/drawingml/2006/main" uniqueId="urn:microsoft.com/office/officeart/2005/8/quickstyle/simple1">
   <dgm:title val=""/>
   <dgm:desc val=""/>
@@ -6425,7 +12226,7 @@
           <a:p>
             <a:fld id="{8A1BC90B-A991-4D3C-BED2-FFB414950DEC}" type="datetimeFigureOut">
               <a:rPr lang="en-US" smtClean="0"/>
-              <a:t>11/16/2021</a:t>
+              <a:t>11/16/21</a:t>
             </a:fld>
             <a:endParaRPr lang="en-US"/>
           </a:p>
@@ -6839,7 +12640,7 @@
           <a:p>
             <a:fld id="{30E324C6-88E5-784F-B796-90A81C75515F}" type="datetimeFigureOut">
               <a:rPr lang="en-US" smtClean="0"/>
-              <a:t>11/16/2021</a:t>
+              <a:t>11/16/21</a:t>
             </a:fld>
             <a:endParaRPr lang="en-US"/>
           </a:p>
@@ -7037,7 +12838,7 @@
           <a:p>
             <a:fld id="{30E324C6-88E5-784F-B796-90A81C75515F}" type="datetimeFigureOut">
               <a:rPr lang="en-US" smtClean="0"/>
-              <a:t>11/16/2021</a:t>
+              <a:t>11/16/21</a:t>
             </a:fld>
             <a:endParaRPr lang="en-US"/>
           </a:p>
@@ -7245,7 +13046,7 @@
           <a:p>
             <a:fld id="{30E324C6-88E5-784F-B796-90A81C75515F}" type="datetimeFigureOut">
               <a:rPr lang="en-US" smtClean="0"/>
-              <a:t>11/16/2021</a:t>
+              <a:t>11/16/21</a:t>
             </a:fld>
             <a:endParaRPr lang="en-US"/>
           </a:p>
@@ -7443,7 +13244,7 @@
           <a:p>
             <a:fld id="{30E324C6-88E5-784F-B796-90A81C75515F}" type="datetimeFigureOut">
               <a:rPr lang="en-US" smtClean="0"/>
-              <a:t>11/16/2021</a:t>
+              <a:t>11/16/21</a:t>
             </a:fld>
             <a:endParaRPr lang="en-US"/>
           </a:p>
@@ -7718,7 +13519,7 @@
           <a:p>
             <a:fld id="{30E324C6-88E5-784F-B796-90A81C75515F}" type="datetimeFigureOut">
               <a:rPr lang="en-US" smtClean="0"/>
-              <a:t>11/16/2021</a:t>
+              <a:t>11/16/21</a:t>
             </a:fld>
             <a:endParaRPr lang="en-US"/>
           </a:p>
@@ -7983,7 +13784,7 @@
           <a:p>
             <a:fld id="{30E324C6-88E5-784F-B796-90A81C75515F}" type="datetimeFigureOut">
               <a:rPr lang="en-US" smtClean="0"/>
-              <a:t>11/16/2021</a:t>
+              <a:t>11/16/21</a:t>
             </a:fld>
             <a:endParaRPr lang="en-US"/>
           </a:p>
@@ -8395,7 +14196,7 @@
           <a:p>
             <a:fld id="{30E324C6-88E5-784F-B796-90A81C75515F}" type="datetimeFigureOut">
               <a:rPr lang="en-US" smtClean="0"/>
-              <a:t>11/16/2021</a:t>
+              <a:t>11/16/21</a:t>
             </a:fld>
             <a:endParaRPr lang="en-US"/>
           </a:p>
@@ -8536,7 +14337,7 @@
           <a:p>
             <a:fld id="{30E324C6-88E5-784F-B796-90A81C75515F}" type="datetimeFigureOut">
               <a:rPr lang="en-US" smtClean="0"/>
-              <a:t>11/16/2021</a:t>
+              <a:t>11/16/21</a:t>
             </a:fld>
             <a:endParaRPr lang="en-US"/>
           </a:p>
@@ -8649,7 +14450,7 @@
           <a:p>
             <a:fld id="{30E324C6-88E5-784F-B796-90A81C75515F}" type="datetimeFigureOut">
               <a:rPr lang="en-US" smtClean="0"/>
-              <a:t>11/16/2021</a:t>
+              <a:t>11/16/21</a:t>
             </a:fld>
             <a:endParaRPr lang="en-US"/>
           </a:p>
@@ -8960,7 +14761,7 @@
           <a:p>
             <a:fld id="{30E324C6-88E5-784F-B796-90A81C75515F}" type="datetimeFigureOut">
               <a:rPr lang="en-US" smtClean="0"/>
-              <a:t>11/16/2021</a:t>
+              <a:t>11/16/21</a:t>
             </a:fld>
             <a:endParaRPr lang="en-US"/>
           </a:p>
@@ -9248,7 +15049,7 @@
           <a:p>
             <a:fld id="{30E324C6-88E5-784F-B796-90A81C75515F}" type="datetimeFigureOut">
               <a:rPr lang="en-US" smtClean="0"/>
-              <a:t>11/16/2021</a:t>
+              <a:t>11/16/21</a:t>
             </a:fld>
             <a:endParaRPr lang="en-US"/>
           </a:p>
@@ -9489,7 +15290,7 @@
           <a:p>
             <a:fld id="{30E324C6-88E5-784F-B796-90A81C75515F}" type="datetimeFigureOut">
               <a:rPr lang="en-US" smtClean="0"/>
-              <a:t>11/16/2021</a:t>
+              <a:t>11/16/21</a:t>
             </a:fld>
             <a:endParaRPr lang="en-US"/>
           </a:p>
@@ -10221,13 +16022,13 @@
           <p:nvPr>
             <p:extLst>
               <p:ext uri="{D42A27DB-BD31-4B8C-83A1-F6EECF244321}">
-                <p14:modId xmlns:p14="http://schemas.microsoft.com/office/powerpoint/2010/main" val="1800870727"/>
+                <p14:modId xmlns:p14="http://schemas.microsoft.com/office/powerpoint/2010/main" val="36900936"/>
               </p:ext>
             </p:extLst>
           </p:nvPr>
         </p:nvGraphicFramePr>
         <p:xfrm>
-          <a:off x="457200" y="1131147"/>
+          <a:off x="457200" y="782537"/>
           <a:ext cx="11176000" cy="5418667"/>
         </p:xfrm>
         <a:graphic>
@@ -10339,7 +16140,7 @@
           <a:lstStyle/>
           <a:p>
             <a:r>
-              <a:rPr lang="en-US" sz="2800" b="1" dirty="0"/>
+              <a:rPr lang="en-US" sz="3000" b="1" dirty="0"/>
               <a:t>MySQL – Suicides data</a:t>
             </a:r>
           </a:p>
@@ -10397,14 +16198,14 @@
           <p:nvPr>
             <p:extLst>
               <p:ext uri="{D42A27DB-BD31-4B8C-83A1-F6EECF244321}">
-                <p14:modId xmlns:p14="http://schemas.microsoft.com/office/powerpoint/2010/main" val="65876185"/>
+                <p14:modId xmlns:p14="http://schemas.microsoft.com/office/powerpoint/2010/main" val="929377630"/>
               </p:ext>
             </p:extLst>
           </p:nvPr>
         </p:nvGraphicFramePr>
         <p:xfrm>
-          <a:off x="745066" y="1669310"/>
-          <a:ext cx="10363200" cy="3395133"/>
+          <a:off x="390313" y="314475"/>
+          <a:ext cx="10313248" cy="4432847"/>
         </p:xfrm>
         <a:graphic>
           <a:graphicData uri="http://schemas.openxmlformats.org/drawingml/2006/diagram">
@@ -10445,6 +16246,114 @@
           <a:lstStyle/>
           <a:p>
             <a:endParaRPr lang="en-US" dirty="0"/>
+          </a:p>
+        </p:txBody>
+      </p:sp>
+      <p:cxnSp>
+        <p:nvCxnSpPr>
+          <p:cNvPr id="9" name="Straight Connector 8">
+            <a:extLst>
+              <a:ext uri="{FF2B5EF4-FFF2-40B4-BE49-F238E27FC236}">
+                <a16:creationId xmlns:a16="http://schemas.microsoft.com/office/drawing/2014/main" id="{9C2313BB-8272-F848-9CDF-8A39BE8CC8FF}"/>
+              </a:ext>
+            </a:extLst>
+          </p:cNvPr>
+          <p:cNvCxnSpPr>
+            <a:cxnSpLocks/>
+          </p:cNvCxnSpPr>
+          <p:nvPr/>
+        </p:nvCxnSpPr>
+        <p:spPr>
+          <a:xfrm>
+            <a:off x="8427904" y="631596"/>
+            <a:ext cx="0" cy="5703216"/>
+          </a:xfrm>
+          <a:prstGeom prst="line">
+            <a:avLst/>
+          </a:prstGeom>
+          <a:ln w="25400">
+            <a:solidFill>
+              <a:srgbClr val="002060"/>
+            </a:solidFill>
+          </a:ln>
+        </p:spPr>
+        <p:style>
+          <a:lnRef idx="1">
+            <a:schemeClr val="accent1"/>
+          </a:lnRef>
+          <a:fillRef idx="0">
+            <a:schemeClr val="accent1"/>
+          </a:fillRef>
+          <a:effectRef idx="0">
+            <a:schemeClr val="accent1"/>
+          </a:effectRef>
+          <a:fontRef idx="minor">
+            <a:schemeClr val="tx1"/>
+          </a:fontRef>
+        </p:style>
+      </p:cxnSp>
+      <p:pic>
+        <p:nvPicPr>
+          <p:cNvPr id="12" name="Picture 11">
+            <a:extLst>
+              <a:ext uri="{FF2B5EF4-FFF2-40B4-BE49-F238E27FC236}">
+                <a16:creationId xmlns:a16="http://schemas.microsoft.com/office/drawing/2014/main" id="{2BE8217F-629A-0E4D-AD40-65A616ED852A}"/>
+              </a:ext>
+            </a:extLst>
+          </p:cNvPr>
+          <p:cNvPicPr>
+            <a:picLocks noChangeAspect="1"/>
+          </p:cNvPicPr>
+          <p:nvPr/>
+        </p:nvPicPr>
+        <p:blipFill>
+          <a:blip r:embed="rId7"/>
+          <a:stretch>
+            <a:fillRect/>
+          </a:stretch>
+        </p:blipFill>
+        <p:spPr>
+          <a:xfrm>
+            <a:off x="9457217" y="751690"/>
+            <a:ext cx="1922451" cy="5463028"/>
+          </a:xfrm>
+          <a:prstGeom prst="rect">
+            <a:avLst/>
+          </a:prstGeom>
+        </p:spPr>
+      </p:pic>
+      <p:sp>
+        <p:nvSpPr>
+          <p:cNvPr id="13" name="TextBox 12">
+            <a:extLst>
+              <a:ext uri="{FF2B5EF4-FFF2-40B4-BE49-F238E27FC236}">
+                <a16:creationId xmlns:a16="http://schemas.microsoft.com/office/drawing/2014/main" id="{2864939F-A9DF-474F-AD2C-06C0BC7E06C2}"/>
+              </a:ext>
+            </a:extLst>
+          </p:cNvPr>
+          <p:cNvSpPr txBox="1"/>
+          <p:nvPr/>
+        </p:nvSpPr>
+        <p:spPr>
+          <a:xfrm>
+            <a:off x="9383512" y="382358"/>
+            <a:ext cx="1746818" cy="369332"/>
+          </a:xfrm>
+          <a:prstGeom prst="rect">
+            <a:avLst/>
+          </a:prstGeom>
+          <a:noFill/>
+        </p:spPr>
+        <p:txBody>
+          <a:bodyPr wrap="square" rtlCol="0">
+            <a:spAutoFit/>
+          </a:bodyPr>
+          <a:lstStyle/>
+          <a:p>
+            <a:r>
+              <a:rPr lang="en-US" dirty="0"/>
+              <a:t>EER Diagram</a:t>
+            </a:r>
           </a:p>
         </p:txBody>
       </p:sp>
@@ -10508,1123 +16417,7 @@
           <a:p>
             <a:r>
               <a:rPr lang="en-US" sz="3000" b="1" dirty="0"/>
-              <a:t>World Bank API – URL Breakdown</a:t>
-            </a:r>
-          </a:p>
-        </p:txBody>
-      </p:sp>
-      <p:sp>
-        <p:nvSpPr>
-          <p:cNvPr id="7" name="TextBox 6">
-            <a:extLst>
-              <a:ext uri="{FF2B5EF4-FFF2-40B4-BE49-F238E27FC236}">
-                <a16:creationId xmlns:a16="http://schemas.microsoft.com/office/drawing/2014/main" id="{E84A857D-CD80-9F45-9805-ED8B59E75CCC}"/>
-              </a:ext>
-            </a:extLst>
-          </p:cNvPr>
-          <p:cNvSpPr txBox="1"/>
-          <p:nvPr/>
-        </p:nvSpPr>
-        <p:spPr>
-          <a:xfrm>
-            <a:off x="279399" y="2692399"/>
-            <a:ext cx="13089467" cy="584775"/>
-          </a:xfrm>
-          <a:prstGeom prst="rect">
-            <a:avLst/>
-          </a:prstGeom>
-          <a:noFill/>
-        </p:spPr>
-        <p:txBody>
-          <a:bodyPr wrap="square" rtlCol="0">
-            <a:spAutoFit/>
-          </a:bodyPr>
-          <a:lstStyle/>
-          <a:p>
-            <a:endParaRPr lang="en-US" sz="1600" u="sng" dirty="0">
-              <a:hlinkClick r:id="rId2"/>
-            </a:endParaRPr>
-          </a:p>
-          <a:p>
-            <a:r>
-              <a:rPr lang="en-US" sz="1600" u="sng" dirty="0">
-                <a:hlinkClick r:id="rId2"/>
-              </a:rPr>
-              <a:t>http://api.worldbank.org/v2/country/all/indicator/NY.GDP.PCAP.CD;SL.UEM.TOTL.ZS;SP.POP.TOTL?source=2&amp;format=json&amp;date=2010:2019</a:t>
-            </a:r>
-            <a:endParaRPr lang="en-US" sz="1600" dirty="0"/>
-          </a:p>
-        </p:txBody>
-      </p:sp>
-      <p:sp>
-        <p:nvSpPr>
-          <p:cNvPr id="15" name="Right Brace 14">
-            <a:extLst>
-              <a:ext uri="{FF2B5EF4-FFF2-40B4-BE49-F238E27FC236}">
-                <a16:creationId xmlns:a16="http://schemas.microsoft.com/office/drawing/2014/main" id="{6FBC03B2-8B4A-DB40-A0A7-1DE169C7F5CA}"/>
-              </a:ext>
-            </a:extLst>
-          </p:cNvPr>
-          <p:cNvSpPr/>
-          <p:nvPr/>
-        </p:nvSpPr>
-        <p:spPr>
-          <a:xfrm rot="16200000">
-            <a:off x="467361" y="2611117"/>
-            <a:ext cx="279401" cy="533402"/>
-          </a:xfrm>
-          <a:prstGeom prst="rightBrace">
-            <a:avLst/>
-          </a:prstGeom>
-          <a:ln w="34925">
-            <a:solidFill>
-              <a:schemeClr val="accent2"/>
-            </a:solidFill>
-          </a:ln>
-        </p:spPr>
-        <p:style>
-          <a:lnRef idx="1">
-            <a:schemeClr val="accent1"/>
-          </a:lnRef>
-          <a:fillRef idx="0">
-            <a:schemeClr val="accent1"/>
-          </a:fillRef>
-          <a:effectRef idx="0">
-            <a:schemeClr val="accent1"/>
-          </a:effectRef>
-          <a:fontRef idx="minor">
-            <a:schemeClr val="tx1"/>
-          </a:fontRef>
-        </p:style>
-        <p:txBody>
-          <a:bodyPr rtlCol="0" anchor="ctr"/>
-          <a:lstStyle/>
-          <a:p>
-            <a:pPr algn="ctr"/>
-            <a:endParaRPr lang="en-US"/>
-          </a:p>
-        </p:txBody>
-      </p:sp>
-      <p:sp>
-        <p:nvSpPr>
-          <p:cNvPr id="16" name="Right Brace 15">
-            <a:extLst>
-              <a:ext uri="{FF2B5EF4-FFF2-40B4-BE49-F238E27FC236}">
-                <a16:creationId xmlns:a16="http://schemas.microsoft.com/office/drawing/2014/main" id="{0502B572-FD88-F34A-B786-175EE5D8D106}"/>
-              </a:ext>
-            </a:extLst>
-          </p:cNvPr>
-          <p:cNvSpPr/>
-          <p:nvPr/>
-        </p:nvSpPr>
-        <p:spPr>
-          <a:xfrm rot="5400000">
-            <a:off x="1551041" y="2707475"/>
-            <a:ext cx="279402" cy="1454682"/>
-          </a:xfrm>
-          <a:prstGeom prst="rightBrace">
-            <a:avLst/>
-          </a:prstGeom>
-          <a:ln w="34925">
-            <a:solidFill>
-              <a:srgbClr val="7030A0"/>
-            </a:solidFill>
-          </a:ln>
-        </p:spPr>
-        <p:style>
-          <a:lnRef idx="1">
-            <a:schemeClr val="accent1"/>
-          </a:lnRef>
-          <a:fillRef idx="0">
-            <a:schemeClr val="accent1"/>
-          </a:fillRef>
-          <a:effectRef idx="0">
-            <a:schemeClr val="accent1"/>
-          </a:effectRef>
-          <a:fontRef idx="minor">
-            <a:schemeClr val="tx1"/>
-          </a:fontRef>
-        </p:style>
-        <p:txBody>
-          <a:bodyPr rtlCol="0" anchor="ctr"/>
-          <a:lstStyle/>
-          <a:p>
-            <a:pPr algn="ctr"/>
-            <a:endParaRPr lang="en-US"/>
-          </a:p>
-        </p:txBody>
-      </p:sp>
-      <p:sp>
-        <p:nvSpPr>
-          <p:cNvPr id="17" name="Right Brace 16">
-            <a:extLst>
-              <a:ext uri="{FF2B5EF4-FFF2-40B4-BE49-F238E27FC236}">
-                <a16:creationId xmlns:a16="http://schemas.microsoft.com/office/drawing/2014/main" id="{B192A673-0A10-6547-80FB-973244A843BE}"/>
-              </a:ext>
-            </a:extLst>
-          </p:cNvPr>
-          <p:cNvSpPr/>
-          <p:nvPr/>
-        </p:nvSpPr>
-        <p:spPr>
-          <a:xfrm rot="16200000">
-            <a:off x="2492642" y="2663558"/>
-            <a:ext cx="279402" cy="428518"/>
-          </a:xfrm>
-          <a:prstGeom prst="rightBrace">
-            <a:avLst/>
-          </a:prstGeom>
-          <a:ln w="34925">
-            <a:solidFill>
-              <a:srgbClr val="FF9933"/>
-            </a:solidFill>
-          </a:ln>
-        </p:spPr>
-        <p:style>
-          <a:lnRef idx="1">
-            <a:schemeClr val="accent1"/>
-          </a:lnRef>
-          <a:fillRef idx="0">
-            <a:schemeClr val="accent1"/>
-          </a:fillRef>
-          <a:effectRef idx="0">
-            <a:schemeClr val="accent1"/>
-          </a:effectRef>
-          <a:fontRef idx="minor">
-            <a:schemeClr val="tx1"/>
-          </a:fontRef>
-        </p:style>
-        <p:txBody>
-          <a:bodyPr rtlCol="0" anchor="ctr"/>
-          <a:lstStyle/>
-          <a:p>
-            <a:pPr algn="ctr"/>
-            <a:endParaRPr lang="en-US">
-              <a:solidFill>
-                <a:srgbClr val="FF9933"/>
-              </a:solidFill>
-            </a:endParaRPr>
-          </a:p>
-        </p:txBody>
-      </p:sp>
-      <p:sp>
-        <p:nvSpPr>
-          <p:cNvPr id="18" name="Right Brace 17">
-            <a:extLst>
-              <a:ext uri="{FF2B5EF4-FFF2-40B4-BE49-F238E27FC236}">
-                <a16:creationId xmlns:a16="http://schemas.microsoft.com/office/drawing/2014/main" id="{154563FA-1594-7341-B3EE-A92B968B8911}"/>
-              </a:ext>
-            </a:extLst>
-          </p:cNvPr>
-          <p:cNvSpPr/>
-          <p:nvPr/>
-        </p:nvSpPr>
-        <p:spPr>
-          <a:xfrm rot="5400000">
-            <a:off x="3122560" y="3019159"/>
-            <a:ext cx="279401" cy="831318"/>
-          </a:xfrm>
-          <a:prstGeom prst="rightBrace">
-            <a:avLst/>
-          </a:prstGeom>
-          <a:ln w="34925">
-            <a:solidFill>
-              <a:srgbClr val="92D050"/>
-            </a:solidFill>
-          </a:ln>
-        </p:spPr>
-        <p:style>
-          <a:lnRef idx="1">
-            <a:schemeClr val="accent1"/>
-          </a:lnRef>
-          <a:fillRef idx="0">
-            <a:schemeClr val="accent1"/>
-          </a:fillRef>
-          <a:effectRef idx="0">
-            <a:schemeClr val="accent1"/>
-          </a:effectRef>
-          <a:fontRef idx="minor">
-            <a:schemeClr val="tx1"/>
-          </a:fontRef>
-        </p:style>
-        <p:txBody>
-          <a:bodyPr rtlCol="0" anchor="ctr"/>
-          <a:lstStyle/>
-          <a:p>
-            <a:pPr algn="ctr"/>
-            <a:endParaRPr lang="en-US"/>
-          </a:p>
-        </p:txBody>
-      </p:sp>
-      <p:sp>
-        <p:nvSpPr>
-          <p:cNvPr id="19" name="Right Brace 18">
-            <a:extLst>
-              <a:ext uri="{FF2B5EF4-FFF2-40B4-BE49-F238E27FC236}">
-                <a16:creationId xmlns:a16="http://schemas.microsoft.com/office/drawing/2014/main" id="{FB76D5FC-D60A-E547-A86F-F15910B29420}"/>
-              </a:ext>
-            </a:extLst>
-          </p:cNvPr>
-          <p:cNvSpPr/>
-          <p:nvPr/>
-        </p:nvSpPr>
-        <p:spPr>
-          <a:xfrm rot="16200000">
-            <a:off x="5864860" y="571496"/>
-            <a:ext cx="279404" cy="4612642"/>
-          </a:xfrm>
-          <a:prstGeom prst="rightBrace">
-            <a:avLst/>
-          </a:prstGeom>
-          <a:ln w="34925">
-            <a:solidFill>
-              <a:srgbClr val="002060"/>
-            </a:solidFill>
-          </a:ln>
-        </p:spPr>
-        <p:style>
-          <a:lnRef idx="1">
-            <a:schemeClr val="accent1"/>
-          </a:lnRef>
-          <a:fillRef idx="0">
-            <a:schemeClr val="accent1"/>
-          </a:fillRef>
-          <a:effectRef idx="0">
-            <a:schemeClr val="accent1"/>
-          </a:effectRef>
-          <a:fontRef idx="minor">
-            <a:schemeClr val="tx1"/>
-          </a:fontRef>
-        </p:style>
-        <p:txBody>
-          <a:bodyPr rtlCol="0" anchor="ctr"/>
-          <a:lstStyle/>
-          <a:p>
-            <a:pPr algn="ctr"/>
-            <a:endParaRPr lang="en-US"/>
-          </a:p>
-        </p:txBody>
-      </p:sp>
-      <p:sp>
-        <p:nvSpPr>
-          <p:cNvPr id="20" name="Right Brace 19">
-            <a:extLst>
-              <a:ext uri="{FF2B5EF4-FFF2-40B4-BE49-F238E27FC236}">
-                <a16:creationId xmlns:a16="http://schemas.microsoft.com/office/drawing/2014/main" id="{AABF706C-D3E0-CF47-ACAC-A73AEA97AAE6}"/>
-              </a:ext>
-            </a:extLst>
-          </p:cNvPr>
-          <p:cNvSpPr/>
-          <p:nvPr/>
-        </p:nvSpPr>
-        <p:spPr>
-          <a:xfrm rot="5400000">
-            <a:off x="8586842" y="3037674"/>
-            <a:ext cx="279401" cy="831318"/>
-          </a:xfrm>
-          <a:prstGeom prst="rightBrace">
-            <a:avLst/>
-          </a:prstGeom>
-          <a:ln w="34925">
-            <a:solidFill>
-              <a:schemeClr val="accent6">
-                <a:lumMod val="50000"/>
-              </a:schemeClr>
-            </a:solidFill>
-          </a:ln>
-        </p:spPr>
-        <p:style>
-          <a:lnRef idx="1">
-            <a:schemeClr val="accent1"/>
-          </a:lnRef>
-          <a:fillRef idx="0">
-            <a:schemeClr val="accent1"/>
-          </a:fillRef>
-          <a:effectRef idx="0">
-            <a:schemeClr val="accent1"/>
-          </a:effectRef>
-          <a:fontRef idx="minor">
-            <a:schemeClr val="tx1"/>
-          </a:fontRef>
-        </p:style>
-        <p:txBody>
-          <a:bodyPr rtlCol="0" anchor="ctr"/>
-          <a:lstStyle/>
-          <a:p>
-            <a:pPr algn="ctr"/>
-            <a:endParaRPr lang="en-US"/>
-          </a:p>
-        </p:txBody>
-      </p:sp>
-      <p:sp>
-        <p:nvSpPr>
-          <p:cNvPr id="21" name="Right Brace 20">
-            <a:extLst>
-              <a:ext uri="{FF2B5EF4-FFF2-40B4-BE49-F238E27FC236}">
-                <a16:creationId xmlns:a16="http://schemas.microsoft.com/office/drawing/2014/main" id="{1CF390D8-E9EE-AF40-89B3-AA5D94C77FD7}"/>
-              </a:ext>
-            </a:extLst>
-          </p:cNvPr>
-          <p:cNvSpPr/>
-          <p:nvPr/>
-        </p:nvSpPr>
-        <p:spPr>
-          <a:xfrm rot="16200000">
-            <a:off x="9618983" y="2374899"/>
-            <a:ext cx="320041" cy="965198"/>
-          </a:xfrm>
-          <a:prstGeom prst="rightBrace">
-            <a:avLst/>
-          </a:prstGeom>
-          <a:ln w="34925">
-            <a:solidFill>
-              <a:schemeClr val="accent2">
-                <a:lumMod val="50000"/>
-              </a:schemeClr>
-            </a:solidFill>
-          </a:ln>
-        </p:spPr>
-        <p:style>
-          <a:lnRef idx="1">
-            <a:schemeClr val="accent1"/>
-          </a:lnRef>
-          <a:fillRef idx="0">
-            <a:schemeClr val="accent1"/>
-          </a:fillRef>
-          <a:effectRef idx="0">
-            <a:schemeClr val="accent1"/>
-          </a:effectRef>
-          <a:fontRef idx="minor">
-            <a:schemeClr val="tx1"/>
-          </a:fontRef>
-        </p:style>
-        <p:txBody>
-          <a:bodyPr rtlCol="0" anchor="ctr"/>
-          <a:lstStyle/>
-          <a:p>
-            <a:pPr algn="ctr"/>
-            <a:endParaRPr lang="en-US"/>
-          </a:p>
-        </p:txBody>
-      </p:sp>
-      <p:sp>
-        <p:nvSpPr>
-          <p:cNvPr id="22" name="Right Brace 21">
-            <a:extLst>
-              <a:ext uri="{FF2B5EF4-FFF2-40B4-BE49-F238E27FC236}">
-                <a16:creationId xmlns:a16="http://schemas.microsoft.com/office/drawing/2014/main" id="{955B1C27-7553-5E49-8CD8-8270C27A5F1B}"/>
-              </a:ext>
-            </a:extLst>
-          </p:cNvPr>
-          <p:cNvSpPr/>
-          <p:nvPr/>
-        </p:nvSpPr>
-        <p:spPr>
-          <a:xfrm rot="5400000">
-            <a:off x="10920646" y="2748403"/>
-            <a:ext cx="303327" cy="1385940"/>
-          </a:xfrm>
-          <a:prstGeom prst="rightBrace">
-            <a:avLst/>
-          </a:prstGeom>
-          <a:ln w="34925">
-            <a:solidFill>
-              <a:srgbClr val="FF0000"/>
-            </a:solidFill>
-          </a:ln>
-        </p:spPr>
-        <p:style>
-          <a:lnRef idx="1">
-            <a:schemeClr val="accent1"/>
-          </a:lnRef>
-          <a:fillRef idx="0">
-            <a:schemeClr val="accent1"/>
-          </a:fillRef>
-          <a:effectRef idx="0">
-            <a:schemeClr val="accent1"/>
-          </a:effectRef>
-          <a:fontRef idx="minor">
-            <a:schemeClr val="tx1"/>
-          </a:fontRef>
-        </p:style>
-        <p:txBody>
-          <a:bodyPr rtlCol="0" anchor="ctr"/>
-          <a:lstStyle/>
-          <a:p>
-            <a:pPr algn="ctr"/>
-            <a:endParaRPr lang="en-US"/>
-          </a:p>
-        </p:txBody>
-      </p:sp>
-      <p:cxnSp>
-        <p:nvCxnSpPr>
-          <p:cNvPr id="24" name="Straight Arrow Connector 23">
-            <a:extLst>
-              <a:ext uri="{FF2B5EF4-FFF2-40B4-BE49-F238E27FC236}">
-                <a16:creationId xmlns:a16="http://schemas.microsoft.com/office/drawing/2014/main" id="{D89F8FD9-8E0C-5F4F-8660-9B934DF43038}"/>
-              </a:ext>
-            </a:extLst>
-          </p:cNvPr>
-          <p:cNvCxnSpPr/>
-          <p:nvPr/>
-        </p:nvCxnSpPr>
-        <p:spPr>
-          <a:xfrm>
-            <a:off x="589280" y="1625600"/>
-            <a:ext cx="0" cy="1031236"/>
-          </a:xfrm>
-          <a:prstGeom prst="straightConnector1">
-            <a:avLst/>
-          </a:prstGeom>
-          <a:ln w="34925">
-            <a:solidFill>
-              <a:schemeClr val="tx1"/>
-            </a:solidFill>
-            <a:tailEnd type="triangle"/>
-          </a:ln>
-        </p:spPr>
-        <p:style>
-          <a:lnRef idx="1">
-            <a:schemeClr val="accent1"/>
-          </a:lnRef>
-          <a:fillRef idx="0">
-            <a:schemeClr val="accent1"/>
-          </a:fillRef>
-          <a:effectRef idx="0">
-            <a:schemeClr val="accent1"/>
-          </a:effectRef>
-          <a:fontRef idx="minor">
-            <a:schemeClr val="tx1"/>
-          </a:fontRef>
-        </p:style>
-      </p:cxnSp>
-      <p:cxnSp>
-        <p:nvCxnSpPr>
-          <p:cNvPr id="25" name="Straight Arrow Connector 24">
-            <a:extLst>
-              <a:ext uri="{FF2B5EF4-FFF2-40B4-BE49-F238E27FC236}">
-                <a16:creationId xmlns:a16="http://schemas.microsoft.com/office/drawing/2014/main" id="{C98BF24D-F12D-8246-A506-B96E31769D19}"/>
-              </a:ext>
-            </a:extLst>
-          </p:cNvPr>
-          <p:cNvCxnSpPr/>
-          <p:nvPr/>
-        </p:nvCxnSpPr>
-        <p:spPr>
-          <a:xfrm>
-            <a:off x="2631440" y="1640843"/>
-            <a:ext cx="0" cy="1031236"/>
-          </a:xfrm>
-          <a:prstGeom prst="straightConnector1">
-            <a:avLst/>
-          </a:prstGeom>
-          <a:ln w="34925">
-            <a:solidFill>
-              <a:schemeClr val="tx1"/>
-            </a:solidFill>
-            <a:tailEnd type="triangle"/>
-          </a:ln>
-        </p:spPr>
-        <p:style>
-          <a:lnRef idx="1">
-            <a:schemeClr val="accent1"/>
-          </a:lnRef>
-          <a:fillRef idx="0">
-            <a:schemeClr val="accent1"/>
-          </a:fillRef>
-          <a:effectRef idx="0">
-            <a:schemeClr val="accent1"/>
-          </a:effectRef>
-          <a:fontRef idx="minor">
-            <a:schemeClr val="tx1"/>
-          </a:fontRef>
-        </p:style>
-      </p:cxnSp>
-      <p:cxnSp>
-        <p:nvCxnSpPr>
-          <p:cNvPr id="26" name="Straight Arrow Connector 25">
-            <a:extLst>
-              <a:ext uri="{FF2B5EF4-FFF2-40B4-BE49-F238E27FC236}">
-                <a16:creationId xmlns:a16="http://schemas.microsoft.com/office/drawing/2014/main" id="{C1EDFE9C-A662-784B-B516-8197E12A2F92}"/>
-              </a:ext>
-            </a:extLst>
-          </p:cNvPr>
-          <p:cNvCxnSpPr/>
-          <p:nvPr/>
-        </p:nvCxnSpPr>
-        <p:spPr>
-          <a:xfrm>
-            <a:off x="6014720" y="1625600"/>
-            <a:ext cx="0" cy="1031236"/>
-          </a:xfrm>
-          <a:prstGeom prst="straightConnector1">
-            <a:avLst/>
-          </a:prstGeom>
-          <a:ln w="34925">
-            <a:solidFill>
-              <a:schemeClr val="tx1"/>
-            </a:solidFill>
-            <a:tailEnd type="triangle"/>
-          </a:ln>
-        </p:spPr>
-        <p:style>
-          <a:lnRef idx="1">
-            <a:schemeClr val="accent1"/>
-          </a:lnRef>
-          <a:fillRef idx="0">
-            <a:schemeClr val="accent1"/>
-          </a:fillRef>
-          <a:effectRef idx="0">
-            <a:schemeClr val="accent1"/>
-          </a:effectRef>
-          <a:fontRef idx="minor">
-            <a:schemeClr val="tx1"/>
-          </a:fontRef>
-        </p:style>
-      </p:cxnSp>
-      <p:cxnSp>
-        <p:nvCxnSpPr>
-          <p:cNvPr id="27" name="Straight Arrow Connector 26">
-            <a:extLst>
-              <a:ext uri="{FF2B5EF4-FFF2-40B4-BE49-F238E27FC236}">
-                <a16:creationId xmlns:a16="http://schemas.microsoft.com/office/drawing/2014/main" id="{E5D37A04-11CF-6B48-A727-81AB059EA811}"/>
-              </a:ext>
-            </a:extLst>
-          </p:cNvPr>
-          <p:cNvCxnSpPr/>
-          <p:nvPr/>
-        </p:nvCxnSpPr>
-        <p:spPr>
-          <a:xfrm>
-            <a:off x="9784080" y="1625600"/>
-            <a:ext cx="0" cy="1031236"/>
-          </a:xfrm>
-          <a:prstGeom prst="straightConnector1">
-            <a:avLst/>
-          </a:prstGeom>
-          <a:ln w="34925">
-            <a:solidFill>
-              <a:schemeClr val="tx1"/>
-            </a:solidFill>
-            <a:tailEnd type="triangle"/>
-          </a:ln>
-        </p:spPr>
-        <p:style>
-          <a:lnRef idx="1">
-            <a:schemeClr val="accent1"/>
-          </a:lnRef>
-          <a:fillRef idx="0">
-            <a:schemeClr val="accent1"/>
-          </a:fillRef>
-          <a:effectRef idx="0">
-            <a:schemeClr val="accent1"/>
-          </a:effectRef>
-          <a:fontRef idx="minor">
-            <a:schemeClr val="tx1"/>
-          </a:fontRef>
-        </p:style>
-      </p:cxnSp>
-      <p:cxnSp>
-        <p:nvCxnSpPr>
-          <p:cNvPr id="28" name="Straight Arrow Connector 27">
-            <a:extLst>
-              <a:ext uri="{FF2B5EF4-FFF2-40B4-BE49-F238E27FC236}">
-                <a16:creationId xmlns:a16="http://schemas.microsoft.com/office/drawing/2014/main" id="{9F0DFE9B-AE0B-1E4C-9FC3-2D6B0D521A2F}"/>
-              </a:ext>
-            </a:extLst>
-          </p:cNvPr>
-          <p:cNvCxnSpPr>
-            <a:cxnSpLocks/>
-          </p:cNvCxnSpPr>
-          <p:nvPr/>
-        </p:nvCxnSpPr>
-        <p:spPr>
-          <a:xfrm flipV="1">
-            <a:off x="1686560" y="3743956"/>
-            <a:ext cx="0" cy="1092204"/>
-          </a:xfrm>
-          <a:prstGeom prst="straightConnector1">
-            <a:avLst/>
-          </a:prstGeom>
-          <a:ln w="34925">
-            <a:solidFill>
-              <a:schemeClr val="tx1"/>
-            </a:solidFill>
-            <a:tailEnd type="triangle"/>
-          </a:ln>
-        </p:spPr>
-        <p:style>
-          <a:lnRef idx="1">
-            <a:schemeClr val="accent1"/>
-          </a:lnRef>
-          <a:fillRef idx="0">
-            <a:schemeClr val="accent1"/>
-          </a:fillRef>
-          <a:effectRef idx="0">
-            <a:schemeClr val="accent1"/>
-          </a:effectRef>
-          <a:fontRef idx="minor">
-            <a:schemeClr val="tx1"/>
-          </a:fontRef>
-        </p:style>
-      </p:cxnSp>
-      <p:cxnSp>
-        <p:nvCxnSpPr>
-          <p:cNvPr id="30" name="Straight Arrow Connector 29">
-            <a:extLst>
-              <a:ext uri="{FF2B5EF4-FFF2-40B4-BE49-F238E27FC236}">
-                <a16:creationId xmlns:a16="http://schemas.microsoft.com/office/drawing/2014/main" id="{7B0EA606-B899-2340-A0DD-398B1CBA19DB}"/>
-              </a:ext>
-            </a:extLst>
-          </p:cNvPr>
-          <p:cNvCxnSpPr>
-            <a:cxnSpLocks/>
-          </p:cNvCxnSpPr>
-          <p:nvPr/>
-        </p:nvCxnSpPr>
-        <p:spPr>
-          <a:xfrm flipV="1">
-            <a:off x="3261360" y="3723636"/>
-            <a:ext cx="0" cy="1092204"/>
-          </a:xfrm>
-          <a:prstGeom prst="straightConnector1">
-            <a:avLst/>
-          </a:prstGeom>
-          <a:ln w="34925">
-            <a:solidFill>
-              <a:schemeClr val="tx1"/>
-            </a:solidFill>
-            <a:tailEnd type="triangle"/>
-          </a:ln>
-        </p:spPr>
-        <p:style>
-          <a:lnRef idx="1">
-            <a:schemeClr val="accent1"/>
-          </a:lnRef>
-          <a:fillRef idx="0">
-            <a:schemeClr val="accent1"/>
-          </a:fillRef>
-          <a:effectRef idx="0">
-            <a:schemeClr val="accent1"/>
-          </a:effectRef>
-          <a:fontRef idx="minor">
-            <a:schemeClr val="tx1"/>
-          </a:fontRef>
-        </p:style>
-      </p:cxnSp>
-      <p:cxnSp>
-        <p:nvCxnSpPr>
-          <p:cNvPr id="31" name="Straight Arrow Connector 30">
-            <a:extLst>
-              <a:ext uri="{FF2B5EF4-FFF2-40B4-BE49-F238E27FC236}">
-                <a16:creationId xmlns:a16="http://schemas.microsoft.com/office/drawing/2014/main" id="{34AEE6D9-8B3E-494E-BFB9-C3E997D66745}"/>
-              </a:ext>
-            </a:extLst>
-          </p:cNvPr>
-          <p:cNvCxnSpPr>
-            <a:cxnSpLocks/>
-          </p:cNvCxnSpPr>
-          <p:nvPr/>
-        </p:nvCxnSpPr>
-        <p:spPr>
-          <a:xfrm flipV="1">
-            <a:off x="8737600" y="3723636"/>
-            <a:ext cx="0" cy="1092204"/>
-          </a:xfrm>
-          <a:prstGeom prst="straightConnector1">
-            <a:avLst/>
-          </a:prstGeom>
-          <a:ln w="34925">
-            <a:solidFill>
-              <a:schemeClr val="tx1"/>
-            </a:solidFill>
-            <a:tailEnd type="triangle"/>
-          </a:ln>
-        </p:spPr>
-        <p:style>
-          <a:lnRef idx="1">
-            <a:schemeClr val="accent1"/>
-          </a:lnRef>
-          <a:fillRef idx="0">
-            <a:schemeClr val="accent1"/>
-          </a:fillRef>
-          <a:effectRef idx="0">
-            <a:schemeClr val="accent1"/>
-          </a:effectRef>
-          <a:fontRef idx="minor">
-            <a:schemeClr val="tx1"/>
-          </a:fontRef>
-        </p:style>
-      </p:cxnSp>
-      <p:cxnSp>
-        <p:nvCxnSpPr>
-          <p:cNvPr id="32" name="Straight Arrow Connector 31">
-            <a:extLst>
-              <a:ext uri="{FF2B5EF4-FFF2-40B4-BE49-F238E27FC236}">
-                <a16:creationId xmlns:a16="http://schemas.microsoft.com/office/drawing/2014/main" id="{BA09227C-AB31-3A48-8C0F-0E06640402E1}"/>
-              </a:ext>
-            </a:extLst>
-          </p:cNvPr>
-          <p:cNvCxnSpPr>
-            <a:cxnSpLocks/>
-          </p:cNvCxnSpPr>
-          <p:nvPr/>
-        </p:nvCxnSpPr>
-        <p:spPr>
-          <a:xfrm flipV="1">
-            <a:off x="11064240" y="3733796"/>
-            <a:ext cx="0" cy="1092204"/>
-          </a:xfrm>
-          <a:prstGeom prst="straightConnector1">
-            <a:avLst/>
-          </a:prstGeom>
-          <a:ln w="34925">
-            <a:solidFill>
-              <a:schemeClr val="tx1"/>
-            </a:solidFill>
-            <a:tailEnd type="triangle"/>
-          </a:ln>
-        </p:spPr>
-        <p:style>
-          <a:lnRef idx="1">
-            <a:schemeClr val="accent1"/>
-          </a:lnRef>
-          <a:fillRef idx="0">
-            <a:schemeClr val="accent1"/>
-          </a:fillRef>
-          <a:effectRef idx="0">
-            <a:schemeClr val="accent1"/>
-          </a:effectRef>
-          <a:fontRef idx="minor">
-            <a:schemeClr val="tx1"/>
-          </a:fontRef>
-        </p:style>
-      </p:cxnSp>
-      <p:sp>
-        <p:nvSpPr>
-          <p:cNvPr id="34" name="TextBox 33">
-            <a:extLst>
-              <a:ext uri="{FF2B5EF4-FFF2-40B4-BE49-F238E27FC236}">
-                <a16:creationId xmlns:a16="http://schemas.microsoft.com/office/drawing/2014/main" id="{CC4F2CDC-371B-4249-8429-60AE74C061F5}"/>
-              </a:ext>
-            </a:extLst>
-          </p:cNvPr>
-          <p:cNvSpPr txBox="1"/>
-          <p:nvPr/>
-        </p:nvSpPr>
-        <p:spPr>
-          <a:xfrm>
-            <a:off x="128694" y="1049788"/>
-            <a:ext cx="956734" cy="369332"/>
-          </a:xfrm>
-          <a:prstGeom prst="rect">
-            <a:avLst/>
-          </a:prstGeom>
-          <a:noFill/>
-        </p:spPr>
-        <p:txBody>
-          <a:bodyPr wrap="square" rtlCol="0">
-            <a:spAutoFit/>
-          </a:bodyPr>
-          <a:lstStyle/>
-          <a:p>
-            <a:r>
-              <a:rPr lang="en-US" dirty="0">
-                <a:solidFill>
-                  <a:schemeClr val="accent2"/>
-                </a:solidFill>
-              </a:rPr>
-              <a:t>scheme</a:t>
-            </a:r>
-          </a:p>
-        </p:txBody>
-      </p:sp>
-      <p:sp>
-        <p:nvSpPr>
-          <p:cNvPr id="35" name="TextBox 34">
-            <a:extLst>
-              <a:ext uri="{FF2B5EF4-FFF2-40B4-BE49-F238E27FC236}">
-                <a16:creationId xmlns:a16="http://schemas.microsoft.com/office/drawing/2014/main" id="{DA02AA8F-A3C0-384B-B234-A33B0F4526F5}"/>
-              </a:ext>
-            </a:extLst>
-          </p:cNvPr>
-          <p:cNvSpPr txBox="1"/>
-          <p:nvPr/>
-        </p:nvSpPr>
-        <p:spPr>
-          <a:xfrm>
-            <a:off x="1841321" y="1006367"/>
-            <a:ext cx="1524847" cy="646331"/>
-          </a:xfrm>
-          <a:prstGeom prst="rect">
-            <a:avLst/>
-          </a:prstGeom>
-          <a:noFill/>
-        </p:spPr>
-        <p:txBody>
-          <a:bodyPr wrap="square" rtlCol="0">
-            <a:spAutoFit/>
-          </a:bodyPr>
-          <a:lstStyle/>
-          <a:p>
-            <a:pPr algn="ctr"/>
-            <a:r>
-              <a:rPr lang="en-US" dirty="0">
-                <a:solidFill>
-                  <a:srgbClr val="FF9933"/>
-                </a:solidFill>
-              </a:rPr>
-              <a:t>version of the indicators API</a:t>
-            </a:r>
-          </a:p>
-        </p:txBody>
-      </p:sp>
-      <p:sp>
-        <p:nvSpPr>
-          <p:cNvPr id="36" name="TextBox 35">
-            <a:extLst>
-              <a:ext uri="{FF2B5EF4-FFF2-40B4-BE49-F238E27FC236}">
-                <a16:creationId xmlns:a16="http://schemas.microsoft.com/office/drawing/2014/main" id="{8D4A6485-C2F0-C54B-9C83-BFE457BE9A46}"/>
-              </a:ext>
-            </a:extLst>
-          </p:cNvPr>
-          <p:cNvSpPr txBox="1"/>
-          <p:nvPr/>
-        </p:nvSpPr>
-        <p:spPr>
-          <a:xfrm>
-            <a:off x="4254499" y="979269"/>
-            <a:ext cx="3520441" cy="646331"/>
-          </a:xfrm>
-          <a:prstGeom prst="rect">
-            <a:avLst/>
-          </a:prstGeom>
-          <a:noFill/>
-        </p:spPr>
-        <p:txBody>
-          <a:bodyPr wrap="square" rtlCol="0">
-            <a:spAutoFit/>
-          </a:bodyPr>
-          <a:lstStyle/>
-          <a:p>
-            <a:pPr algn="ctr"/>
-            <a:r>
-              <a:rPr lang="en-US" dirty="0">
-                <a:solidFill>
-                  <a:srgbClr val="002060"/>
-                </a:solidFill>
-              </a:rPr>
-              <a:t>Indicators </a:t>
-            </a:r>
-          </a:p>
-          <a:p>
-            <a:pPr algn="ctr"/>
-            <a:r>
-              <a:rPr lang="en-US" dirty="0">
-                <a:solidFill>
-                  <a:srgbClr val="002060"/>
-                </a:solidFill>
-              </a:rPr>
-              <a:t>(GDP, unemployment, population)</a:t>
-            </a:r>
-          </a:p>
-        </p:txBody>
-      </p:sp>
-      <p:sp>
-        <p:nvSpPr>
-          <p:cNvPr id="37" name="TextBox 36">
-            <a:extLst>
-              <a:ext uri="{FF2B5EF4-FFF2-40B4-BE49-F238E27FC236}">
-                <a16:creationId xmlns:a16="http://schemas.microsoft.com/office/drawing/2014/main" id="{D466DCBE-A068-634E-BA8E-B6E33AED6653}"/>
-              </a:ext>
-            </a:extLst>
-          </p:cNvPr>
-          <p:cNvSpPr txBox="1"/>
-          <p:nvPr/>
-        </p:nvSpPr>
-        <p:spPr>
-          <a:xfrm>
-            <a:off x="9031456" y="1125666"/>
-            <a:ext cx="1551194" cy="369332"/>
-          </a:xfrm>
-          <a:prstGeom prst="rect">
-            <a:avLst/>
-          </a:prstGeom>
-          <a:noFill/>
-        </p:spPr>
-        <p:txBody>
-          <a:bodyPr wrap="square" rtlCol="0">
-            <a:spAutoFit/>
-          </a:bodyPr>
-          <a:lstStyle/>
-          <a:p>
-            <a:r>
-              <a:rPr lang="en-US" dirty="0">
-                <a:solidFill>
-                  <a:schemeClr val="accent2">
-                    <a:lumMod val="50000"/>
-                  </a:schemeClr>
-                </a:solidFill>
-              </a:rPr>
-              <a:t>format (JSON)</a:t>
-            </a:r>
-          </a:p>
-        </p:txBody>
-      </p:sp>
-      <p:sp>
-        <p:nvSpPr>
-          <p:cNvPr id="38" name="TextBox 37">
-            <a:extLst>
-              <a:ext uri="{FF2B5EF4-FFF2-40B4-BE49-F238E27FC236}">
-                <a16:creationId xmlns:a16="http://schemas.microsoft.com/office/drawing/2014/main" id="{678563CF-B825-1E41-963A-6C6100995D86}"/>
-              </a:ext>
-            </a:extLst>
-          </p:cNvPr>
-          <p:cNvSpPr txBox="1"/>
-          <p:nvPr/>
-        </p:nvSpPr>
-        <p:spPr>
-          <a:xfrm>
-            <a:off x="1202265" y="4836160"/>
-            <a:ext cx="1332655" cy="369332"/>
-          </a:xfrm>
-          <a:prstGeom prst="rect">
-            <a:avLst/>
-          </a:prstGeom>
-          <a:noFill/>
-        </p:spPr>
-        <p:txBody>
-          <a:bodyPr wrap="square" rtlCol="0">
-            <a:spAutoFit/>
-          </a:bodyPr>
-          <a:lstStyle/>
-          <a:p>
-            <a:r>
-              <a:rPr lang="en-US" dirty="0">
-                <a:solidFill>
-                  <a:srgbClr val="7030A0"/>
-                </a:solidFill>
-              </a:rPr>
-              <a:t>domain</a:t>
-            </a:r>
-          </a:p>
-        </p:txBody>
-      </p:sp>
-      <p:sp>
-        <p:nvSpPr>
-          <p:cNvPr id="39" name="TextBox 38">
-            <a:extLst>
-              <a:ext uri="{FF2B5EF4-FFF2-40B4-BE49-F238E27FC236}">
-                <a16:creationId xmlns:a16="http://schemas.microsoft.com/office/drawing/2014/main" id="{5C343322-69F6-B240-A6D9-0B334A4CF23F}"/>
-              </a:ext>
-            </a:extLst>
-          </p:cNvPr>
-          <p:cNvSpPr txBox="1"/>
-          <p:nvPr/>
-        </p:nvSpPr>
-        <p:spPr>
-          <a:xfrm>
-            <a:off x="2669539" y="4836160"/>
-            <a:ext cx="1776199" cy="369332"/>
-          </a:xfrm>
-          <a:prstGeom prst="rect">
-            <a:avLst/>
-          </a:prstGeom>
-          <a:noFill/>
-        </p:spPr>
-        <p:txBody>
-          <a:bodyPr wrap="square" rtlCol="0">
-            <a:spAutoFit/>
-          </a:bodyPr>
-          <a:lstStyle/>
-          <a:p>
-            <a:r>
-              <a:rPr lang="en-US" dirty="0">
-                <a:solidFill>
-                  <a:schemeClr val="accent6"/>
-                </a:solidFill>
-              </a:rPr>
-              <a:t>countries (all)</a:t>
-            </a:r>
-          </a:p>
-        </p:txBody>
-      </p:sp>
-      <p:sp>
-        <p:nvSpPr>
-          <p:cNvPr id="40" name="TextBox 39">
-            <a:extLst>
-              <a:ext uri="{FF2B5EF4-FFF2-40B4-BE49-F238E27FC236}">
-                <a16:creationId xmlns:a16="http://schemas.microsoft.com/office/drawing/2014/main" id="{3DA3EED4-B074-1841-9CEE-25615E2F4EFC}"/>
-              </a:ext>
-            </a:extLst>
-          </p:cNvPr>
-          <p:cNvSpPr txBox="1"/>
-          <p:nvPr/>
-        </p:nvSpPr>
-        <p:spPr>
-          <a:xfrm>
-            <a:off x="8002804" y="4815840"/>
-            <a:ext cx="1776199" cy="369332"/>
-          </a:xfrm>
-          <a:prstGeom prst="rect">
-            <a:avLst/>
-          </a:prstGeom>
-          <a:noFill/>
-        </p:spPr>
-        <p:txBody>
-          <a:bodyPr wrap="square" rtlCol="0">
-            <a:spAutoFit/>
-          </a:bodyPr>
-          <a:lstStyle/>
-          <a:p>
-            <a:r>
-              <a:rPr lang="en-US" dirty="0">
-                <a:solidFill>
-                  <a:schemeClr val="accent6">
-                    <a:lumMod val="50000"/>
-                  </a:schemeClr>
-                </a:solidFill>
-              </a:rPr>
-              <a:t>dataset source</a:t>
-            </a:r>
-          </a:p>
-        </p:txBody>
-      </p:sp>
-      <p:sp>
-        <p:nvSpPr>
-          <p:cNvPr id="41" name="TextBox 40">
-            <a:extLst>
-              <a:ext uri="{FF2B5EF4-FFF2-40B4-BE49-F238E27FC236}">
-                <a16:creationId xmlns:a16="http://schemas.microsoft.com/office/drawing/2014/main" id="{9169DA52-84A9-114E-9132-CF7593D7A363}"/>
-              </a:ext>
-            </a:extLst>
-          </p:cNvPr>
-          <p:cNvSpPr txBox="1"/>
-          <p:nvPr/>
-        </p:nvSpPr>
-        <p:spPr>
-          <a:xfrm>
-            <a:off x="10456387" y="4782093"/>
-            <a:ext cx="1776199" cy="369332"/>
-          </a:xfrm>
-          <a:prstGeom prst="rect">
-            <a:avLst/>
-          </a:prstGeom>
-          <a:noFill/>
-        </p:spPr>
-        <p:txBody>
-          <a:bodyPr wrap="square" rtlCol="0">
-            <a:spAutoFit/>
-          </a:bodyPr>
-          <a:lstStyle/>
-          <a:p>
-            <a:r>
-              <a:rPr lang="en-US" dirty="0">
-                <a:solidFill>
-                  <a:srgbClr val="FF0000"/>
-                </a:solidFill>
-              </a:rPr>
-              <a:t>date range</a:t>
+              <a:t>World Bank API </a:t>
             </a:r>
           </a:p>
         </p:txBody>
@@ -11665,6 +16458,176 @@
           </a:p>
         </p:txBody>
       </p:sp>
+      <p:pic>
+        <p:nvPicPr>
+          <p:cNvPr id="5" name="Picture 4">
+            <a:extLst>
+              <a:ext uri="{FF2B5EF4-FFF2-40B4-BE49-F238E27FC236}">
+                <a16:creationId xmlns:a16="http://schemas.microsoft.com/office/drawing/2014/main" id="{473F389E-8C6D-6D4D-A712-29741331F5A5}"/>
+              </a:ext>
+            </a:extLst>
+          </p:cNvPr>
+          <p:cNvPicPr>
+            <a:picLocks noChangeAspect="1"/>
+          </p:cNvPicPr>
+          <p:nvPr/>
+        </p:nvPicPr>
+        <p:blipFill>
+          <a:blip r:embed="rId2"/>
+          <a:stretch>
+            <a:fillRect/>
+          </a:stretch>
+        </p:blipFill>
+        <p:spPr>
+          <a:xfrm>
+            <a:off x="367534" y="2548452"/>
+            <a:ext cx="6062299" cy="2435090"/>
+          </a:xfrm>
+          <a:prstGeom prst="rect">
+            <a:avLst/>
+          </a:prstGeom>
+        </p:spPr>
+      </p:pic>
+      <p:pic>
+        <p:nvPicPr>
+          <p:cNvPr id="33" name="Picture 32">
+            <a:extLst>
+              <a:ext uri="{FF2B5EF4-FFF2-40B4-BE49-F238E27FC236}">
+                <a16:creationId xmlns:a16="http://schemas.microsoft.com/office/drawing/2014/main" id="{3F23D474-F6EF-0F40-A0AE-B7D95DB00710}"/>
+              </a:ext>
+            </a:extLst>
+          </p:cNvPr>
+          <p:cNvPicPr/>
+          <p:nvPr/>
+        </p:nvPicPr>
+        <p:blipFill>
+          <a:blip r:embed="rId3">
+            <a:extLst>
+              <a:ext uri="{28A0092B-C50C-407E-A947-70E740481C1C}">
+                <a14:useLocalDpi xmlns:a14="http://schemas.microsoft.com/office/drawing/2010/main" val="0"/>
+              </a:ext>
+            </a:extLst>
+          </a:blip>
+          <a:stretch>
+            <a:fillRect/>
+          </a:stretch>
+        </p:blipFill>
+        <p:spPr>
+          <a:xfrm>
+            <a:off x="6720286" y="2548451"/>
+            <a:ext cx="4979625" cy="3625174"/>
+          </a:xfrm>
+          <a:prstGeom prst="rect">
+            <a:avLst/>
+          </a:prstGeom>
+        </p:spPr>
+      </p:pic>
+      <p:sp>
+        <p:nvSpPr>
+          <p:cNvPr id="6" name="TextBox 5">
+            <a:extLst>
+              <a:ext uri="{FF2B5EF4-FFF2-40B4-BE49-F238E27FC236}">
+                <a16:creationId xmlns:a16="http://schemas.microsoft.com/office/drawing/2014/main" id="{93C8682D-DE49-B549-9FDC-24692F80E5BB}"/>
+              </a:ext>
+            </a:extLst>
+          </p:cNvPr>
+          <p:cNvSpPr txBox="1"/>
+          <p:nvPr/>
+        </p:nvSpPr>
+        <p:spPr>
+          <a:xfrm>
+            <a:off x="367534" y="2179119"/>
+            <a:ext cx="3146847" cy="369332"/>
+          </a:xfrm>
+          <a:prstGeom prst="rect">
+            <a:avLst/>
+          </a:prstGeom>
+          <a:noFill/>
+        </p:spPr>
+        <p:txBody>
+          <a:bodyPr wrap="square" rtlCol="0">
+            <a:spAutoFit/>
+          </a:bodyPr>
+          <a:lstStyle/>
+          <a:p>
+            <a:pPr marL="285750" indent="-285750">
+              <a:buFont typeface="Arial" panose="020B0604020202020204" pitchFamily="34" charset="0"/>
+              <a:buChar char="•"/>
+            </a:pPr>
+            <a:r>
+              <a:rPr lang="en-US" dirty="0"/>
+              <a:t>WB API URL Breakdown</a:t>
+            </a:r>
+          </a:p>
+        </p:txBody>
+      </p:sp>
+      <p:sp>
+        <p:nvSpPr>
+          <p:cNvPr id="42" name="TextBox 41">
+            <a:extLst>
+              <a:ext uri="{FF2B5EF4-FFF2-40B4-BE49-F238E27FC236}">
+                <a16:creationId xmlns:a16="http://schemas.microsoft.com/office/drawing/2014/main" id="{28E35C6D-E603-7C4A-84C0-E16A5D7DBD80}"/>
+              </a:ext>
+            </a:extLst>
+          </p:cNvPr>
+          <p:cNvSpPr txBox="1"/>
+          <p:nvPr/>
+        </p:nvSpPr>
+        <p:spPr>
+          <a:xfrm>
+            <a:off x="6623278" y="2179119"/>
+            <a:ext cx="3146847" cy="369332"/>
+          </a:xfrm>
+          <a:prstGeom prst="rect">
+            <a:avLst/>
+          </a:prstGeom>
+          <a:noFill/>
+        </p:spPr>
+        <p:txBody>
+          <a:bodyPr wrap="square" rtlCol="0">
+            <a:spAutoFit/>
+          </a:bodyPr>
+          <a:lstStyle/>
+          <a:p>
+            <a:pPr marL="285750" indent="-285750">
+              <a:buFont typeface="Arial" panose="020B0604020202020204" pitchFamily="34" charset="0"/>
+              <a:buChar char="•"/>
+            </a:pPr>
+            <a:r>
+              <a:rPr lang="en-US" dirty="0"/>
+              <a:t>Postman result</a:t>
+            </a:r>
+          </a:p>
+        </p:txBody>
+      </p:sp>
+      <p:graphicFrame>
+        <p:nvGraphicFramePr>
+          <p:cNvPr id="43" name="Diagram 42">
+            <a:extLst>
+              <a:ext uri="{FF2B5EF4-FFF2-40B4-BE49-F238E27FC236}">
+                <a16:creationId xmlns:a16="http://schemas.microsoft.com/office/drawing/2014/main" id="{404F1994-ED4F-D241-BBC4-708BD236F377}"/>
+              </a:ext>
+            </a:extLst>
+          </p:cNvPr>
+          <p:cNvGraphicFramePr/>
+          <p:nvPr>
+            <p:extLst>
+              <p:ext uri="{D42A27DB-BD31-4B8C-83A1-F6EECF244321}">
+                <p14:modId xmlns:p14="http://schemas.microsoft.com/office/powerpoint/2010/main" val="3793594277"/>
+              </p:ext>
+            </p:extLst>
+          </p:nvPr>
+        </p:nvGraphicFramePr>
+        <p:xfrm>
+          <a:off x="367534" y="-513653"/>
+          <a:ext cx="11150427" cy="3718526"/>
+        </p:xfrm>
+        <a:graphic>
+          <a:graphicData uri="http://schemas.openxmlformats.org/drawingml/2006/diagram">
+            <dgm:relIds xmlns:dgm="http://schemas.openxmlformats.org/drawingml/2006/diagram" xmlns:r="http://schemas.openxmlformats.org/officeDocument/2006/relationships" r:dm="rId4" r:lo="rId5" r:qs="rId6" r:cs="rId7"/>
+          </a:graphicData>
+        </a:graphic>
+      </p:graphicFrame>
     </p:spTree>
     <p:extLst>
       <p:ext uri="{BB962C8B-B14F-4D97-AF65-F5344CB8AC3E}">
@@ -11679,143 +16642,6 @@
 </file>
 
 <file path=ppt/slides/slide5.xml><?xml version="1.0" encoding="utf-8"?>
-<p:sld xmlns:a="http://schemas.openxmlformats.org/drawingml/2006/main" xmlns:r="http://schemas.openxmlformats.org/officeDocument/2006/relationships" xmlns:p="http://schemas.openxmlformats.org/presentationml/2006/main">
-  <p:cSld>
-    <p:spTree>
-      <p:nvGrpSpPr>
-        <p:cNvPr id="1" name=""/>
-        <p:cNvGrpSpPr/>
-        <p:nvPr/>
-      </p:nvGrpSpPr>
-      <p:grpSpPr>
-        <a:xfrm>
-          <a:off x="0" y="0"/>
-          <a:ext cx="0" cy="0"/>
-          <a:chOff x="0" y="0"/>
-          <a:chExt cx="0" cy="0"/>
-        </a:xfrm>
-      </p:grpSpPr>
-      <p:pic>
-        <p:nvPicPr>
-          <p:cNvPr id="4" name="Picture 3">
-            <a:extLst>
-              <a:ext uri="{FF2B5EF4-FFF2-40B4-BE49-F238E27FC236}">
-                <a16:creationId xmlns:a16="http://schemas.microsoft.com/office/drawing/2014/main" id="{6BF95B7A-E299-B240-9D6A-1B235AE34E10}"/>
-              </a:ext>
-            </a:extLst>
-          </p:cNvPr>
-          <p:cNvPicPr/>
-          <p:nvPr/>
-        </p:nvPicPr>
-        <p:blipFill>
-          <a:blip r:embed="rId2">
-            <a:extLst>
-              <a:ext uri="{28A0092B-C50C-407E-A947-70E740481C1C}">
-                <a14:useLocalDpi xmlns:a14="http://schemas.microsoft.com/office/drawing/2010/main" val="0"/>
-              </a:ext>
-            </a:extLst>
-          </a:blip>
-          <a:stretch>
-            <a:fillRect/>
-          </a:stretch>
-        </p:blipFill>
-        <p:spPr>
-          <a:xfrm>
-            <a:off x="1748366" y="649469"/>
-            <a:ext cx="8695267" cy="5388399"/>
-          </a:xfrm>
-          <a:prstGeom prst="rect">
-            <a:avLst/>
-          </a:prstGeom>
-        </p:spPr>
-      </p:pic>
-      <p:sp>
-        <p:nvSpPr>
-          <p:cNvPr id="3" name="TextBox 2">
-            <a:extLst>
-              <a:ext uri="{FF2B5EF4-FFF2-40B4-BE49-F238E27FC236}">
-                <a16:creationId xmlns:a16="http://schemas.microsoft.com/office/drawing/2014/main" id="{969E5AB7-4731-4427-B88E-C1895D63A366}"/>
-              </a:ext>
-            </a:extLst>
-          </p:cNvPr>
-          <p:cNvSpPr txBox="1"/>
-          <p:nvPr/>
-        </p:nvSpPr>
-        <p:spPr>
-          <a:xfrm>
-            <a:off x="282804" y="29003"/>
-            <a:ext cx="10426046" cy="553998"/>
-          </a:xfrm>
-          <a:prstGeom prst="rect">
-            <a:avLst/>
-          </a:prstGeom>
-          <a:noFill/>
-        </p:spPr>
-        <p:txBody>
-          <a:bodyPr wrap="square" rtlCol="0">
-            <a:spAutoFit/>
-          </a:bodyPr>
-          <a:lstStyle/>
-          <a:p>
-            <a:r>
-              <a:rPr lang="en-US" sz="3000" b="1" dirty="0">
-                <a:latin typeface="+mj-lt"/>
-              </a:rPr>
-              <a:t>World Bank API – Postman Result</a:t>
-            </a:r>
-          </a:p>
-        </p:txBody>
-      </p:sp>
-      <p:sp>
-        <p:nvSpPr>
-          <p:cNvPr id="8" name="TextBox 7">
-            <a:extLst>
-              <a:ext uri="{FF2B5EF4-FFF2-40B4-BE49-F238E27FC236}">
-                <a16:creationId xmlns:a16="http://schemas.microsoft.com/office/drawing/2014/main" id="{693566AF-1BB4-4867-8FEE-87CFECCF9382}"/>
-              </a:ext>
-            </a:extLst>
-          </p:cNvPr>
-          <p:cNvSpPr txBox="1"/>
-          <p:nvPr/>
-        </p:nvSpPr>
-        <p:spPr>
-          <a:xfrm>
-            <a:off x="0" y="6334812"/>
-            <a:ext cx="12192000" cy="523188"/>
-          </a:xfrm>
-          <a:prstGeom prst="rect">
-            <a:avLst/>
-          </a:prstGeom>
-          <a:solidFill>
-            <a:schemeClr val="accent1">
-              <a:lumMod val="50000"/>
-            </a:schemeClr>
-          </a:solidFill>
-        </p:spPr>
-        <p:txBody>
-          <a:bodyPr wrap="square" rtlCol="0">
-            <a:spAutoFit/>
-          </a:bodyPr>
-          <a:lstStyle/>
-          <a:p>
-            <a:endParaRPr lang="en-US" dirty="0"/>
-          </a:p>
-        </p:txBody>
-      </p:sp>
-    </p:spTree>
-    <p:extLst>
-      <p:ext uri="{BB962C8B-B14F-4D97-AF65-F5344CB8AC3E}">
-        <p14:creationId xmlns:p14="http://schemas.microsoft.com/office/powerpoint/2010/main" val="1058864871"/>
-      </p:ext>
-    </p:extLst>
-  </p:cSld>
-  <p:clrMapOvr>
-    <a:masterClrMapping/>
-  </p:clrMapOvr>
-</p:sld>
-</file>
-
-<file path=ppt/slides/slide6.xml><?xml version="1.0" encoding="utf-8"?>
 <p:sld xmlns:a="http://schemas.openxmlformats.org/drawingml/2006/main" xmlns:r="http://schemas.openxmlformats.org/officeDocument/2006/relationships" xmlns:p="http://schemas.openxmlformats.org/presentationml/2006/main">
   <p:cSld>
     <p:spTree>
@@ -11903,8 +16729,8 @@
         </p:blipFill>
         <p:spPr>
           <a:xfrm>
-            <a:off x="141113" y="1270000"/>
-            <a:ext cx="11909774" cy="5076297"/>
+            <a:off x="933201" y="1710268"/>
+            <a:ext cx="10369062" cy="4419600"/>
           </a:xfrm>
         </p:spPr>
       </p:pic>
@@ -11944,6 +16770,34 @@
           </a:p>
         </p:txBody>
       </p:sp>
+      <p:graphicFrame>
+        <p:nvGraphicFramePr>
+          <p:cNvPr id="5" name="Diagram 4">
+            <a:extLst>
+              <a:ext uri="{FF2B5EF4-FFF2-40B4-BE49-F238E27FC236}">
+                <a16:creationId xmlns:a16="http://schemas.microsoft.com/office/drawing/2014/main" id="{E0DF9396-96E0-B943-8E33-8E7226FD0F19}"/>
+              </a:ext>
+            </a:extLst>
+          </p:cNvPr>
+          <p:cNvGraphicFramePr/>
+          <p:nvPr>
+            <p:extLst>
+              <p:ext uri="{D42A27DB-BD31-4B8C-83A1-F6EECF244321}">
+                <p14:modId xmlns:p14="http://schemas.microsoft.com/office/powerpoint/2010/main" val="2970551465"/>
+              </p:ext>
+            </p:extLst>
+          </p:nvPr>
+        </p:nvGraphicFramePr>
+        <p:xfrm>
+          <a:off x="390312" y="334435"/>
+          <a:ext cx="11411375" cy="1375833"/>
+        </p:xfrm>
+        <a:graphic>
+          <a:graphicData uri="http://schemas.openxmlformats.org/drawingml/2006/diagram">
+            <dgm:relIds xmlns:dgm="http://schemas.openxmlformats.org/drawingml/2006/diagram" xmlns:r="http://schemas.openxmlformats.org/officeDocument/2006/relationships" r:dm="rId3" r:lo="rId4" r:qs="rId5" r:cs="rId6"/>
+          </a:graphicData>
+        </a:graphic>
+      </p:graphicFrame>
     </p:spTree>
     <p:extLst>
       <p:ext uri="{BB962C8B-B14F-4D97-AF65-F5344CB8AC3E}">
@@ -11957,7 +16811,7 @@
 </p:sld>
 </file>
 
-<file path=ppt/slides/slide7.xml><?xml version="1.0" encoding="utf-8"?>
+<file path=ppt/slides/slide6.xml><?xml version="1.0" encoding="utf-8"?>
 <p:sld xmlns:a="http://schemas.openxmlformats.org/drawingml/2006/main" xmlns:r="http://schemas.openxmlformats.org/officeDocument/2006/relationships" xmlns:p="http://schemas.openxmlformats.org/presentationml/2006/main">
   <p:cSld>
     <p:spTree>
@@ -12490,7 +17344,7 @@
 </p:sld>
 </file>
 
-<file path=ppt/slides/slide8.xml><?xml version="1.0" encoding="utf-8"?>
+<file path=ppt/slides/slide7.xml><?xml version="1.0" encoding="utf-8"?>
 <p:sld xmlns:a="http://schemas.openxmlformats.org/drawingml/2006/main" xmlns:r="http://schemas.openxmlformats.org/officeDocument/2006/relationships" xmlns:p="http://schemas.openxmlformats.org/presentationml/2006/main">
   <p:cSld>
     <p:spTree>
@@ -13021,7 +17875,7 @@
 </p:sld>
 </file>
 
-<file path=ppt/slides/slide9.xml><?xml version="1.0" encoding="utf-8"?>
+<file path=ppt/slides/slide8.xml><?xml version="1.0" encoding="utf-8"?>
 <p:sld xmlns:a="http://schemas.openxmlformats.org/drawingml/2006/main" xmlns:r="http://schemas.openxmlformats.org/officeDocument/2006/relationships" xmlns:p="http://schemas.openxmlformats.org/presentationml/2006/main">
   <p:cSld>
     <p:spTree>
